--- a/docs/power-points/Diagrama de Arquitetura.pptx
+++ b/docs/power-points/Diagrama de Arquitetura.pptx
@@ -5,7 +5,7 @@
     <p:sldMasterId id="2147483648" r:id="rId4"/>
   </p:sldMasterIdLst>
   <p:notesMasterIdLst>
-    <p:notesMasterId r:id="rId31"/>
+    <p:notesMasterId r:id="rId33"/>
   </p:notesMasterIdLst>
   <p:sldIdLst>
     <p:sldId id="257" r:id="rId5"/>
@@ -33,7 +33,9 @@
     <p:sldId id="1027" r:id="rId27"/>
     <p:sldId id="1026" r:id="rId28"/>
     <p:sldId id="1028" r:id="rId29"/>
-    <p:sldId id="455" r:id="rId30"/>
+    <p:sldId id="1029" r:id="rId30"/>
+    <p:sldId id="1030" r:id="rId31"/>
+    <p:sldId id="455" r:id="rId32"/>
   </p:sldIdLst>
   <p:sldSz cx="12192000" cy="6858000"/>
   <p:notesSz cx="6858000" cy="9144000"/>
@@ -230,7 +232,7 @@
           <a:p>
             <a:fld id="{59DFAF6B-3E96-4408-B623-B0A75E7457D9}" type="datetimeFigureOut">
               <a:rPr lang="en-US" smtClean="0"/>
-              <a:t>4/20/2022</a:t>
+              <a:t>5/25/2022</a:t>
             </a:fld>
             <a:endParaRPr lang="en-US"/>
           </a:p>
@@ -1273,6 +1275,176 @@
     <p:extLst>
       <p:ext uri="{BB962C8B-B14F-4D97-AF65-F5344CB8AC3E}">
         <p14:creationId xmlns:p14="http://schemas.microsoft.com/office/powerpoint/2010/main" val="4237940339"/>
+      </p:ext>
+    </p:extLst>
+  </p:cSld>
+  <p:clrMapOvr>
+    <a:masterClrMapping/>
+  </p:clrMapOvr>
+</p:notes>
+</file>
+
+<file path=ppt/notesSlides/notesSlide18.xml><?xml version="1.0" encoding="utf-8"?>
+<p:notes xmlns:a="http://schemas.openxmlformats.org/drawingml/2006/main" xmlns:r="http://schemas.openxmlformats.org/officeDocument/2006/relationships" xmlns:p="http://schemas.openxmlformats.org/presentationml/2006/main">
+  <p:cSld>
+    <p:spTree>
+      <p:nvGrpSpPr>
+        <p:cNvPr id="1" name=""/>
+        <p:cNvGrpSpPr/>
+        <p:nvPr/>
+      </p:nvGrpSpPr>
+      <p:grpSpPr>
+        <a:xfrm>
+          <a:off x="0" y="0"/>
+          <a:ext cx="0" cy="0"/>
+          <a:chOff x="0" y="0"/>
+          <a:chExt cx="0" cy="0"/>
+        </a:xfrm>
+      </p:grpSpPr>
+      <p:sp>
+        <p:nvSpPr>
+          <p:cNvPr id="2" name="Slide Image Placeholder 1"/>
+          <p:cNvSpPr>
+            <a:spLocks noGrp="1" noRot="1" noChangeAspect="1"/>
+          </p:cNvSpPr>
+          <p:nvPr>
+            <p:ph type="sldImg"/>
+          </p:nvPr>
+        </p:nvSpPr>
+        <p:spPr/>
+      </p:sp>
+      <p:sp>
+        <p:nvSpPr>
+          <p:cNvPr id="3" name="Notes Placeholder 2"/>
+          <p:cNvSpPr>
+            <a:spLocks noGrp="1"/>
+          </p:cNvSpPr>
+          <p:nvPr>
+            <p:ph type="body" idx="1"/>
+          </p:nvPr>
+        </p:nvSpPr>
+        <p:spPr/>
+        <p:txBody>
+          <a:bodyPr/>
+          <a:lstStyle/>
+          <a:p>
+            <a:endParaRPr lang="pt-BR"/>
+          </a:p>
+        </p:txBody>
+      </p:sp>
+      <p:sp>
+        <p:nvSpPr>
+          <p:cNvPr id="4" name="Slide Number Placeholder 3"/>
+          <p:cNvSpPr>
+            <a:spLocks noGrp="1"/>
+          </p:cNvSpPr>
+          <p:nvPr>
+            <p:ph type="sldNum" sz="quarter" idx="5"/>
+          </p:nvPr>
+        </p:nvSpPr>
+        <p:spPr/>
+        <p:txBody>
+          <a:bodyPr/>
+          <a:lstStyle/>
+          <a:p>
+            <a:fld id="{75B3645A-D0AE-4F6E-A17E-E0036A9041AF}" type="slidenum">
+              <a:rPr lang="pt-BR" smtClean="0"/>
+              <a:pPr/>
+              <a:t>26</a:t>
+            </a:fld>
+            <a:endParaRPr lang="pt-BR"/>
+          </a:p>
+        </p:txBody>
+      </p:sp>
+    </p:spTree>
+    <p:extLst>
+      <p:ext uri="{BB962C8B-B14F-4D97-AF65-F5344CB8AC3E}">
+        <p14:creationId xmlns:p14="http://schemas.microsoft.com/office/powerpoint/2010/main" val="2036379938"/>
+      </p:ext>
+    </p:extLst>
+  </p:cSld>
+  <p:clrMapOvr>
+    <a:masterClrMapping/>
+  </p:clrMapOvr>
+</p:notes>
+</file>
+
+<file path=ppt/notesSlides/notesSlide19.xml><?xml version="1.0" encoding="utf-8"?>
+<p:notes xmlns:a="http://schemas.openxmlformats.org/drawingml/2006/main" xmlns:r="http://schemas.openxmlformats.org/officeDocument/2006/relationships" xmlns:p="http://schemas.openxmlformats.org/presentationml/2006/main">
+  <p:cSld>
+    <p:spTree>
+      <p:nvGrpSpPr>
+        <p:cNvPr id="1" name=""/>
+        <p:cNvGrpSpPr/>
+        <p:nvPr/>
+      </p:nvGrpSpPr>
+      <p:grpSpPr>
+        <a:xfrm>
+          <a:off x="0" y="0"/>
+          <a:ext cx="0" cy="0"/>
+          <a:chOff x="0" y="0"/>
+          <a:chExt cx="0" cy="0"/>
+        </a:xfrm>
+      </p:grpSpPr>
+      <p:sp>
+        <p:nvSpPr>
+          <p:cNvPr id="2" name="Slide Image Placeholder 1"/>
+          <p:cNvSpPr>
+            <a:spLocks noGrp="1" noRot="1" noChangeAspect="1"/>
+          </p:cNvSpPr>
+          <p:nvPr>
+            <p:ph type="sldImg"/>
+          </p:nvPr>
+        </p:nvSpPr>
+        <p:spPr/>
+      </p:sp>
+      <p:sp>
+        <p:nvSpPr>
+          <p:cNvPr id="3" name="Notes Placeholder 2"/>
+          <p:cNvSpPr>
+            <a:spLocks noGrp="1"/>
+          </p:cNvSpPr>
+          <p:nvPr>
+            <p:ph type="body" idx="1"/>
+          </p:nvPr>
+        </p:nvSpPr>
+        <p:spPr/>
+        <p:txBody>
+          <a:bodyPr/>
+          <a:lstStyle/>
+          <a:p>
+            <a:endParaRPr lang="pt-BR"/>
+          </a:p>
+        </p:txBody>
+      </p:sp>
+      <p:sp>
+        <p:nvSpPr>
+          <p:cNvPr id="4" name="Slide Number Placeholder 3"/>
+          <p:cNvSpPr>
+            <a:spLocks noGrp="1"/>
+          </p:cNvSpPr>
+          <p:nvPr>
+            <p:ph type="sldNum" sz="quarter" idx="5"/>
+          </p:nvPr>
+        </p:nvSpPr>
+        <p:spPr/>
+        <p:txBody>
+          <a:bodyPr/>
+          <a:lstStyle/>
+          <a:p>
+            <a:fld id="{75B3645A-D0AE-4F6E-A17E-E0036A9041AF}" type="slidenum">
+              <a:rPr lang="pt-BR" smtClean="0"/>
+              <a:pPr/>
+              <a:t>27</a:t>
+            </a:fld>
+            <a:endParaRPr lang="pt-BR"/>
+          </a:p>
+        </p:txBody>
+      </p:sp>
+    </p:spTree>
+    <p:extLst>
+      <p:ext uri="{BB962C8B-B14F-4D97-AF65-F5344CB8AC3E}">
+        <p14:creationId xmlns:p14="http://schemas.microsoft.com/office/powerpoint/2010/main" val="3211077454"/>
       </p:ext>
     </p:extLst>
   </p:cSld>
@@ -21503,8 +21675,8 @@
         </p:nvSpPr>
         <p:spPr>
           <a:xfrm>
-            <a:off x="3199057" y="1139373"/>
-            <a:ext cx="8668790" cy="3590755"/>
+            <a:off x="3326296" y="1082347"/>
+            <a:ext cx="8450333" cy="3590755"/>
           </a:xfrm>
           <a:prstGeom prst="rect">
             <a:avLst/>
@@ -21639,7 +21811,7 @@
         </p:nvSpPr>
         <p:spPr>
           <a:xfrm>
-            <a:off x="483189" y="1143248"/>
+            <a:off x="711564" y="738976"/>
             <a:ext cx="2131712" cy="1828602"/>
           </a:xfrm>
           <a:prstGeom prst="flowChartMagneticDisk">
@@ -21703,9 +21875,9 @@
           <p:nvPr/>
         </p:nvCxnSpPr>
         <p:spPr>
-          <a:xfrm flipH="1">
-            <a:off x="2614901" y="1829009"/>
-            <a:ext cx="3399459" cy="228540"/>
+          <a:xfrm flipH="1" flipV="1">
+            <a:off x="2843276" y="1653277"/>
+            <a:ext cx="3171084" cy="175732"/>
           </a:xfrm>
           <a:prstGeom prst="straightConnector1">
             <a:avLst/>
@@ -21750,7 +21922,7 @@
         </p:nvSpPr>
         <p:spPr>
           <a:xfrm>
-            <a:off x="348966" y="1664481"/>
+            <a:off x="642109" y="1261579"/>
             <a:ext cx="2327633" cy="594778"/>
           </a:xfrm>
           <a:prstGeom prst="rect">
@@ -21767,14 +21939,14 @@
               <a:defRPr/>
             </a:pPr>
             <a:r>
-              <a:rPr lang="pt-BR" sz="1814" b="1" err="1">
+              <a:rPr lang="pt-BR" sz="1814" b="1" dirty="0" err="1">
                 <a:solidFill>
                   <a:prstClr val="white"/>
                 </a:solidFill>
               </a:rPr>
               <a:t>Database</a:t>
             </a:r>
-            <a:endParaRPr lang="pt-BR" sz="1814" b="1">
+            <a:endParaRPr lang="pt-BR" sz="1814" b="1" dirty="0">
               <a:solidFill>
                 <a:prstClr val="white"/>
               </a:solidFill>
@@ -21785,7 +21957,7 @@
               <a:defRPr/>
             </a:pPr>
             <a:r>
-              <a:rPr lang="pt-BR" sz="1451">
+              <a:rPr lang="pt-BR" sz="1451" dirty="0">
                 <a:solidFill>
                   <a:prstClr val="white"/>
                 </a:solidFill>
@@ -21809,7 +21981,7 @@
         </p:nvSpPr>
         <p:spPr>
           <a:xfrm>
-            <a:off x="394454" y="2253471"/>
+            <a:off x="633130" y="1899191"/>
             <a:ext cx="2327633" cy="538865"/>
           </a:xfrm>
           <a:prstGeom prst="rect">
@@ -23387,7 +23559,7 @@
           <p:spPr>
             <a:xfrm>
               <a:off x="8835349" y="1583057"/>
-              <a:ext cx="2566457" cy="1133730"/>
+              <a:ext cx="2566457" cy="1521472"/>
             </a:xfrm>
             <a:prstGeom prst="rect">
               <a:avLst/>
@@ -23408,23 +23580,7 @@
                     <a:prstClr val="white"/>
                   </a:solidFill>
                 </a:rPr>
-                <a:t>Vakinha</a:t>
-              </a:r>
-              <a:r>
-                <a:rPr lang="pt-BR" sz="1632" b="1" dirty="0">
-                  <a:solidFill>
-                    <a:prstClr val="white"/>
-                  </a:solidFill>
-                </a:rPr>
-                <a:t> </a:t>
-              </a:r>
-              <a:r>
-                <a:rPr lang="pt-BR" sz="1632" b="1" dirty="0" err="1">
-                  <a:solidFill>
-                    <a:prstClr val="white"/>
-                  </a:solidFill>
-                </a:rPr>
-                <a:t>Controller</a:t>
+                <a:t>CampanhasController</a:t>
               </a:r>
               <a:endParaRPr lang="pt-BR" sz="1632" b="1" dirty="0">
                 <a:solidFill>
@@ -23622,6 +23778,342 @@
           <a:xfrm flipV="1">
             <a:off x="7257535" y="4408607"/>
             <a:ext cx="3636935" cy="632769"/>
+          </a:xfrm>
+          <a:prstGeom prst="straightConnector1">
+            <a:avLst/>
+          </a:prstGeom>
+          <a:ln w="19050">
+            <a:solidFill>
+              <a:schemeClr val="accent5">
+                <a:lumMod val="75000"/>
+              </a:schemeClr>
+            </a:solidFill>
+            <a:prstDash val="sysDash"/>
+            <a:headEnd type="none" w="lg" len="lg"/>
+            <a:tailEnd type="triangle" w="lg" len="lg"/>
+          </a:ln>
+        </p:spPr>
+        <p:style>
+          <a:lnRef idx="1">
+            <a:schemeClr val="accent1"/>
+          </a:lnRef>
+          <a:fillRef idx="0">
+            <a:schemeClr val="accent1"/>
+          </a:fillRef>
+          <a:effectRef idx="0">
+            <a:schemeClr val="accent1"/>
+          </a:effectRef>
+          <a:fontRef idx="minor">
+            <a:schemeClr val="tx1"/>
+          </a:fontRef>
+        </p:style>
+      </p:cxnSp>
+      <p:grpSp>
+        <p:nvGrpSpPr>
+          <p:cNvPr id="45" name="Group 38">
+            <a:extLst>
+              <a:ext uri="{FF2B5EF4-FFF2-40B4-BE49-F238E27FC236}">
+                <a16:creationId xmlns:a16="http://schemas.microsoft.com/office/drawing/2014/main" id="{E7214317-9BD2-60A5-A5EE-A5FEC6E75EB8}"/>
+              </a:ext>
+            </a:extLst>
+          </p:cNvPr>
+          <p:cNvGrpSpPr/>
+          <p:nvPr/>
+        </p:nvGrpSpPr>
+        <p:grpSpPr>
+          <a:xfrm>
+            <a:off x="9714964" y="1261579"/>
+            <a:ext cx="1905536" cy="1305999"/>
+            <a:chOff x="8734539" y="1515280"/>
+            <a:chExt cx="2566460" cy="2016224"/>
+          </a:xfrm>
+        </p:grpSpPr>
+        <p:sp>
+          <p:nvSpPr>
+            <p:cNvPr id="46" name="Retângulo 45">
+              <a:extLst>
+                <a:ext uri="{FF2B5EF4-FFF2-40B4-BE49-F238E27FC236}">
+                  <a16:creationId xmlns:a16="http://schemas.microsoft.com/office/drawing/2014/main" id="{BC1A92E9-0CCE-9ADA-36FB-C9A5B742296F}"/>
+                </a:ext>
+              </a:extLst>
+            </p:cNvPr>
+            <p:cNvSpPr/>
+            <p:nvPr/>
+          </p:nvSpPr>
+          <p:spPr>
+            <a:xfrm>
+              <a:off x="8829636" y="1515280"/>
+              <a:ext cx="2376264" cy="2016224"/>
+            </a:xfrm>
+            <a:prstGeom prst="rect">
+              <a:avLst/>
+            </a:prstGeom>
+            <a:solidFill>
+              <a:srgbClr val="32B9CD"/>
+            </a:solidFill>
+            <a:ln/>
+          </p:spPr>
+          <p:style>
+            <a:lnRef idx="2">
+              <a:schemeClr val="accent5">
+                <a:shade val="50000"/>
+              </a:schemeClr>
+            </a:lnRef>
+            <a:fillRef idx="1">
+              <a:schemeClr val="accent5"/>
+            </a:fillRef>
+            <a:effectRef idx="0">
+              <a:schemeClr val="accent5"/>
+            </a:effectRef>
+            <a:fontRef idx="minor">
+              <a:schemeClr val="lt1"/>
+            </a:fontRef>
+          </p:style>
+          <p:txBody>
+            <a:bodyPr rtlCol="0" anchor="ctr"/>
+            <a:lstStyle/>
+            <a:p>
+              <a:pPr algn="ctr"/>
+              <a:endParaRPr lang="pt-BR" sz="1451" dirty="0">
+                <a:solidFill>
+                  <a:prstClr val="white"/>
+                </a:solidFill>
+                <a:latin typeface="Calibri"/>
+              </a:endParaRPr>
+            </a:p>
+          </p:txBody>
+        </p:sp>
+        <p:sp>
+          <p:nvSpPr>
+            <p:cNvPr id="47" name="Retângulo 46">
+              <a:extLst>
+                <a:ext uri="{FF2B5EF4-FFF2-40B4-BE49-F238E27FC236}">
+                  <a16:creationId xmlns:a16="http://schemas.microsoft.com/office/drawing/2014/main" id="{7F677E28-72D6-CCEF-81B7-8E1C551309B7}"/>
+                </a:ext>
+              </a:extLst>
+            </p:cNvPr>
+            <p:cNvSpPr/>
+            <p:nvPr/>
+          </p:nvSpPr>
+          <p:spPr>
+            <a:xfrm>
+              <a:off x="8734539" y="1583832"/>
+              <a:ext cx="2566459" cy="1133730"/>
+            </a:xfrm>
+            <a:prstGeom prst="rect">
+              <a:avLst/>
+            </a:prstGeom>
+          </p:spPr>
+          <p:txBody>
+            <a:bodyPr wrap="square">
+              <a:spAutoFit/>
+            </a:bodyPr>
+            <a:lstStyle/>
+            <a:p>
+              <a:pPr lvl="0" algn="ctr">
+                <a:defRPr/>
+              </a:pPr>
+              <a:r>
+                <a:rPr lang="pt-BR" sz="1632" b="1" dirty="0">
+                  <a:solidFill>
+                    <a:prstClr val="white"/>
+                  </a:solidFill>
+                </a:rPr>
+                <a:t>Feed </a:t>
+              </a:r>
+              <a:r>
+                <a:rPr lang="pt-BR" sz="1632" b="1" dirty="0" err="1">
+                  <a:solidFill>
+                    <a:prstClr val="white"/>
+                  </a:solidFill>
+                </a:rPr>
+                <a:t>Controller</a:t>
+              </a:r>
+              <a:endParaRPr lang="pt-BR" sz="1632" b="1" dirty="0">
+                <a:solidFill>
+                  <a:prstClr val="white"/>
+                </a:solidFill>
+              </a:endParaRPr>
+            </a:p>
+            <a:p>
+              <a:pPr lvl="0" algn="ctr">
+                <a:defRPr/>
+              </a:pPr>
+              <a:r>
+                <a:rPr lang="pt-BR" sz="1270" dirty="0">
+                  <a:solidFill>
+                    <a:prstClr val="white"/>
+                  </a:solidFill>
+                </a:rPr>
+                <a:t>[</a:t>
+              </a:r>
+              <a:r>
+                <a:rPr lang="pt-BR" sz="1270" dirty="0" err="1">
+                  <a:solidFill>
+                    <a:prstClr val="white"/>
+                  </a:solidFill>
+                </a:rPr>
+                <a:t>Component</a:t>
+              </a:r>
+              <a:r>
+                <a:rPr lang="pt-BR" sz="1270" dirty="0">
+                  <a:solidFill>
+                    <a:prstClr val="white"/>
+                  </a:solidFill>
+                </a:rPr>
+                <a:t>: Spring MVC </a:t>
+              </a:r>
+              <a:r>
+                <a:rPr lang="pt-BR" sz="1270" dirty="0" err="1">
+                  <a:solidFill>
+                    <a:prstClr val="white"/>
+                  </a:solidFill>
+                </a:rPr>
+                <a:t>Rest</a:t>
+              </a:r>
+              <a:r>
+                <a:rPr lang="pt-BR" sz="1270" dirty="0">
+                  <a:solidFill>
+                    <a:prstClr val="white"/>
+                  </a:solidFill>
+                </a:rPr>
+                <a:t> </a:t>
+              </a:r>
+              <a:r>
+                <a:rPr lang="pt-BR" sz="1270" dirty="0" err="1">
+                  <a:solidFill>
+                    <a:prstClr val="white"/>
+                  </a:solidFill>
+                </a:rPr>
+                <a:t>Controller</a:t>
+              </a:r>
+              <a:r>
+                <a:rPr lang="pt-BR" sz="1270" dirty="0">
+                  <a:solidFill>
+                    <a:prstClr val="white"/>
+                  </a:solidFill>
+                </a:rPr>
+                <a:t>]</a:t>
+              </a:r>
+            </a:p>
+          </p:txBody>
+        </p:sp>
+        <p:sp>
+          <p:nvSpPr>
+            <p:cNvPr id="48" name="Retângulo 20">
+              <a:extLst>
+                <a:ext uri="{FF2B5EF4-FFF2-40B4-BE49-F238E27FC236}">
+                  <a16:creationId xmlns:a16="http://schemas.microsoft.com/office/drawing/2014/main" id="{0FED8A23-8388-61E6-0BF0-787BA551BA72}"/>
+                </a:ext>
+              </a:extLst>
+            </p:cNvPr>
+            <p:cNvSpPr/>
+            <p:nvPr/>
+          </p:nvSpPr>
+          <p:spPr>
+            <a:xfrm>
+              <a:off x="8734539" y="2714179"/>
+              <a:ext cx="2566460" cy="745986"/>
+            </a:xfrm>
+            <a:prstGeom prst="rect">
+              <a:avLst/>
+            </a:prstGeom>
+          </p:spPr>
+          <p:txBody>
+            <a:bodyPr wrap="square">
+              <a:spAutoFit/>
+            </a:bodyPr>
+            <a:lstStyle/>
+            <a:p>
+              <a:pPr lvl="0" algn="ctr">
+                <a:defRPr/>
+              </a:pPr>
+              <a:r>
+                <a:rPr lang="pt-BR" sz="1270" dirty="0">
+                  <a:solidFill>
+                    <a:prstClr val="white"/>
+                  </a:solidFill>
+                </a:rPr>
+                <a:t>Traz as postagens da ong</a:t>
+              </a:r>
+              <a:endParaRPr lang="pt-BR" sz="998" dirty="0">
+                <a:solidFill>
+                  <a:prstClr val="white"/>
+                </a:solidFill>
+              </a:endParaRPr>
+            </a:p>
+          </p:txBody>
+        </p:sp>
+      </p:grpSp>
+      <p:cxnSp>
+        <p:nvCxnSpPr>
+          <p:cNvPr id="49" name="Conector de Seta Reta 107">
+            <a:extLst>
+              <a:ext uri="{FF2B5EF4-FFF2-40B4-BE49-F238E27FC236}">
+                <a16:creationId xmlns:a16="http://schemas.microsoft.com/office/drawing/2014/main" id="{2DCB9A2C-CD4F-9F8E-DC76-198488988130}"/>
+              </a:ext>
+            </a:extLst>
+          </p:cNvPr>
+          <p:cNvCxnSpPr>
+            <a:cxnSpLocks/>
+            <a:stCxn id="71" idx="0"/>
+            <a:endCxn id="46" idx="2"/>
+          </p:cNvCxnSpPr>
+          <p:nvPr/>
+        </p:nvCxnSpPr>
+        <p:spPr>
+          <a:xfrm flipV="1">
+            <a:off x="7257535" y="2567578"/>
+            <a:ext cx="3410196" cy="2473798"/>
+          </a:xfrm>
+          <a:prstGeom prst="straightConnector1">
+            <a:avLst/>
+          </a:prstGeom>
+          <a:ln w="19050">
+            <a:solidFill>
+              <a:schemeClr val="accent5">
+                <a:lumMod val="75000"/>
+              </a:schemeClr>
+            </a:solidFill>
+            <a:prstDash val="sysDash"/>
+            <a:headEnd type="none" w="lg" len="lg"/>
+            <a:tailEnd type="triangle" w="lg" len="lg"/>
+          </a:ln>
+        </p:spPr>
+        <p:style>
+          <a:lnRef idx="1">
+            <a:schemeClr val="accent1"/>
+          </a:lnRef>
+          <a:fillRef idx="0">
+            <a:schemeClr val="accent1"/>
+          </a:fillRef>
+          <a:effectRef idx="0">
+            <a:schemeClr val="accent1"/>
+          </a:effectRef>
+          <a:fontRef idx="minor">
+            <a:schemeClr val="tx1"/>
+          </a:fontRef>
+        </p:style>
+      </p:cxnSp>
+      <p:cxnSp>
+        <p:nvCxnSpPr>
+          <p:cNvPr id="52" name="Conector de Seta Reta 107">
+            <a:extLst>
+              <a:ext uri="{FF2B5EF4-FFF2-40B4-BE49-F238E27FC236}">
+                <a16:creationId xmlns:a16="http://schemas.microsoft.com/office/drawing/2014/main" id="{3924FC1A-7616-57BB-CDA2-19C1F120404A}"/>
+              </a:ext>
+            </a:extLst>
+          </p:cNvPr>
+          <p:cNvCxnSpPr>
+            <a:cxnSpLocks/>
+            <a:stCxn id="46" idx="1"/>
+          </p:cNvCxnSpPr>
+          <p:nvPr/>
+        </p:nvCxnSpPr>
+        <p:spPr>
+          <a:xfrm flipH="1" flipV="1">
+            <a:off x="7853843" y="1713081"/>
+            <a:ext cx="1931728" cy="201498"/>
           </a:xfrm>
           <a:prstGeom prst="straightConnector1">
             <a:avLst/>
@@ -24174,6 +24666,105 @@
                                         </p:cTn>
                                         <p:tgtEl>
                                           <p:spTgt spid="86"/>
+                                        </p:tgtEl>
+                                        <p:attrNameLst>
+                                          <p:attrName>style.visibility</p:attrName>
+                                        </p:attrNameLst>
+                                      </p:cBhvr>
+                                      <p:to>
+                                        <p:strVal val="visible"/>
+                                      </p:to>
+                                    </p:set>
+                                  </p:childTnLst>
+                                </p:cTn>
+                              </p:par>
+                            </p:childTnLst>
+                          </p:cTn>
+                        </p:par>
+                      </p:childTnLst>
+                    </p:cTn>
+                  </p:par>
+                  <p:par>
+                    <p:cTn id="45" fill="hold">
+                      <p:stCondLst>
+                        <p:cond delay="indefinite"/>
+                      </p:stCondLst>
+                      <p:childTnLst>
+                        <p:par>
+                          <p:cTn id="46" fill="hold">
+                            <p:stCondLst>
+                              <p:cond delay="0"/>
+                            </p:stCondLst>
+                            <p:childTnLst>
+                              <p:par>
+                                <p:cTn id="47" presetID="1" presetClass="entr" presetSubtype="0" fill="hold" nodeType="clickEffect">
+                                  <p:stCondLst>
+                                    <p:cond delay="0"/>
+                                  </p:stCondLst>
+                                  <p:childTnLst>
+                                    <p:set>
+                                      <p:cBhvr>
+                                        <p:cTn id="48" dur="1" fill="hold">
+                                          <p:stCondLst>
+                                            <p:cond delay="0"/>
+                                          </p:stCondLst>
+                                        </p:cTn>
+                                        <p:tgtEl>
+                                          <p:spTgt spid="45"/>
+                                        </p:tgtEl>
+                                        <p:attrNameLst>
+                                          <p:attrName>style.visibility</p:attrName>
+                                        </p:attrNameLst>
+                                      </p:cBhvr>
+                                      <p:to>
+                                        <p:strVal val="visible"/>
+                                      </p:to>
+                                    </p:set>
+                                  </p:childTnLst>
+                                </p:cTn>
+                              </p:par>
+                              <p:par>
+                                <p:cTn id="49" presetID="1" presetClass="entr" presetSubtype="0" fill="hold" nodeType="withEffect">
+                                  <p:stCondLst>
+                                    <p:cond delay="0"/>
+                                  </p:stCondLst>
+                                  <p:childTnLst>
+                                    <p:set>
+                                      <p:cBhvr>
+                                        <p:cTn id="50" dur="1" fill="hold">
+                                          <p:stCondLst>
+                                            <p:cond delay="0"/>
+                                          </p:stCondLst>
+                                        </p:cTn>
+                                        <p:tgtEl>
+                                          <p:spTgt spid="49"/>
+                                        </p:tgtEl>
+                                        <p:attrNameLst>
+                                          <p:attrName>style.visibility</p:attrName>
+                                        </p:attrNameLst>
+                                      </p:cBhvr>
+                                      <p:to>
+                                        <p:strVal val="visible"/>
+                                      </p:to>
+                                    </p:set>
+                                  </p:childTnLst>
+                                </p:cTn>
+                              </p:par>
+                              <p:par>
+                                <p:cTn id="51" presetID="1" presetClass="entr" presetSubtype="0" fill="hold" nodeType="withEffect">
+                                  <p:stCondLst>
+                                    <p:cond delay="0"/>
+                                  </p:stCondLst>
+                                  <p:childTnLst>
+                                    <p:set>
+                                      <p:cBhvr>
+                                        <p:cTn id="52" dur="1" fill="hold">
+                                          <p:stCondLst>
+                                            <p:cond delay="0"/>
+                                          </p:stCondLst>
+                                        </p:cTn>
+                                        <p:tgtEl>
+                                          <p:spTgt spid="52"/>
                                         </p:tgtEl>
                                         <p:attrNameLst>
                                           <p:attrName>style.visibility</p:attrName>
@@ -26163,7 +26754,7 @@
           <p:spPr>
             <a:xfrm>
               <a:off x="8835349" y="1583057"/>
-              <a:ext cx="2566457" cy="1133730"/>
+              <a:ext cx="2566457" cy="1521472"/>
             </a:xfrm>
             <a:prstGeom prst="rect">
               <a:avLst/>
@@ -26179,20 +26770,12 @@
                 <a:defRPr/>
               </a:pPr>
               <a:r>
-                <a:rPr lang="pt-BR" sz="1632" b="1" dirty="0" err="1">
-                  <a:solidFill>
-                    <a:prstClr val="white"/>
-                  </a:solidFill>
-                </a:rPr>
-                <a:t>Vakinha</a:t>
-              </a:r>
-              <a:r>
                 <a:rPr lang="pt-BR" sz="1632" b="1" dirty="0">
                   <a:solidFill>
                     <a:prstClr val="white"/>
                   </a:solidFill>
                 </a:rPr>
-                <a:t> </a:t>
+                <a:t>Campanhas </a:t>
               </a:r>
               <a:r>
                 <a:rPr lang="pt-BR" sz="1632" b="1" dirty="0" err="1">
@@ -26483,6 +27066,341 @@
           </a:p>
         </p:txBody>
       </p:sp>
+      <p:grpSp>
+        <p:nvGrpSpPr>
+          <p:cNvPr id="151" name="Group 38">
+            <a:extLst>
+              <a:ext uri="{FF2B5EF4-FFF2-40B4-BE49-F238E27FC236}">
+                <a16:creationId xmlns:a16="http://schemas.microsoft.com/office/drawing/2014/main" id="{71BC9EBA-5A4C-DD60-493E-984700148EFD}"/>
+              </a:ext>
+            </a:extLst>
+          </p:cNvPr>
+          <p:cNvGrpSpPr/>
+          <p:nvPr/>
+        </p:nvGrpSpPr>
+        <p:grpSpPr>
+          <a:xfrm>
+            <a:off x="9871094" y="1254190"/>
+            <a:ext cx="1905536" cy="1305999"/>
+            <a:chOff x="8734539" y="1515280"/>
+            <a:chExt cx="2566460" cy="2016224"/>
+          </a:xfrm>
+        </p:grpSpPr>
+        <p:sp>
+          <p:nvSpPr>
+            <p:cNvPr id="152" name="Retângulo 151">
+              <a:extLst>
+                <a:ext uri="{FF2B5EF4-FFF2-40B4-BE49-F238E27FC236}">
+                  <a16:creationId xmlns:a16="http://schemas.microsoft.com/office/drawing/2014/main" id="{96ACCDED-A9AE-EB92-7D8F-011C1C1028E1}"/>
+                </a:ext>
+              </a:extLst>
+            </p:cNvPr>
+            <p:cNvSpPr/>
+            <p:nvPr/>
+          </p:nvSpPr>
+          <p:spPr>
+            <a:xfrm>
+              <a:off x="8829636" y="1515280"/>
+              <a:ext cx="2376264" cy="2016224"/>
+            </a:xfrm>
+            <a:prstGeom prst="rect">
+              <a:avLst/>
+            </a:prstGeom>
+            <a:solidFill>
+              <a:srgbClr val="32B9CD"/>
+            </a:solidFill>
+            <a:ln/>
+          </p:spPr>
+          <p:style>
+            <a:lnRef idx="2">
+              <a:schemeClr val="accent5">
+                <a:shade val="50000"/>
+              </a:schemeClr>
+            </a:lnRef>
+            <a:fillRef idx="1">
+              <a:schemeClr val="accent5"/>
+            </a:fillRef>
+            <a:effectRef idx="0">
+              <a:schemeClr val="accent5"/>
+            </a:effectRef>
+            <a:fontRef idx="minor">
+              <a:schemeClr val="lt1"/>
+            </a:fontRef>
+          </p:style>
+          <p:txBody>
+            <a:bodyPr rtlCol="0" anchor="ctr"/>
+            <a:lstStyle/>
+            <a:p>
+              <a:pPr algn="ctr"/>
+              <a:endParaRPr lang="pt-BR" sz="1451" dirty="0">
+                <a:solidFill>
+                  <a:prstClr val="white"/>
+                </a:solidFill>
+                <a:latin typeface="Calibri"/>
+              </a:endParaRPr>
+            </a:p>
+          </p:txBody>
+        </p:sp>
+        <p:sp>
+          <p:nvSpPr>
+            <p:cNvPr id="153" name="Retângulo 152">
+              <a:extLst>
+                <a:ext uri="{FF2B5EF4-FFF2-40B4-BE49-F238E27FC236}">
+                  <a16:creationId xmlns:a16="http://schemas.microsoft.com/office/drawing/2014/main" id="{5AF469EA-5483-559D-60B0-7B62810A3295}"/>
+                </a:ext>
+              </a:extLst>
+            </p:cNvPr>
+            <p:cNvSpPr/>
+            <p:nvPr/>
+          </p:nvSpPr>
+          <p:spPr>
+            <a:xfrm>
+              <a:off x="8734539" y="1583832"/>
+              <a:ext cx="2566459" cy="1133730"/>
+            </a:xfrm>
+            <a:prstGeom prst="rect">
+              <a:avLst/>
+            </a:prstGeom>
+          </p:spPr>
+          <p:txBody>
+            <a:bodyPr wrap="square">
+              <a:spAutoFit/>
+            </a:bodyPr>
+            <a:lstStyle/>
+            <a:p>
+              <a:pPr lvl="0" algn="ctr">
+                <a:defRPr/>
+              </a:pPr>
+              <a:r>
+                <a:rPr lang="pt-BR" sz="1632" b="1" dirty="0">
+                  <a:solidFill>
+                    <a:prstClr val="white"/>
+                  </a:solidFill>
+                </a:rPr>
+                <a:t>Feed </a:t>
+              </a:r>
+              <a:r>
+                <a:rPr lang="pt-BR" sz="1632" b="1" dirty="0" err="1">
+                  <a:solidFill>
+                    <a:prstClr val="white"/>
+                  </a:solidFill>
+                </a:rPr>
+                <a:t>Controller</a:t>
+              </a:r>
+              <a:endParaRPr lang="pt-BR" sz="1632" b="1" dirty="0">
+                <a:solidFill>
+                  <a:prstClr val="white"/>
+                </a:solidFill>
+              </a:endParaRPr>
+            </a:p>
+            <a:p>
+              <a:pPr lvl="0" algn="ctr">
+                <a:defRPr/>
+              </a:pPr>
+              <a:r>
+                <a:rPr lang="pt-BR" sz="1270" dirty="0">
+                  <a:solidFill>
+                    <a:prstClr val="white"/>
+                  </a:solidFill>
+                </a:rPr>
+                <a:t>[</a:t>
+              </a:r>
+              <a:r>
+                <a:rPr lang="pt-BR" sz="1270" dirty="0" err="1">
+                  <a:solidFill>
+                    <a:prstClr val="white"/>
+                  </a:solidFill>
+                </a:rPr>
+                <a:t>Component</a:t>
+              </a:r>
+              <a:r>
+                <a:rPr lang="pt-BR" sz="1270" dirty="0">
+                  <a:solidFill>
+                    <a:prstClr val="white"/>
+                  </a:solidFill>
+                </a:rPr>
+                <a:t>: Spring MVC </a:t>
+              </a:r>
+              <a:r>
+                <a:rPr lang="pt-BR" sz="1270" dirty="0" err="1">
+                  <a:solidFill>
+                    <a:prstClr val="white"/>
+                  </a:solidFill>
+                </a:rPr>
+                <a:t>Rest</a:t>
+              </a:r>
+              <a:r>
+                <a:rPr lang="pt-BR" sz="1270" dirty="0">
+                  <a:solidFill>
+                    <a:prstClr val="white"/>
+                  </a:solidFill>
+                </a:rPr>
+                <a:t> </a:t>
+              </a:r>
+              <a:r>
+                <a:rPr lang="pt-BR" sz="1270" dirty="0" err="1">
+                  <a:solidFill>
+                    <a:prstClr val="white"/>
+                  </a:solidFill>
+                </a:rPr>
+                <a:t>Controller</a:t>
+              </a:r>
+              <a:r>
+                <a:rPr lang="pt-BR" sz="1270" dirty="0">
+                  <a:solidFill>
+                    <a:prstClr val="white"/>
+                  </a:solidFill>
+                </a:rPr>
+                <a:t>]</a:t>
+              </a:r>
+            </a:p>
+          </p:txBody>
+        </p:sp>
+        <p:sp>
+          <p:nvSpPr>
+            <p:cNvPr id="154" name="Retângulo 20">
+              <a:extLst>
+                <a:ext uri="{FF2B5EF4-FFF2-40B4-BE49-F238E27FC236}">
+                  <a16:creationId xmlns:a16="http://schemas.microsoft.com/office/drawing/2014/main" id="{B4BC7851-1645-D1FF-F7F4-3BF8AEE9BDAA}"/>
+                </a:ext>
+              </a:extLst>
+            </p:cNvPr>
+            <p:cNvSpPr/>
+            <p:nvPr/>
+          </p:nvSpPr>
+          <p:spPr>
+            <a:xfrm>
+              <a:off x="8734539" y="2714179"/>
+              <a:ext cx="2566460" cy="745986"/>
+            </a:xfrm>
+            <a:prstGeom prst="rect">
+              <a:avLst/>
+            </a:prstGeom>
+          </p:spPr>
+          <p:txBody>
+            <a:bodyPr wrap="square">
+              <a:spAutoFit/>
+            </a:bodyPr>
+            <a:lstStyle/>
+            <a:p>
+              <a:pPr lvl="0" algn="ctr">
+                <a:defRPr/>
+              </a:pPr>
+              <a:r>
+                <a:rPr lang="pt-BR" sz="1270" dirty="0">
+                  <a:solidFill>
+                    <a:prstClr val="white"/>
+                  </a:solidFill>
+                </a:rPr>
+                <a:t>Traz as postagens da ong</a:t>
+              </a:r>
+              <a:endParaRPr lang="pt-BR" sz="998" dirty="0">
+                <a:solidFill>
+                  <a:prstClr val="white"/>
+                </a:solidFill>
+              </a:endParaRPr>
+            </a:p>
+          </p:txBody>
+        </p:sp>
+      </p:grpSp>
+      <p:cxnSp>
+        <p:nvCxnSpPr>
+          <p:cNvPr id="155" name="Conector de Seta Reta 107">
+            <a:extLst>
+              <a:ext uri="{FF2B5EF4-FFF2-40B4-BE49-F238E27FC236}">
+                <a16:creationId xmlns:a16="http://schemas.microsoft.com/office/drawing/2014/main" id="{E28DB10C-8592-CDFD-C6BC-B3A28A9205A2}"/>
+              </a:ext>
+            </a:extLst>
+          </p:cNvPr>
+          <p:cNvCxnSpPr>
+            <a:cxnSpLocks/>
+            <a:endCxn id="58" idx="3"/>
+          </p:cNvCxnSpPr>
+          <p:nvPr/>
+        </p:nvCxnSpPr>
+        <p:spPr>
+          <a:xfrm flipH="1" flipV="1">
+            <a:off x="7858151" y="1829009"/>
+            <a:ext cx="2194544" cy="140115"/>
+          </a:xfrm>
+          <a:prstGeom prst="straightConnector1">
+            <a:avLst/>
+          </a:prstGeom>
+          <a:ln w="19050">
+            <a:solidFill>
+              <a:schemeClr val="accent5">
+                <a:lumMod val="75000"/>
+              </a:schemeClr>
+            </a:solidFill>
+            <a:prstDash val="sysDash"/>
+            <a:headEnd type="none" w="lg" len="lg"/>
+            <a:tailEnd type="triangle" w="lg" len="lg"/>
+          </a:ln>
+        </p:spPr>
+        <p:style>
+          <a:lnRef idx="1">
+            <a:schemeClr val="accent1"/>
+          </a:lnRef>
+          <a:fillRef idx="0">
+            <a:schemeClr val="accent1"/>
+          </a:fillRef>
+          <a:effectRef idx="0">
+            <a:schemeClr val="accent1"/>
+          </a:effectRef>
+          <a:fontRef idx="minor">
+            <a:schemeClr val="tx1"/>
+          </a:fontRef>
+        </p:style>
+      </p:cxnSp>
+      <p:cxnSp>
+        <p:nvCxnSpPr>
+          <p:cNvPr id="156" name="Conector de Seta Reta 107">
+            <a:extLst>
+              <a:ext uri="{FF2B5EF4-FFF2-40B4-BE49-F238E27FC236}">
+                <a16:creationId xmlns:a16="http://schemas.microsoft.com/office/drawing/2014/main" id="{ECA8FD57-942C-1F45-DCE1-9EF78C665F41}"/>
+              </a:ext>
+            </a:extLst>
+          </p:cNvPr>
+          <p:cNvCxnSpPr>
+            <a:cxnSpLocks/>
+            <a:endCxn id="154" idx="2"/>
+          </p:cNvCxnSpPr>
+          <p:nvPr/>
+        </p:nvCxnSpPr>
+        <p:spPr>
+          <a:xfrm flipV="1">
+            <a:off x="7694060" y="2513980"/>
+            <a:ext cx="3129802" cy="2561194"/>
+          </a:xfrm>
+          <a:prstGeom prst="straightConnector1">
+            <a:avLst/>
+          </a:prstGeom>
+          <a:ln w="19050">
+            <a:solidFill>
+              <a:schemeClr val="accent5">
+                <a:lumMod val="75000"/>
+              </a:schemeClr>
+            </a:solidFill>
+            <a:prstDash val="sysDash"/>
+            <a:headEnd type="none" w="lg" len="lg"/>
+            <a:tailEnd type="triangle" w="lg" len="lg"/>
+          </a:ln>
+        </p:spPr>
+        <p:style>
+          <a:lnRef idx="1">
+            <a:schemeClr val="accent1"/>
+          </a:lnRef>
+          <a:fillRef idx="0">
+            <a:schemeClr val="accent1"/>
+          </a:fillRef>
+          <a:effectRef idx="0">
+            <a:schemeClr val="accent1"/>
+          </a:effectRef>
+          <a:fontRef idx="minor">
+            <a:schemeClr val="tx1"/>
+          </a:fontRef>
+        </p:style>
+      </p:cxnSp>
     </p:spTree>
     <p:extLst>
       <p:ext uri="{BB962C8B-B14F-4D97-AF65-F5344CB8AC3E}">
@@ -27005,6 +27923,105 @@
                                         </p:cTn>
                                         <p:tgtEl>
                                           <p:spTgt spid="86"/>
+                                        </p:tgtEl>
+                                        <p:attrNameLst>
+                                          <p:attrName>style.visibility</p:attrName>
+                                        </p:attrNameLst>
+                                      </p:cBhvr>
+                                      <p:to>
+                                        <p:strVal val="visible"/>
+                                      </p:to>
+                                    </p:set>
+                                  </p:childTnLst>
+                                </p:cTn>
+                              </p:par>
+                            </p:childTnLst>
+                          </p:cTn>
+                        </p:par>
+                      </p:childTnLst>
+                    </p:cTn>
+                  </p:par>
+                  <p:par>
+                    <p:cTn id="45" fill="hold">
+                      <p:stCondLst>
+                        <p:cond delay="indefinite"/>
+                      </p:stCondLst>
+                      <p:childTnLst>
+                        <p:par>
+                          <p:cTn id="46" fill="hold">
+                            <p:stCondLst>
+                              <p:cond delay="0"/>
+                            </p:stCondLst>
+                            <p:childTnLst>
+                              <p:par>
+                                <p:cTn id="47" presetID="1" presetClass="entr" presetSubtype="0" fill="hold" nodeType="clickEffect">
+                                  <p:stCondLst>
+                                    <p:cond delay="0"/>
+                                  </p:stCondLst>
+                                  <p:childTnLst>
+                                    <p:set>
+                                      <p:cBhvr>
+                                        <p:cTn id="48" dur="1" fill="hold">
+                                          <p:stCondLst>
+                                            <p:cond delay="0"/>
+                                          </p:stCondLst>
+                                        </p:cTn>
+                                        <p:tgtEl>
+                                          <p:spTgt spid="151"/>
+                                        </p:tgtEl>
+                                        <p:attrNameLst>
+                                          <p:attrName>style.visibility</p:attrName>
+                                        </p:attrNameLst>
+                                      </p:cBhvr>
+                                      <p:to>
+                                        <p:strVal val="visible"/>
+                                      </p:to>
+                                    </p:set>
+                                  </p:childTnLst>
+                                </p:cTn>
+                              </p:par>
+                              <p:par>
+                                <p:cTn id="49" presetID="1" presetClass="entr" presetSubtype="0" fill="hold" nodeType="withEffect">
+                                  <p:stCondLst>
+                                    <p:cond delay="0"/>
+                                  </p:stCondLst>
+                                  <p:childTnLst>
+                                    <p:set>
+                                      <p:cBhvr>
+                                        <p:cTn id="50" dur="1" fill="hold">
+                                          <p:stCondLst>
+                                            <p:cond delay="0"/>
+                                          </p:stCondLst>
+                                        </p:cTn>
+                                        <p:tgtEl>
+                                          <p:spTgt spid="155"/>
+                                        </p:tgtEl>
+                                        <p:attrNameLst>
+                                          <p:attrName>style.visibility</p:attrName>
+                                        </p:attrNameLst>
+                                      </p:cBhvr>
+                                      <p:to>
+                                        <p:strVal val="visible"/>
+                                      </p:to>
+                                    </p:set>
+                                  </p:childTnLst>
+                                </p:cTn>
+                              </p:par>
+                              <p:par>
+                                <p:cTn id="51" presetID="1" presetClass="entr" presetSubtype="0" fill="hold" nodeType="withEffect">
+                                  <p:stCondLst>
+                                    <p:cond delay="0"/>
+                                  </p:stCondLst>
+                                  <p:childTnLst>
+                                    <p:set>
+                                      <p:cBhvr>
+                                        <p:cTn id="52" dur="1" fill="hold">
+                                          <p:stCondLst>
+                                            <p:cond delay="0"/>
+                                          </p:stCondLst>
+                                        </p:cTn>
+                                        <p:tgtEl>
+                                          <p:spTgt spid="156"/>
                                         </p:tgtEl>
                                         <p:attrNameLst>
                                           <p:attrName>style.visibility</p:attrName>
@@ -30486,7 +31503,7 @@
           <p:spPr>
             <a:xfrm>
               <a:off x="8835349" y="1583057"/>
-              <a:ext cx="2566457" cy="1133730"/>
+              <a:ext cx="2566457" cy="1521472"/>
             </a:xfrm>
             <a:prstGeom prst="rect">
               <a:avLst/>
@@ -30502,20 +31519,12 @@
                 <a:defRPr/>
               </a:pPr>
               <a:r>
-                <a:rPr lang="pt-BR" sz="1632" b="1" dirty="0" err="1">
-                  <a:solidFill>
-                    <a:prstClr val="white"/>
-                  </a:solidFill>
-                </a:rPr>
-                <a:t>Vakinha</a:t>
-              </a:r>
-              <a:r>
                 <a:rPr lang="pt-BR" sz="1632" b="1" dirty="0">
                   <a:solidFill>
                     <a:prstClr val="white"/>
                   </a:solidFill>
                 </a:rPr>
-                <a:t> </a:t>
+                <a:t>Campanhas </a:t>
               </a:r>
               <a:r>
                 <a:rPr lang="pt-BR" sz="1632" b="1" dirty="0" err="1">
@@ -30806,6 +31815,339 @@
           </a:p>
         </p:txBody>
       </p:sp>
+      <p:grpSp>
+        <p:nvGrpSpPr>
+          <p:cNvPr id="44" name="Group 38">
+            <a:extLst>
+              <a:ext uri="{FF2B5EF4-FFF2-40B4-BE49-F238E27FC236}">
+                <a16:creationId xmlns:a16="http://schemas.microsoft.com/office/drawing/2014/main" id="{C4AF5E41-C546-C393-C0ED-6AF6129DACD5}"/>
+              </a:ext>
+            </a:extLst>
+          </p:cNvPr>
+          <p:cNvGrpSpPr/>
+          <p:nvPr/>
+        </p:nvGrpSpPr>
+        <p:grpSpPr>
+          <a:xfrm>
+            <a:off x="9780913" y="1281670"/>
+            <a:ext cx="1905536" cy="1305999"/>
+            <a:chOff x="8734539" y="1515280"/>
+            <a:chExt cx="2566460" cy="2016224"/>
+          </a:xfrm>
+        </p:grpSpPr>
+        <p:sp>
+          <p:nvSpPr>
+            <p:cNvPr id="45" name="Retângulo 44">
+              <a:extLst>
+                <a:ext uri="{FF2B5EF4-FFF2-40B4-BE49-F238E27FC236}">
+                  <a16:creationId xmlns:a16="http://schemas.microsoft.com/office/drawing/2014/main" id="{3CA5F45E-5E77-F30F-EA6F-88B381F17638}"/>
+                </a:ext>
+              </a:extLst>
+            </p:cNvPr>
+            <p:cNvSpPr/>
+            <p:nvPr/>
+          </p:nvSpPr>
+          <p:spPr>
+            <a:xfrm>
+              <a:off x="8829636" y="1515280"/>
+              <a:ext cx="2376264" cy="2016224"/>
+            </a:xfrm>
+            <a:prstGeom prst="rect">
+              <a:avLst/>
+            </a:prstGeom>
+            <a:solidFill>
+              <a:srgbClr val="32B9CD"/>
+            </a:solidFill>
+            <a:ln/>
+          </p:spPr>
+          <p:style>
+            <a:lnRef idx="2">
+              <a:schemeClr val="accent5">
+                <a:shade val="50000"/>
+              </a:schemeClr>
+            </a:lnRef>
+            <a:fillRef idx="1">
+              <a:schemeClr val="accent5"/>
+            </a:fillRef>
+            <a:effectRef idx="0">
+              <a:schemeClr val="accent5"/>
+            </a:effectRef>
+            <a:fontRef idx="minor">
+              <a:schemeClr val="lt1"/>
+            </a:fontRef>
+          </p:style>
+          <p:txBody>
+            <a:bodyPr rtlCol="0" anchor="ctr"/>
+            <a:lstStyle/>
+            <a:p>
+              <a:pPr algn="ctr"/>
+              <a:endParaRPr lang="pt-BR" sz="1451" dirty="0">
+                <a:solidFill>
+                  <a:prstClr val="white"/>
+                </a:solidFill>
+                <a:latin typeface="Calibri"/>
+              </a:endParaRPr>
+            </a:p>
+          </p:txBody>
+        </p:sp>
+        <p:sp>
+          <p:nvSpPr>
+            <p:cNvPr id="46" name="Retângulo 45">
+              <a:extLst>
+                <a:ext uri="{FF2B5EF4-FFF2-40B4-BE49-F238E27FC236}">
+                  <a16:creationId xmlns:a16="http://schemas.microsoft.com/office/drawing/2014/main" id="{96EADF09-FDE2-E77F-E3CF-F764A0A94B71}"/>
+                </a:ext>
+              </a:extLst>
+            </p:cNvPr>
+            <p:cNvSpPr/>
+            <p:nvPr/>
+          </p:nvSpPr>
+          <p:spPr>
+            <a:xfrm>
+              <a:off x="8734539" y="1583832"/>
+              <a:ext cx="2566459" cy="1133730"/>
+            </a:xfrm>
+            <a:prstGeom prst="rect">
+              <a:avLst/>
+            </a:prstGeom>
+          </p:spPr>
+          <p:txBody>
+            <a:bodyPr wrap="square">
+              <a:spAutoFit/>
+            </a:bodyPr>
+            <a:lstStyle/>
+            <a:p>
+              <a:pPr lvl="0" algn="ctr">
+                <a:defRPr/>
+              </a:pPr>
+              <a:r>
+                <a:rPr lang="pt-BR" sz="1632" b="1" dirty="0">
+                  <a:solidFill>
+                    <a:prstClr val="white"/>
+                  </a:solidFill>
+                </a:rPr>
+                <a:t>Feed </a:t>
+              </a:r>
+              <a:r>
+                <a:rPr lang="pt-BR" sz="1632" b="1" dirty="0" err="1">
+                  <a:solidFill>
+                    <a:prstClr val="white"/>
+                  </a:solidFill>
+                </a:rPr>
+                <a:t>Controller</a:t>
+              </a:r>
+              <a:endParaRPr lang="pt-BR" sz="1632" b="1" dirty="0">
+                <a:solidFill>
+                  <a:prstClr val="white"/>
+                </a:solidFill>
+              </a:endParaRPr>
+            </a:p>
+            <a:p>
+              <a:pPr lvl="0" algn="ctr">
+                <a:defRPr/>
+              </a:pPr>
+              <a:r>
+                <a:rPr lang="pt-BR" sz="1270" dirty="0">
+                  <a:solidFill>
+                    <a:prstClr val="white"/>
+                  </a:solidFill>
+                </a:rPr>
+                <a:t>[</a:t>
+              </a:r>
+              <a:r>
+                <a:rPr lang="pt-BR" sz="1270" dirty="0" err="1">
+                  <a:solidFill>
+                    <a:prstClr val="white"/>
+                  </a:solidFill>
+                </a:rPr>
+                <a:t>Component</a:t>
+              </a:r>
+              <a:r>
+                <a:rPr lang="pt-BR" sz="1270" dirty="0">
+                  <a:solidFill>
+                    <a:prstClr val="white"/>
+                  </a:solidFill>
+                </a:rPr>
+                <a:t>: Spring MVC </a:t>
+              </a:r>
+              <a:r>
+                <a:rPr lang="pt-BR" sz="1270" dirty="0" err="1">
+                  <a:solidFill>
+                    <a:prstClr val="white"/>
+                  </a:solidFill>
+                </a:rPr>
+                <a:t>Rest</a:t>
+              </a:r>
+              <a:r>
+                <a:rPr lang="pt-BR" sz="1270" dirty="0">
+                  <a:solidFill>
+                    <a:prstClr val="white"/>
+                  </a:solidFill>
+                </a:rPr>
+                <a:t> </a:t>
+              </a:r>
+              <a:r>
+                <a:rPr lang="pt-BR" sz="1270" dirty="0" err="1">
+                  <a:solidFill>
+                    <a:prstClr val="white"/>
+                  </a:solidFill>
+                </a:rPr>
+                <a:t>Controller</a:t>
+              </a:r>
+              <a:r>
+                <a:rPr lang="pt-BR" sz="1270" dirty="0">
+                  <a:solidFill>
+                    <a:prstClr val="white"/>
+                  </a:solidFill>
+                </a:rPr>
+                <a:t>]</a:t>
+              </a:r>
+            </a:p>
+          </p:txBody>
+        </p:sp>
+        <p:sp>
+          <p:nvSpPr>
+            <p:cNvPr id="47" name="Retângulo 20">
+              <a:extLst>
+                <a:ext uri="{FF2B5EF4-FFF2-40B4-BE49-F238E27FC236}">
+                  <a16:creationId xmlns:a16="http://schemas.microsoft.com/office/drawing/2014/main" id="{65DCB4A7-E1E1-DF75-B72D-9E271FFB1E8D}"/>
+                </a:ext>
+              </a:extLst>
+            </p:cNvPr>
+            <p:cNvSpPr/>
+            <p:nvPr/>
+          </p:nvSpPr>
+          <p:spPr>
+            <a:xfrm>
+              <a:off x="8734539" y="2714179"/>
+              <a:ext cx="2566460" cy="745986"/>
+            </a:xfrm>
+            <a:prstGeom prst="rect">
+              <a:avLst/>
+            </a:prstGeom>
+          </p:spPr>
+          <p:txBody>
+            <a:bodyPr wrap="square">
+              <a:spAutoFit/>
+            </a:bodyPr>
+            <a:lstStyle/>
+            <a:p>
+              <a:pPr lvl="0" algn="ctr">
+                <a:defRPr/>
+              </a:pPr>
+              <a:r>
+                <a:rPr lang="pt-BR" sz="1270" dirty="0">
+                  <a:solidFill>
+                    <a:prstClr val="white"/>
+                  </a:solidFill>
+                </a:rPr>
+                <a:t>Traz as postagens da ong</a:t>
+              </a:r>
+              <a:endParaRPr lang="pt-BR" sz="998" dirty="0">
+                <a:solidFill>
+                  <a:prstClr val="white"/>
+                </a:solidFill>
+              </a:endParaRPr>
+            </a:p>
+          </p:txBody>
+        </p:sp>
+      </p:grpSp>
+      <p:cxnSp>
+        <p:nvCxnSpPr>
+          <p:cNvPr id="48" name="Conector de Seta Reta 107">
+            <a:extLst>
+              <a:ext uri="{FF2B5EF4-FFF2-40B4-BE49-F238E27FC236}">
+                <a16:creationId xmlns:a16="http://schemas.microsoft.com/office/drawing/2014/main" id="{A1D518BD-19AA-BDEC-0606-3FABC987BAD5}"/>
+              </a:ext>
+            </a:extLst>
+          </p:cNvPr>
+          <p:cNvCxnSpPr>
+            <a:cxnSpLocks/>
+          </p:cNvCxnSpPr>
+          <p:nvPr/>
+        </p:nvCxnSpPr>
+        <p:spPr>
+          <a:xfrm flipV="1">
+            <a:off x="8246999" y="2519382"/>
+            <a:ext cx="2208966" cy="3203197"/>
+          </a:xfrm>
+          <a:prstGeom prst="straightConnector1">
+            <a:avLst/>
+          </a:prstGeom>
+          <a:ln w="19050">
+            <a:solidFill>
+              <a:schemeClr val="accent5">
+                <a:lumMod val="75000"/>
+              </a:schemeClr>
+            </a:solidFill>
+            <a:prstDash val="sysDash"/>
+            <a:headEnd type="none" w="lg" len="lg"/>
+            <a:tailEnd type="triangle" w="lg" len="lg"/>
+          </a:ln>
+        </p:spPr>
+        <p:style>
+          <a:lnRef idx="1">
+            <a:schemeClr val="accent1"/>
+          </a:lnRef>
+          <a:fillRef idx="0">
+            <a:schemeClr val="accent1"/>
+          </a:fillRef>
+          <a:effectRef idx="0">
+            <a:schemeClr val="accent1"/>
+          </a:effectRef>
+          <a:fontRef idx="minor">
+            <a:schemeClr val="tx1"/>
+          </a:fontRef>
+        </p:style>
+      </p:cxnSp>
+      <p:cxnSp>
+        <p:nvCxnSpPr>
+          <p:cNvPr id="50" name="Conector de Seta Reta 107">
+            <a:extLst>
+              <a:ext uri="{FF2B5EF4-FFF2-40B4-BE49-F238E27FC236}">
+                <a16:creationId xmlns:a16="http://schemas.microsoft.com/office/drawing/2014/main" id="{A77EE5FA-BE29-8F6E-DD68-C3BE2F5318EB}"/>
+              </a:ext>
+            </a:extLst>
+          </p:cNvPr>
+          <p:cNvCxnSpPr>
+            <a:cxnSpLocks/>
+          </p:cNvCxnSpPr>
+          <p:nvPr/>
+        </p:nvCxnSpPr>
+        <p:spPr>
+          <a:xfrm flipH="1" flipV="1">
+            <a:off x="7823869" y="1696042"/>
+            <a:ext cx="1994094" cy="211972"/>
+          </a:xfrm>
+          <a:prstGeom prst="straightConnector1">
+            <a:avLst/>
+          </a:prstGeom>
+          <a:ln w="19050">
+            <a:solidFill>
+              <a:schemeClr val="accent5">
+                <a:lumMod val="75000"/>
+              </a:schemeClr>
+            </a:solidFill>
+            <a:prstDash val="sysDash"/>
+            <a:headEnd type="none" w="lg" len="lg"/>
+            <a:tailEnd type="triangle" w="lg" len="lg"/>
+          </a:ln>
+        </p:spPr>
+        <p:style>
+          <a:lnRef idx="1">
+            <a:schemeClr val="accent1"/>
+          </a:lnRef>
+          <a:fillRef idx="0">
+            <a:schemeClr val="accent1"/>
+          </a:fillRef>
+          <a:effectRef idx="0">
+            <a:schemeClr val="accent1"/>
+          </a:effectRef>
+          <a:fontRef idx="minor">
+            <a:schemeClr val="tx1"/>
+          </a:fontRef>
+        </p:style>
+      </p:cxnSp>
     </p:spTree>
     <p:extLst>
       <p:ext uri="{BB962C8B-B14F-4D97-AF65-F5344CB8AC3E}">
@@ -31328,6 +32670,105 @@
                                         </p:cTn>
                                         <p:tgtEl>
                                           <p:spTgt spid="86"/>
+                                        </p:tgtEl>
+                                        <p:attrNameLst>
+                                          <p:attrName>style.visibility</p:attrName>
+                                        </p:attrNameLst>
+                                      </p:cBhvr>
+                                      <p:to>
+                                        <p:strVal val="visible"/>
+                                      </p:to>
+                                    </p:set>
+                                  </p:childTnLst>
+                                </p:cTn>
+                              </p:par>
+                            </p:childTnLst>
+                          </p:cTn>
+                        </p:par>
+                      </p:childTnLst>
+                    </p:cTn>
+                  </p:par>
+                  <p:par>
+                    <p:cTn id="45" fill="hold">
+                      <p:stCondLst>
+                        <p:cond delay="indefinite"/>
+                      </p:stCondLst>
+                      <p:childTnLst>
+                        <p:par>
+                          <p:cTn id="46" fill="hold">
+                            <p:stCondLst>
+                              <p:cond delay="0"/>
+                            </p:stCondLst>
+                            <p:childTnLst>
+                              <p:par>
+                                <p:cTn id="47" presetID="1" presetClass="entr" presetSubtype="0" fill="hold" nodeType="clickEffect">
+                                  <p:stCondLst>
+                                    <p:cond delay="0"/>
+                                  </p:stCondLst>
+                                  <p:childTnLst>
+                                    <p:set>
+                                      <p:cBhvr>
+                                        <p:cTn id="48" dur="1" fill="hold">
+                                          <p:stCondLst>
+                                            <p:cond delay="0"/>
+                                          </p:stCondLst>
+                                        </p:cTn>
+                                        <p:tgtEl>
+                                          <p:spTgt spid="44"/>
+                                        </p:tgtEl>
+                                        <p:attrNameLst>
+                                          <p:attrName>style.visibility</p:attrName>
+                                        </p:attrNameLst>
+                                      </p:cBhvr>
+                                      <p:to>
+                                        <p:strVal val="visible"/>
+                                      </p:to>
+                                    </p:set>
+                                  </p:childTnLst>
+                                </p:cTn>
+                              </p:par>
+                              <p:par>
+                                <p:cTn id="49" presetID="1" presetClass="entr" presetSubtype="0" fill="hold" nodeType="withEffect">
+                                  <p:stCondLst>
+                                    <p:cond delay="0"/>
+                                  </p:stCondLst>
+                                  <p:childTnLst>
+                                    <p:set>
+                                      <p:cBhvr>
+                                        <p:cTn id="50" dur="1" fill="hold">
+                                          <p:stCondLst>
+                                            <p:cond delay="0"/>
+                                          </p:stCondLst>
+                                        </p:cTn>
+                                        <p:tgtEl>
+                                          <p:spTgt spid="48"/>
+                                        </p:tgtEl>
+                                        <p:attrNameLst>
+                                          <p:attrName>style.visibility</p:attrName>
+                                        </p:attrNameLst>
+                                      </p:cBhvr>
+                                      <p:to>
+                                        <p:strVal val="visible"/>
+                                      </p:to>
+                                    </p:set>
+                                  </p:childTnLst>
+                                </p:cTn>
+                              </p:par>
+                              <p:par>
+                                <p:cTn id="51" presetID="1" presetClass="entr" presetSubtype="0" fill="hold" nodeType="withEffect">
+                                  <p:stCondLst>
+                                    <p:cond delay="0"/>
+                                  </p:stCondLst>
+                                  <p:childTnLst>
+                                    <p:set>
+                                      <p:cBhvr>
+                                        <p:cTn id="52" dur="1" fill="hold">
+                                          <p:stCondLst>
+                                            <p:cond delay="0"/>
+                                          </p:stCondLst>
+                                        </p:cTn>
+                                        <p:tgtEl>
+                                          <p:spTgt spid="50"/>
                                         </p:tgtEl>
                                         <p:attrNameLst>
                                           <p:attrName>style.visibility</p:attrName>
@@ -34664,7 +36105,7 @@
           <p:spPr>
             <a:xfrm>
               <a:off x="8835349" y="1583057"/>
-              <a:ext cx="2566457" cy="1133730"/>
+              <a:ext cx="2566457" cy="1521472"/>
             </a:xfrm>
             <a:prstGeom prst="rect">
               <a:avLst/>
@@ -34680,20 +36121,12 @@
                 <a:defRPr/>
               </a:pPr>
               <a:r>
-                <a:rPr lang="pt-BR" sz="1632" b="1" dirty="0" err="1">
-                  <a:solidFill>
-                    <a:prstClr val="white"/>
-                  </a:solidFill>
-                </a:rPr>
-                <a:t>Vakinha</a:t>
-              </a:r>
-              <a:r>
                 <a:rPr lang="pt-BR" sz="1632" b="1" dirty="0">
                   <a:solidFill>
                     <a:prstClr val="white"/>
                   </a:solidFill>
                 </a:rPr>
-                <a:t> </a:t>
+                <a:t>Campanhas </a:t>
               </a:r>
               <a:r>
                 <a:rPr lang="pt-BR" sz="1632" b="1" dirty="0" err="1">
@@ -34984,6 +36417,339 @@
           </a:p>
         </p:txBody>
       </p:sp>
+      <p:grpSp>
+        <p:nvGrpSpPr>
+          <p:cNvPr id="44" name="Group 38">
+            <a:extLst>
+              <a:ext uri="{FF2B5EF4-FFF2-40B4-BE49-F238E27FC236}">
+                <a16:creationId xmlns:a16="http://schemas.microsoft.com/office/drawing/2014/main" id="{9BEF8B29-DEFA-C1E3-C5FA-5B06DF2F35BE}"/>
+              </a:ext>
+            </a:extLst>
+          </p:cNvPr>
+          <p:cNvGrpSpPr/>
+          <p:nvPr/>
+        </p:nvGrpSpPr>
+        <p:grpSpPr>
+          <a:xfrm>
+            <a:off x="9871094" y="1254190"/>
+            <a:ext cx="1905536" cy="1305999"/>
+            <a:chOff x="8734539" y="1515280"/>
+            <a:chExt cx="2566460" cy="2016224"/>
+          </a:xfrm>
+        </p:grpSpPr>
+        <p:sp>
+          <p:nvSpPr>
+            <p:cNvPr id="45" name="Retângulo 44">
+              <a:extLst>
+                <a:ext uri="{FF2B5EF4-FFF2-40B4-BE49-F238E27FC236}">
+                  <a16:creationId xmlns:a16="http://schemas.microsoft.com/office/drawing/2014/main" id="{6406733E-4D76-E530-9383-AB5E95D6781B}"/>
+                </a:ext>
+              </a:extLst>
+            </p:cNvPr>
+            <p:cNvSpPr/>
+            <p:nvPr/>
+          </p:nvSpPr>
+          <p:spPr>
+            <a:xfrm>
+              <a:off x="8829636" y="1515280"/>
+              <a:ext cx="2376264" cy="2016224"/>
+            </a:xfrm>
+            <a:prstGeom prst="rect">
+              <a:avLst/>
+            </a:prstGeom>
+            <a:solidFill>
+              <a:srgbClr val="32B9CD"/>
+            </a:solidFill>
+            <a:ln/>
+          </p:spPr>
+          <p:style>
+            <a:lnRef idx="2">
+              <a:schemeClr val="accent5">
+                <a:shade val="50000"/>
+              </a:schemeClr>
+            </a:lnRef>
+            <a:fillRef idx="1">
+              <a:schemeClr val="accent5"/>
+            </a:fillRef>
+            <a:effectRef idx="0">
+              <a:schemeClr val="accent5"/>
+            </a:effectRef>
+            <a:fontRef idx="minor">
+              <a:schemeClr val="lt1"/>
+            </a:fontRef>
+          </p:style>
+          <p:txBody>
+            <a:bodyPr rtlCol="0" anchor="ctr"/>
+            <a:lstStyle/>
+            <a:p>
+              <a:pPr algn="ctr"/>
+              <a:endParaRPr lang="pt-BR" sz="1451" dirty="0">
+                <a:solidFill>
+                  <a:prstClr val="white"/>
+                </a:solidFill>
+                <a:latin typeface="Calibri"/>
+              </a:endParaRPr>
+            </a:p>
+          </p:txBody>
+        </p:sp>
+        <p:sp>
+          <p:nvSpPr>
+            <p:cNvPr id="46" name="Retângulo 45">
+              <a:extLst>
+                <a:ext uri="{FF2B5EF4-FFF2-40B4-BE49-F238E27FC236}">
+                  <a16:creationId xmlns:a16="http://schemas.microsoft.com/office/drawing/2014/main" id="{514D059E-DEA5-142A-09F7-4619B0BCBBF4}"/>
+                </a:ext>
+              </a:extLst>
+            </p:cNvPr>
+            <p:cNvSpPr/>
+            <p:nvPr/>
+          </p:nvSpPr>
+          <p:spPr>
+            <a:xfrm>
+              <a:off x="8734539" y="1583832"/>
+              <a:ext cx="2566459" cy="1133730"/>
+            </a:xfrm>
+            <a:prstGeom prst="rect">
+              <a:avLst/>
+            </a:prstGeom>
+          </p:spPr>
+          <p:txBody>
+            <a:bodyPr wrap="square">
+              <a:spAutoFit/>
+            </a:bodyPr>
+            <a:lstStyle/>
+            <a:p>
+              <a:pPr lvl="0" algn="ctr">
+                <a:defRPr/>
+              </a:pPr>
+              <a:r>
+                <a:rPr lang="pt-BR" sz="1632" b="1" dirty="0">
+                  <a:solidFill>
+                    <a:prstClr val="white"/>
+                  </a:solidFill>
+                </a:rPr>
+                <a:t>Feed </a:t>
+              </a:r>
+              <a:r>
+                <a:rPr lang="pt-BR" sz="1632" b="1" dirty="0" err="1">
+                  <a:solidFill>
+                    <a:prstClr val="white"/>
+                  </a:solidFill>
+                </a:rPr>
+                <a:t>Controller</a:t>
+              </a:r>
+              <a:endParaRPr lang="pt-BR" sz="1632" b="1" dirty="0">
+                <a:solidFill>
+                  <a:prstClr val="white"/>
+                </a:solidFill>
+              </a:endParaRPr>
+            </a:p>
+            <a:p>
+              <a:pPr lvl="0" algn="ctr">
+                <a:defRPr/>
+              </a:pPr>
+              <a:r>
+                <a:rPr lang="pt-BR" sz="1270" dirty="0">
+                  <a:solidFill>
+                    <a:prstClr val="white"/>
+                  </a:solidFill>
+                </a:rPr>
+                <a:t>[</a:t>
+              </a:r>
+              <a:r>
+                <a:rPr lang="pt-BR" sz="1270" dirty="0" err="1">
+                  <a:solidFill>
+                    <a:prstClr val="white"/>
+                  </a:solidFill>
+                </a:rPr>
+                <a:t>Component</a:t>
+              </a:r>
+              <a:r>
+                <a:rPr lang="pt-BR" sz="1270" dirty="0">
+                  <a:solidFill>
+                    <a:prstClr val="white"/>
+                  </a:solidFill>
+                </a:rPr>
+                <a:t>: Spring MVC </a:t>
+              </a:r>
+              <a:r>
+                <a:rPr lang="pt-BR" sz="1270" dirty="0" err="1">
+                  <a:solidFill>
+                    <a:prstClr val="white"/>
+                  </a:solidFill>
+                </a:rPr>
+                <a:t>Rest</a:t>
+              </a:r>
+              <a:r>
+                <a:rPr lang="pt-BR" sz="1270" dirty="0">
+                  <a:solidFill>
+                    <a:prstClr val="white"/>
+                  </a:solidFill>
+                </a:rPr>
+                <a:t> </a:t>
+              </a:r>
+              <a:r>
+                <a:rPr lang="pt-BR" sz="1270" dirty="0" err="1">
+                  <a:solidFill>
+                    <a:prstClr val="white"/>
+                  </a:solidFill>
+                </a:rPr>
+                <a:t>Controller</a:t>
+              </a:r>
+              <a:r>
+                <a:rPr lang="pt-BR" sz="1270" dirty="0">
+                  <a:solidFill>
+                    <a:prstClr val="white"/>
+                  </a:solidFill>
+                </a:rPr>
+                <a:t>]</a:t>
+              </a:r>
+            </a:p>
+          </p:txBody>
+        </p:sp>
+        <p:sp>
+          <p:nvSpPr>
+            <p:cNvPr id="47" name="Retângulo 20">
+              <a:extLst>
+                <a:ext uri="{FF2B5EF4-FFF2-40B4-BE49-F238E27FC236}">
+                  <a16:creationId xmlns:a16="http://schemas.microsoft.com/office/drawing/2014/main" id="{663EB88A-1CB2-6C9D-1037-FF859B672A9C}"/>
+                </a:ext>
+              </a:extLst>
+            </p:cNvPr>
+            <p:cNvSpPr/>
+            <p:nvPr/>
+          </p:nvSpPr>
+          <p:spPr>
+            <a:xfrm>
+              <a:off x="8734539" y="2714179"/>
+              <a:ext cx="2566460" cy="745986"/>
+            </a:xfrm>
+            <a:prstGeom prst="rect">
+              <a:avLst/>
+            </a:prstGeom>
+          </p:spPr>
+          <p:txBody>
+            <a:bodyPr wrap="square">
+              <a:spAutoFit/>
+            </a:bodyPr>
+            <a:lstStyle/>
+            <a:p>
+              <a:pPr lvl="0" algn="ctr">
+                <a:defRPr/>
+              </a:pPr>
+              <a:r>
+                <a:rPr lang="pt-BR" sz="1270" dirty="0">
+                  <a:solidFill>
+                    <a:prstClr val="white"/>
+                  </a:solidFill>
+                </a:rPr>
+                <a:t>Traz as postagens da ong</a:t>
+              </a:r>
+              <a:endParaRPr lang="pt-BR" sz="998" dirty="0">
+                <a:solidFill>
+                  <a:prstClr val="white"/>
+                </a:solidFill>
+              </a:endParaRPr>
+            </a:p>
+          </p:txBody>
+        </p:sp>
+      </p:grpSp>
+      <p:cxnSp>
+        <p:nvCxnSpPr>
+          <p:cNvPr id="48" name="Conector de Seta Reta 107">
+            <a:extLst>
+              <a:ext uri="{FF2B5EF4-FFF2-40B4-BE49-F238E27FC236}">
+                <a16:creationId xmlns:a16="http://schemas.microsoft.com/office/drawing/2014/main" id="{A805678E-FB83-E348-7E96-B88FDBABBFA2}"/>
+              </a:ext>
+            </a:extLst>
+          </p:cNvPr>
+          <p:cNvCxnSpPr>
+            <a:cxnSpLocks/>
+          </p:cNvCxnSpPr>
+          <p:nvPr/>
+        </p:nvCxnSpPr>
+        <p:spPr>
+          <a:xfrm flipV="1">
+            <a:off x="8270175" y="2560189"/>
+            <a:ext cx="2244317" cy="2949677"/>
+          </a:xfrm>
+          <a:prstGeom prst="straightConnector1">
+            <a:avLst/>
+          </a:prstGeom>
+          <a:ln w="19050">
+            <a:solidFill>
+              <a:schemeClr val="accent5">
+                <a:lumMod val="75000"/>
+              </a:schemeClr>
+            </a:solidFill>
+            <a:prstDash val="sysDash"/>
+            <a:headEnd type="none" w="lg" len="lg"/>
+            <a:tailEnd type="triangle" w="lg" len="lg"/>
+          </a:ln>
+        </p:spPr>
+        <p:style>
+          <a:lnRef idx="1">
+            <a:schemeClr val="accent1"/>
+          </a:lnRef>
+          <a:fillRef idx="0">
+            <a:schemeClr val="accent1"/>
+          </a:fillRef>
+          <a:effectRef idx="0">
+            <a:schemeClr val="accent1"/>
+          </a:effectRef>
+          <a:fontRef idx="minor">
+            <a:schemeClr val="tx1"/>
+          </a:fontRef>
+        </p:style>
+      </p:cxnSp>
+      <p:cxnSp>
+        <p:nvCxnSpPr>
+          <p:cNvPr id="50" name="Conector de Seta Reta 107">
+            <a:extLst>
+              <a:ext uri="{FF2B5EF4-FFF2-40B4-BE49-F238E27FC236}">
+                <a16:creationId xmlns:a16="http://schemas.microsoft.com/office/drawing/2014/main" id="{87E25430-6E36-BE73-33DB-E1963472719E}"/>
+              </a:ext>
+            </a:extLst>
+          </p:cNvPr>
+          <p:cNvCxnSpPr>
+            <a:cxnSpLocks/>
+          </p:cNvCxnSpPr>
+          <p:nvPr/>
+        </p:nvCxnSpPr>
+        <p:spPr>
+          <a:xfrm flipH="1" flipV="1">
+            <a:off x="7874235" y="1758893"/>
+            <a:ext cx="2046858" cy="108231"/>
+          </a:xfrm>
+          <a:prstGeom prst="straightConnector1">
+            <a:avLst/>
+          </a:prstGeom>
+          <a:ln w="19050">
+            <a:solidFill>
+              <a:schemeClr val="accent5">
+                <a:lumMod val="75000"/>
+              </a:schemeClr>
+            </a:solidFill>
+            <a:prstDash val="sysDash"/>
+            <a:headEnd type="none" w="lg" len="lg"/>
+            <a:tailEnd type="triangle" w="lg" len="lg"/>
+          </a:ln>
+        </p:spPr>
+        <p:style>
+          <a:lnRef idx="1">
+            <a:schemeClr val="accent1"/>
+          </a:lnRef>
+          <a:fillRef idx="0">
+            <a:schemeClr val="accent1"/>
+          </a:fillRef>
+          <a:effectRef idx="0">
+            <a:schemeClr val="accent1"/>
+          </a:effectRef>
+          <a:fontRef idx="minor">
+            <a:schemeClr val="tx1"/>
+          </a:fontRef>
+        </p:style>
+      </p:cxnSp>
     </p:spTree>
     <p:extLst>
       <p:ext uri="{BB962C8B-B14F-4D97-AF65-F5344CB8AC3E}">
@@ -35506,6 +37272,105 @@
                                         </p:cTn>
                                         <p:tgtEl>
                                           <p:spTgt spid="86"/>
+                                        </p:tgtEl>
+                                        <p:attrNameLst>
+                                          <p:attrName>style.visibility</p:attrName>
+                                        </p:attrNameLst>
+                                      </p:cBhvr>
+                                      <p:to>
+                                        <p:strVal val="visible"/>
+                                      </p:to>
+                                    </p:set>
+                                  </p:childTnLst>
+                                </p:cTn>
+                              </p:par>
+                            </p:childTnLst>
+                          </p:cTn>
+                        </p:par>
+                      </p:childTnLst>
+                    </p:cTn>
+                  </p:par>
+                  <p:par>
+                    <p:cTn id="45" fill="hold">
+                      <p:stCondLst>
+                        <p:cond delay="indefinite"/>
+                      </p:stCondLst>
+                      <p:childTnLst>
+                        <p:par>
+                          <p:cTn id="46" fill="hold">
+                            <p:stCondLst>
+                              <p:cond delay="0"/>
+                            </p:stCondLst>
+                            <p:childTnLst>
+                              <p:par>
+                                <p:cTn id="47" presetID="1" presetClass="entr" presetSubtype="0" fill="hold" nodeType="clickEffect">
+                                  <p:stCondLst>
+                                    <p:cond delay="0"/>
+                                  </p:stCondLst>
+                                  <p:childTnLst>
+                                    <p:set>
+                                      <p:cBhvr>
+                                        <p:cTn id="48" dur="1" fill="hold">
+                                          <p:stCondLst>
+                                            <p:cond delay="0"/>
+                                          </p:stCondLst>
+                                        </p:cTn>
+                                        <p:tgtEl>
+                                          <p:spTgt spid="44"/>
+                                        </p:tgtEl>
+                                        <p:attrNameLst>
+                                          <p:attrName>style.visibility</p:attrName>
+                                        </p:attrNameLst>
+                                      </p:cBhvr>
+                                      <p:to>
+                                        <p:strVal val="visible"/>
+                                      </p:to>
+                                    </p:set>
+                                  </p:childTnLst>
+                                </p:cTn>
+                              </p:par>
+                              <p:par>
+                                <p:cTn id="49" presetID="1" presetClass="entr" presetSubtype="0" fill="hold" nodeType="withEffect">
+                                  <p:stCondLst>
+                                    <p:cond delay="0"/>
+                                  </p:stCondLst>
+                                  <p:childTnLst>
+                                    <p:set>
+                                      <p:cBhvr>
+                                        <p:cTn id="50" dur="1" fill="hold">
+                                          <p:stCondLst>
+                                            <p:cond delay="0"/>
+                                          </p:stCondLst>
+                                        </p:cTn>
+                                        <p:tgtEl>
+                                          <p:spTgt spid="48"/>
+                                        </p:tgtEl>
+                                        <p:attrNameLst>
+                                          <p:attrName>style.visibility</p:attrName>
+                                        </p:attrNameLst>
+                                      </p:cBhvr>
+                                      <p:to>
+                                        <p:strVal val="visible"/>
+                                      </p:to>
+                                    </p:set>
+                                  </p:childTnLst>
+                                </p:cTn>
+                              </p:par>
+                              <p:par>
+                                <p:cTn id="51" presetID="1" presetClass="entr" presetSubtype="0" fill="hold" nodeType="withEffect">
+                                  <p:stCondLst>
+                                    <p:cond delay="0"/>
+                                  </p:stCondLst>
+                                  <p:childTnLst>
+                                    <p:set>
+                                      <p:cBhvr>
+                                        <p:cTn id="52" dur="1" fill="hold">
+                                          <p:stCondLst>
+                                            <p:cond delay="0"/>
+                                          </p:stCondLst>
+                                        </p:cTn>
+                                        <p:tgtEl>
+                                          <p:spTgt spid="50"/>
                                         </p:tgtEl>
                                         <p:attrNameLst>
                                           <p:attrName>style.visibility</p:attrName>
@@ -38797,7 +40662,7 @@
           <p:spPr>
             <a:xfrm>
               <a:off x="8835349" y="1583057"/>
-              <a:ext cx="2566457" cy="1133730"/>
+              <a:ext cx="2566457" cy="1521472"/>
             </a:xfrm>
             <a:prstGeom prst="rect">
               <a:avLst/>
@@ -38813,20 +40678,12 @@
                 <a:defRPr/>
               </a:pPr>
               <a:r>
-                <a:rPr lang="pt-BR" sz="1632" b="1" dirty="0" err="1">
-                  <a:solidFill>
-                    <a:prstClr val="white"/>
-                  </a:solidFill>
-                </a:rPr>
-                <a:t>Vakinha</a:t>
-              </a:r>
-              <a:r>
                 <a:rPr lang="pt-BR" sz="1632" b="1" dirty="0">
                   <a:solidFill>
                     <a:prstClr val="white"/>
                   </a:solidFill>
                 </a:rPr>
-                <a:t> </a:t>
+                <a:t>Campanhas </a:t>
               </a:r>
               <a:r>
                 <a:rPr lang="pt-BR" sz="1632" b="1" dirty="0" err="1">
@@ -39117,6 +40974,340 @@
           </a:p>
         </p:txBody>
       </p:sp>
+      <p:grpSp>
+        <p:nvGrpSpPr>
+          <p:cNvPr id="44" name="Group 38">
+            <a:extLst>
+              <a:ext uri="{FF2B5EF4-FFF2-40B4-BE49-F238E27FC236}">
+                <a16:creationId xmlns:a16="http://schemas.microsoft.com/office/drawing/2014/main" id="{B2B83952-9DA6-A77C-4E94-B5F1B759C58B}"/>
+              </a:ext>
+            </a:extLst>
+          </p:cNvPr>
+          <p:cNvGrpSpPr/>
+          <p:nvPr/>
+        </p:nvGrpSpPr>
+        <p:grpSpPr>
+          <a:xfrm>
+            <a:off x="9871094" y="1254190"/>
+            <a:ext cx="1905536" cy="1305999"/>
+            <a:chOff x="8734539" y="1515280"/>
+            <a:chExt cx="2566460" cy="2016224"/>
+          </a:xfrm>
+        </p:grpSpPr>
+        <p:sp>
+          <p:nvSpPr>
+            <p:cNvPr id="45" name="Retângulo 44">
+              <a:extLst>
+                <a:ext uri="{FF2B5EF4-FFF2-40B4-BE49-F238E27FC236}">
+                  <a16:creationId xmlns:a16="http://schemas.microsoft.com/office/drawing/2014/main" id="{ADFAC2DA-1092-44DD-A29D-E4A2FE4BA659}"/>
+                </a:ext>
+              </a:extLst>
+            </p:cNvPr>
+            <p:cNvSpPr/>
+            <p:nvPr/>
+          </p:nvSpPr>
+          <p:spPr>
+            <a:xfrm>
+              <a:off x="8829636" y="1515280"/>
+              <a:ext cx="2376264" cy="2016224"/>
+            </a:xfrm>
+            <a:prstGeom prst="rect">
+              <a:avLst/>
+            </a:prstGeom>
+            <a:solidFill>
+              <a:srgbClr val="32B9CD"/>
+            </a:solidFill>
+            <a:ln/>
+          </p:spPr>
+          <p:style>
+            <a:lnRef idx="2">
+              <a:schemeClr val="accent5">
+                <a:shade val="50000"/>
+              </a:schemeClr>
+            </a:lnRef>
+            <a:fillRef idx="1">
+              <a:schemeClr val="accent5"/>
+            </a:fillRef>
+            <a:effectRef idx="0">
+              <a:schemeClr val="accent5"/>
+            </a:effectRef>
+            <a:fontRef idx="minor">
+              <a:schemeClr val="lt1"/>
+            </a:fontRef>
+          </p:style>
+          <p:txBody>
+            <a:bodyPr rtlCol="0" anchor="ctr"/>
+            <a:lstStyle/>
+            <a:p>
+              <a:pPr algn="ctr"/>
+              <a:endParaRPr lang="pt-BR" sz="1451" dirty="0">
+                <a:solidFill>
+                  <a:prstClr val="white"/>
+                </a:solidFill>
+                <a:latin typeface="Calibri"/>
+              </a:endParaRPr>
+            </a:p>
+          </p:txBody>
+        </p:sp>
+        <p:sp>
+          <p:nvSpPr>
+            <p:cNvPr id="46" name="Retângulo 45">
+              <a:extLst>
+                <a:ext uri="{FF2B5EF4-FFF2-40B4-BE49-F238E27FC236}">
+                  <a16:creationId xmlns:a16="http://schemas.microsoft.com/office/drawing/2014/main" id="{319E5B22-7419-8A02-F9E8-C1BD8640F105}"/>
+                </a:ext>
+              </a:extLst>
+            </p:cNvPr>
+            <p:cNvSpPr/>
+            <p:nvPr/>
+          </p:nvSpPr>
+          <p:spPr>
+            <a:xfrm>
+              <a:off x="8734539" y="1583832"/>
+              <a:ext cx="2566459" cy="1133730"/>
+            </a:xfrm>
+            <a:prstGeom prst="rect">
+              <a:avLst/>
+            </a:prstGeom>
+          </p:spPr>
+          <p:txBody>
+            <a:bodyPr wrap="square">
+              <a:spAutoFit/>
+            </a:bodyPr>
+            <a:lstStyle/>
+            <a:p>
+              <a:pPr lvl="0" algn="ctr">
+                <a:defRPr/>
+              </a:pPr>
+              <a:r>
+                <a:rPr lang="pt-BR" sz="1632" b="1" dirty="0">
+                  <a:solidFill>
+                    <a:prstClr val="white"/>
+                  </a:solidFill>
+                </a:rPr>
+                <a:t>Feed </a:t>
+              </a:r>
+              <a:r>
+                <a:rPr lang="pt-BR" sz="1632" b="1" dirty="0" err="1">
+                  <a:solidFill>
+                    <a:prstClr val="white"/>
+                  </a:solidFill>
+                </a:rPr>
+                <a:t>Controller</a:t>
+              </a:r>
+              <a:endParaRPr lang="pt-BR" sz="1632" b="1" dirty="0">
+                <a:solidFill>
+                  <a:prstClr val="white"/>
+                </a:solidFill>
+              </a:endParaRPr>
+            </a:p>
+            <a:p>
+              <a:pPr lvl="0" algn="ctr">
+                <a:defRPr/>
+              </a:pPr>
+              <a:r>
+                <a:rPr lang="pt-BR" sz="1270" dirty="0">
+                  <a:solidFill>
+                    <a:prstClr val="white"/>
+                  </a:solidFill>
+                </a:rPr>
+                <a:t>[</a:t>
+              </a:r>
+              <a:r>
+                <a:rPr lang="pt-BR" sz="1270" dirty="0" err="1">
+                  <a:solidFill>
+                    <a:prstClr val="white"/>
+                  </a:solidFill>
+                </a:rPr>
+                <a:t>Component</a:t>
+              </a:r>
+              <a:r>
+                <a:rPr lang="pt-BR" sz="1270" dirty="0">
+                  <a:solidFill>
+                    <a:prstClr val="white"/>
+                  </a:solidFill>
+                </a:rPr>
+                <a:t>: Spring MVC </a:t>
+              </a:r>
+              <a:r>
+                <a:rPr lang="pt-BR" sz="1270" dirty="0" err="1">
+                  <a:solidFill>
+                    <a:prstClr val="white"/>
+                  </a:solidFill>
+                </a:rPr>
+                <a:t>Rest</a:t>
+              </a:r>
+              <a:r>
+                <a:rPr lang="pt-BR" sz="1270" dirty="0">
+                  <a:solidFill>
+                    <a:prstClr val="white"/>
+                  </a:solidFill>
+                </a:rPr>
+                <a:t> </a:t>
+              </a:r>
+              <a:r>
+                <a:rPr lang="pt-BR" sz="1270" dirty="0" err="1">
+                  <a:solidFill>
+                    <a:prstClr val="white"/>
+                  </a:solidFill>
+                </a:rPr>
+                <a:t>Controller</a:t>
+              </a:r>
+              <a:r>
+                <a:rPr lang="pt-BR" sz="1270" dirty="0">
+                  <a:solidFill>
+                    <a:prstClr val="white"/>
+                  </a:solidFill>
+                </a:rPr>
+                <a:t>]</a:t>
+              </a:r>
+            </a:p>
+          </p:txBody>
+        </p:sp>
+        <p:sp>
+          <p:nvSpPr>
+            <p:cNvPr id="47" name="Retângulo 20">
+              <a:extLst>
+                <a:ext uri="{FF2B5EF4-FFF2-40B4-BE49-F238E27FC236}">
+                  <a16:creationId xmlns:a16="http://schemas.microsoft.com/office/drawing/2014/main" id="{2D824DB7-1BE8-2DA5-89AE-63FFC3089763}"/>
+                </a:ext>
+              </a:extLst>
+            </p:cNvPr>
+            <p:cNvSpPr/>
+            <p:nvPr/>
+          </p:nvSpPr>
+          <p:spPr>
+            <a:xfrm>
+              <a:off x="8734539" y="2714179"/>
+              <a:ext cx="2566460" cy="745986"/>
+            </a:xfrm>
+            <a:prstGeom prst="rect">
+              <a:avLst/>
+            </a:prstGeom>
+          </p:spPr>
+          <p:txBody>
+            <a:bodyPr wrap="square">
+              <a:spAutoFit/>
+            </a:bodyPr>
+            <a:lstStyle/>
+            <a:p>
+              <a:pPr lvl="0" algn="ctr">
+                <a:defRPr/>
+              </a:pPr>
+              <a:r>
+                <a:rPr lang="pt-BR" sz="1270" dirty="0">
+                  <a:solidFill>
+                    <a:prstClr val="white"/>
+                  </a:solidFill>
+                </a:rPr>
+                <a:t>Traz as postagens da ong</a:t>
+              </a:r>
+              <a:endParaRPr lang="pt-BR" sz="998" dirty="0">
+                <a:solidFill>
+                  <a:prstClr val="white"/>
+                </a:solidFill>
+              </a:endParaRPr>
+            </a:p>
+          </p:txBody>
+        </p:sp>
+      </p:grpSp>
+      <p:cxnSp>
+        <p:nvCxnSpPr>
+          <p:cNvPr id="48" name="Conector de Seta Reta 107">
+            <a:extLst>
+              <a:ext uri="{FF2B5EF4-FFF2-40B4-BE49-F238E27FC236}">
+                <a16:creationId xmlns:a16="http://schemas.microsoft.com/office/drawing/2014/main" id="{60B9102B-1C84-CC47-02B5-32C7C4884443}"/>
+              </a:ext>
+            </a:extLst>
+          </p:cNvPr>
+          <p:cNvCxnSpPr>
+            <a:cxnSpLocks/>
+            <a:stCxn id="45" idx="1"/>
+          </p:cNvCxnSpPr>
+          <p:nvPr/>
+        </p:nvCxnSpPr>
+        <p:spPr>
+          <a:xfrm flipH="1" flipV="1">
+            <a:off x="7836559" y="1669708"/>
+            <a:ext cx="2105142" cy="237482"/>
+          </a:xfrm>
+          <a:prstGeom prst="straightConnector1">
+            <a:avLst/>
+          </a:prstGeom>
+          <a:ln w="19050">
+            <a:solidFill>
+              <a:schemeClr val="accent5">
+                <a:lumMod val="75000"/>
+              </a:schemeClr>
+            </a:solidFill>
+            <a:prstDash val="sysDash"/>
+            <a:headEnd type="none" w="lg" len="lg"/>
+            <a:tailEnd type="triangle" w="lg" len="lg"/>
+          </a:ln>
+        </p:spPr>
+        <p:style>
+          <a:lnRef idx="1">
+            <a:schemeClr val="accent1"/>
+          </a:lnRef>
+          <a:fillRef idx="0">
+            <a:schemeClr val="accent1"/>
+          </a:fillRef>
+          <a:effectRef idx="0">
+            <a:schemeClr val="accent1"/>
+          </a:effectRef>
+          <a:fontRef idx="minor">
+            <a:schemeClr val="tx1"/>
+          </a:fontRef>
+        </p:style>
+      </p:cxnSp>
+      <p:cxnSp>
+        <p:nvCxnSpPr>
+          <p:cNvPr id="50" name="Conector de Seta Reta 107">
+            <a:extLst>
+              <a:ext uri="{FF2B5EF4-FFF2-40B4-BE49-F238E27FC236}">
+                <a16:creationId xmlns:a16="http://schemas.microsoft.com/office/drawing/2014/main" id="{38756B7C-7E1E-9EF6-CDAE-9775F366D7D2}"/>
+              </a:ext>
+            </a:extLst>
+          </p:cNvPr>
+          <p:cNvCxnSpPr>
+            <a:cxnSpLocks/>
+          </p:cNvCxnSpPr>
+          <p:nvPr/>
+        </p:nvCxnSpPr>
+        <p:spPr>
+          <a:xfrm flipV="1">
+            <a:off x="8319801" y="2612009"/>
+            <a:ext cx="2069903" cy="2832871"/>
+          </a:xfrm>
+          <a:prstGeom prst="straightConnector1">
+            <a:avLst/>
+          </a:prstGeom>
+          <a:ln w="19050">
+            <a:solidFill>
+              <a:schemeClr val="accent5">
+                <a:lumMod val="75000"/>
+              </a:schemeClr>
+            </a:solidFill>
+            <a:prstDash val="sysDash"/>
+            <a:headEnd type="none" w="lg" len="lg"/>
+            <a:tailEnd type="triangle" w="lg" len="lg"/>
+          </a:ln>
+        </p:spPr>
+        <p:style>
+          <a:lnRef idx="1">
+            <a:schemeClr val="accent1"/>
+          </a:lnRef>
+          <a:fillRef idx="0">
+            <a:schemeClr val="accent1"/>
+          </a:fillRef>
+          <a:effectRef idx="0">
+            <a:schemeClr val="accent1"/>
+          </a:effectRef>
+          <a:fontRef idx="minor">
+            <a:schemeClr val="tx1"/>
+          </a:fontRef>
+        </p:style>
+      </p:cxnSp>
     </p:spTree>
     <p:extLst>
       <p:ext uri="{BB962C8B-B14F-4D97-AF65-F5344CB8AC3E}">
@@ -39657,6 +41848,105 @@
                       </p:childTnLst>
                     </p:cTn>
                   </p:par>
+                  <p:par>
+                    <p:cTn id="45" fill="hold">
+                      <p:stCondLst>
+                        <p:cond delay="indefinite"/>
+                      </p:stCondLst>
+                      <p:childTnLst>
+                        <p:par>
+                          <p:cTn id="46" fill="hold">
+                            <p:stCondLst>
+                              <p:cond delay="0"/>
+                            </p:stCondLst>
+                            <p:childTnLst>
+                              <p:par>
+                                <p:cTn id="47" presetID="1" presetClass="entr" presetSubtype="0" fill="hold" nodeType="clickEffect">
+                                  <p:stCondLst>
+                                    <p:cond delay="0"/>
+                                  </p:stCondLst>
+                                  <p:childTnLst>
+                                    <p:set>
+                                      <p:cBhvr>
+                                        <p:cTn id="48" dur="1" fill="hold">
+                                          <p:stCondLst>
+                                            <p:cond delay="0"/>
+                                          </p:stCondLst>
+                                        </p:cTn>
+                                        <p:tgtEl>
+                                          <p:spTgt spid="44"/>
+                                        </p:tgtEl>
+                                        <p:attrNameLst>
+                                          <p:attrName>style.visibility</p:attrName>
+                                        </p:attrNameLst>
+                                      </p:cBhvr>
+                                      <p:to>
+                                        <p:strVal val="visible"/>
+                                      </p:to>
+                                    </p:set>
+                                  </p:childTnLst>
+                                </p:cTn>
+                              </p:par>
+                              <p:par>
+                                <p:cTn id="49" presetID="1" presetClass="entr" presetSubtype="0" fill="hold" nodeType="withEffect">
+                                  <p:stCondLst>
+                                    <p:cond delay="0"/>
+                                  </p:stCondLst>
+                                  <p:childTnLst>
+                                    <p:set>
+                                      <p:cBhvr>
+                                        <p:cTn id="50" dur="1" fill="hold">
+                                          <p:stCondLst>
+                                            <p:cond delay="0"/>
+                                          </p:stCondLst>
+                                        </p:cTn>
+                                        <p:tgtEl>
+                                          <p:spTgt spid="48"/>
+                                        </p:tgtEl>
+                                        <p:attrNameLst>
+                                          <p:attrName>style.visibility</p:attrName>
+                                        </p:attrNameLst>
+                                      </p:cBhvr>
+                                      <p:to>
+                                        <p:strVal val="visible"/>
+                                      </p:to>
+                                    </p:set>
+                                  </p:childTnLst>
+                                </p:cTn>
+                              </p:par>
+                              <p:par>
+                                <p:cTn id="51" presetID="1" presetClass="entr" presetSubtype="0" fill="hold" nodeType="withEffect">
+                                  <p:stCondLst>
+                                    <p:cond delay="0"/>
+                                  </p:stCondLst>
+                                  <p:childTnLst>
+                                    <p:set>
+                                      <p:cBhvr>
+                                        <p:cTn id="52" dur="1" fill="hold">
+                                          <p:stCondLst>
+                                            <p:cond delay="0"/>
+                                          </p:stCondLst>
+                                        </p:cTn>
+                                        <p:tgtEl>
+                                          <p:spTgt spid="50"/>
+                                        </p:tgtEl>
+                                        <p:attrNameLst>
+                                          <p:attrName>style.visibility</p:attrName>
+                                        </p:attrNameLst>
+                                      </p:cBhvr>
+                                      <p:to>
+                                        <p:strVal val="visible"/>
+                                      </p:to>
+                                    </p:set>
+                                  </p:childTnLst>
+                                </p:cTn>
+                              </p:par>
+                            </p:childTnLst>
+                          </p:cTn>
+                        </p:par>
+                      </p:childTnLst>
+                    </p:cTn>
+                  </p:par>
                 </p:childTnLst>
               </p:cTn>
               <p:prevCondLst>
@@ -39758,19 +42048,11 @@
           <a:p>
             <a:r>
               <a:rPr lang="pt-BR" dirty="0"/>
-              <a:t>Diagrama de Classes – </a:t>
+              <a:t>Diagrama de Classes –</a:t>
             </a:r>
             <a:r>
               <a:rPr lang="pt-BR" dirty="0" err="1"/>
-              <a:t>Vakinha</a:t>
-            </a:r>
-            <a:r>
-              <a:rPr lang="pt-BR" dirty="0"/>
-              <a:t> </a:t>
-            </a:r>
-            <a:r>
-              <a:rPr lang="pt-BR" dirty="0" err="1"/>
-              <a:t>Controller</a:t>
+              <a:t>CampanhasController</a:t>
             </a:r>
             <a:endParaRPr lang="pt-BR" dirty="0"/>
           </a:p>
@@ -39791,7 +42073,7 @@
           <p:nvPr>
             <p:extLst>
               <p:ext uri="{D42A27DB-BD31-4B8C-83A1-F6EECF244321}">
-                <p14:modId xmlns:p14="http://schemas.microsoft.com/office/powerpoint/2010/main" val="1659100288"/>
+                <p14:modId xmlns:p14="http://schemas.microsoft.com/office/powerpoint/2010/main" val="228669360"/>
               </p:ext>
             </p:extLst>
           </p:nvPr>
@@ -39837,7 +42119,7 @@
                     <a:p>
                       <a:r>
                         <a:rPr lang="pt-BR" sz="1600" baseline="0" dirty="0" err="1"/>
-                        <a:t>VakinhaController</a:t>
+                        <a:t>CampanhasController</a:t>
                       </a:r>
                       <a:endParaRPr lang="pt-BR" sz="1600" baseline="0" dirty="0"/>
                     </a:p>
@@ -39917,7 +42199,7 @@
                             <a:schemeClr val="accent4"/>
                           </a:solidFill>
                         </a:rPr>
-                        <a:t>IVakinhaRepository</a:t>
+                        <a:t>ICampanhasRepository</a:t>
                       </a:r>
                       <a:endParaRPr lang="pt-BR" sz="1600" dirty="0">
                         <a:solidFill>
@@ -40161,7 +42443,7 @@
           <p:nvPr>
             <p:extLst>
               <p:ext uri="{D42A27DB-BD31-4B8C-83A1-F6EECF244321}">
-                <p14:modId xmlns:p14="http://schemas.microsoft.com/office/powerpoint/2010/main" val="3594388686"/>
+                <p14:modId xmlns:p14="http://schemas.microsoft.com/office/powerpoint/2010/main" val="4107301700"/>
               </p:ext>
             </p:extLst>
           </p:nvPr>
@@ -40207,7 +42489,7 @@
                     <a:p>
                       <a:r>
                         <a:rPr lang="pt-BR" sz="1600" baseline="0" dirty="0" err="1"/>
-                        <a:t>IVakinhaRepository</a:t>
+                        <a:t>ICampanhasRepository</a:t>
                       </a:r>
                       <a:endParaRPr lang="pt-BR" sz="1600" baseline="0" dirty="0"/>
                     </a:p>
@@ -40321,7 +42603,7 @@
                             <a:srgbClr val="E6005A"/>
                           </a:solidFill>
                         </a:rPr>
-                        <a:t>findByVakinha</a:t>
+                        <a:t>findBy</a:t>
                       </a:r>
                       <a:r>
                         <a:rPr lang="pt-BR" sz="1600" dirty="0">
@@ -40329,7 +42611,7 @@
                             <a:srgbClr val="E6005A"/>
                           </a:solidFill>
                         </a:rPr>
-                        <a:t>(</a:t>
+                        <a:t> Campanhas(</a:t>
                       </a:r>
                       <a:r>
                         <a:rPr lang="pt-BR" sz="1600" dirty="0" err="1">
@@ -40959,6 +43241,4655 @@
       </p:grpSpPr>
       <p:sp>
         <p:nvSpPr>
+          <p:cNvPr id="109" name="Retângulo 29">
+            <a:extLst>
+              <a:ext uri="{FF2B5EF4-FFF2-40B4-BE49-F238E27FC236}">
+                <a16:creationId xmlns:a16="http://schemas.microsoft.com/office/drawing/2014/main" id="{40D7BF1A-655B-324F-B3D4-B1A904D3B5CE}"/>
+              </a:ext>
+            </a:extLst>
+          </p:cNvPr>
+          <p:cNvSpPr/>
+          <p:nvPr/>
+        </p:nvSpPr>
+        <p:spPr>
+          <a:xfrm>
+            <a:off x="3199057" y="1139373"/>
+            <a:ext cx="8668790" cy="3590755"/>
+          </a:xfrm>
+          <a:prstGeom prst="rect">
+            <a:avLst/>
+          </a:prstGeom>
+          <a:noFill/>
+          <a:ln>
+            <a:solidFill>
+              <a:srgbClr val="253746"/>
+            </a:solidFill>
+            <a:prstDash val="dash"/>
+          </a:ln>
+        </p:spPr>
+        <p:style>
+          <a:lnRef idx="2">
+            <a:schemeClr val="accent1">
+              <a:shade val="50000"/>
+            </a:schemeClr>
+          </a:lnRef>
+          <a:fillRef idx="1">
+            <a:schemeClr val="accent1"/>
+          </a:fillRef>
+          <a:effectRef idx="0">
+            <a:schemeClr val="accent1"/>
+          </a:effectRef>
+          <a:fontRef idx="minor">
+            <a:schemeClr val="lt1"/>
+          </a:fontRef>
+        </p:style>
+        <p:txBody>
+          <a:bodyPr rtlCol="0" anchor="ctr"/>
+          <a:lstStyle/>
+          <a:p>
+            <a:pPr algn="ctr"/>
+            <a:endParaRPr lang="pt-BR" sz="1632">
+              <a:solidFill>
+                <a:prstClr val="white"/>
+              </a:solidFill>
+              <a:latin typeface="Calibri"/>
+            </a:endParaRPr>
+          </a:p>
+        </p:txBody>
+      </p:sp>
+      <p:sp>
+        <p:nvSpPr>
+          <p:cNvPr id="3" name="Espaço Reservado para Número de Slide 2"/>
+          <p:cNvSpPr>
+            <a:spLocks noGrp="1"/>
+          </p:cNvSpPr>
+          <p:nvPr>
+            <p:ph type="sldNum" sz="quarter" idx="4294967295"/>
+          </p:nvPr>
+        </p:nvSpPr>
+        <p:spPr>
+          <a:xfrm>
+            <a:off x="11620500" y="6564313"/>
+            <a:ext cx="571500" cy="193675"/>
+          </a:xfrm>
+          <a:prstGeom prst="rect">
+            <a:avLst/>
+          </a:prstGeom>
+        </p:spPr>
+        <p:txBody>
+          <a:bodyPr/>
+          <a:lstStyle/>
+          <a:p>
+            <a:pPr>
+              <a:defRPr/>
+            </a:pPr>
+            <a:fld id="{B66251D2-9488-44CD-87B4-F793A73C4A01}" type="slidenum">
+              <a:rPr lang="pt-BR" smtClean="0"/>
+              <a:pPr>
+                <a:defRPr/>
+              </a:pPr>
+              <a:t>26</a:t>
+            </a:fld>
+            <a:endParaRPr lang="pt-BR" sz="798"/>
+          </a:p>
+        </p:txBody>
+      </p:sp>
+      <p:sp>
+        <p:nvSpPr>
+          <p:cNvPr id="4" name="Espaço Reservado para Texto 3"/>
+          <p:cNvSpPr>
+            <a:spLocks noGrp="1"/>
+          </p:cNvSpPr>
+          <p:nvPr>
+            <p:ph type="body" sz="quarter" idx="4294967295"/>
+          </p:nvPr>
+        </p:nvSpPr>
+        <p:spPr>
+          <a:xfrm>
+            <a:off x="545775" y="54248"/>
+            <a:ext cx="10448925" cy="693738"/>
+          </a:xfrm>
+          <a:prstGeom prst="rect">
+            <a:avLst/>
+          </a:prstGeom>
+        </p:spPr>
+        <p:txBody>
+          <a:bodyPr/>
+          <a:lstStyle/>
+          <a:p>
+            <a:pPr marL="0" indent="0">
+              <a:buNone/>
+            </a:pPr>
+            <a:r>
+              <a:rPr lang="pt-BR" sz="3265" dirty="0"/>
+              <a:t>Diagrama – Visão – Componentes – Web </a:t>
+            </a:r>
+            <a:r>
+              <a:rPr lang="pt-BR" sz="3265" dirty="0" err="1"/>
+              <a:t>Application</a:t>
+            </a:r>
+            <a:r>
+              <a:rPr lang="pt-BR" sz="3265" dirty="0"/>
+              <a:t> </a:t>
+            </a:r>
+          </a:p>
+        </p:txBody>
+      </p:sp>
+      <p:sp>
+        <p:nvSpPr>
+          <p:cNvPr id="6" name="Fluxograma: Disco Magnético 5">
+            <a:extLst>
+              <a:ext uri="{FF2B5EF4-FFF2-40B4-BE49-F238E27FC236}">
+                <a16:creationId xmlns:a16="http://schemas.microsoft.com/office/drawing/2014/main" id="{DFFFB317-3CAB-44CC-8FEF-51A27734CA19}"/>
+              </a:ext>
+            </a:extLst>
+          </p:cNvPr>
+          <p:cNvSpPr/>
+          <p:nvPr/>
+        </p:nvSpPr>
+        <p:spPr>
+          <a:xfrm>
+            <a:off x="483189" y="1143248"/>
+            <a:ext cx="2131712" cy="1828602"/>
+          </a:xfrm>
+          <a:prstGeom prst="flowChartMagneticDisk">
+            <a:avLst/>
+          </a:prstGeom>
+          <a:solidFill>
+            <a:schemeClr val="bg1">
+              <a:lumMod val="50000"/>
+            </a:schemeClr>
+          </a:solidFill>
+          <a:ln>
+            <a:solidFill>
+              <a:srgbClr val="253746"/>
+            </a:solidFill>
+          </a:ln>
+        </p:spPr>
+        <p:style>
+          <a:lnRef idx="2">
+            <a:schemeClr val="accent1">
+              <a:shade val="50000"/>
+            </a:schemeClr>
+          </a:lnRef>
+          <a:fillRef idx="1">
+            <a:schemeClr val="accent1"/>
+          </a:fillRef>
+          <a:effectRef idx="0">
+            <a:schemeClr val="accent1"/>
+          </a:effectRef>
+          <a:fontRef idx="minor">
+            <a:schemeClr val="lt1"/>
+          </a:fontRef>
+        </p:style>
+        <p:txBody>
+          <a:bodyPr rtlCol="0" anchor="ctr"/>
+          <a:lstStyle/>
+          <a:p>
+            <a:pPr algn="ctr"/>
+            <a:endParaRPr lang="pt-BR" sz="1632">
+              <a:solidFill>
+                <a:prstClr val="white"/>
+              </a:solidFill>
+              <a:latin typeface="Calibri"/>
+            </a:endParaRPr>
+          </a:p>
+        </p:txBody>
+      </p:sp>
+      <p:cxnSp>
+        <p:nvCxnSpPr>
+          <p:cNvPr id="108" name="Conector de Seta Reta 107">
+            <a:extLst>
+              <a:ext uri="{FF2B5EF4-FFF2-40B4-BE49-F238E27FC236}">
+                <a16:creationId xmlns:a16="http://schemas.microsoft.com/office/drawing/2014/main" id="{88AF183C-AF91-49F6-B2E7-A0B82E68B260}"/>
+              </a:ext>
+            </a:extLst>
+          </p:cNvPr>
+          <p:cNvCxnSpPr>
+            <a:cxnSpLocks/>
+            <a:stCxn id="58" idx="1"/>
+            <a:endCxn id="6" idx="4"/>
+          </p:cNvCxnSpPr>
+          <p:nvPr/>
+        </p:nvCxnSpPr>
+        <p:spPr>
+          <a:xfrm flipH="1">
+            <a:off x="2614901" y="1829009"/>
+            <a:ext cx="3399459" cy="228540"/>
+          </a:xfrm>
+          <a:prstGeom prst="straightConnector1">
+            <a:avLst/>
+          </a:prstGeom>
+          <a:ln w="19050">
+            <a:solidFill>
+              <a:schemeClr val="accent5">
+                <a:lumMod val="75000"/>
+              </a:schemeClr>
+            </a:solidFill>
+            <a:prstDash val="sysDash"/>
+            <a:headEnd type="none" w="lg" len="lg"/>
+            <a:tailEnd type="triangle" w="lg" len="lg"/>
+          </a:ln>
+        </p:spPr>
+        <p:style>
+          <a:lnRef idx="1">
+            <a:schemeClr val="accent1"/>
+          </a:lnRef>
+          <a:fillRef idx="0">
+            <a:schemeClr val="accent1"/>
+          </a:fillRef>
+          <a:effectRef idx="0">
+            <a:schemeClr val="accent1"/>
+          </a:effectRef>
+          <a:fontRef idx="minor">
+            <a:schemeClr val="tx1"/>
+          </a:fontRef>
+        </p:style>
+      </p:cxnSp>
+      <p:sp>
+        <p:nvSpPr>
+          <p:cNvPr id="100" name="Retângulo 20">
+            <a:extLst>
+              <a:ext uri="{FF2B5EF4-FFF2-40B4-BE49-F238E27FC236}">
+                <a16:creationId xmlns:a16="http://schemas.microsoft.com/office/drawing/2014/main" id="{9BB1489B-C560-CD4C-A3EF-D59CA6357904}"/>
+              </a:ext>
+            </a:extLst>
+          </p:cNvPr>
+          <p:cNvSpPr/>
+          <p:nvPr/>
+        </p:nvSpPr>
+        <p:spPr>
+          <a:xfrm>
+            <a:off x="348966" y="1664481"/>
+            <a:ext cx="2327633" cy="594778"/>
+          </a:xfrm>
+          <a:prstGeom prst="rect">
+            <a:avLst/>
+          </a:prstGeom>
+        </p:spPr>
+        <p:txBody>
+          <a:bodyPr wrap="square">
+            <a:spAutoFit/>
+          </a:bodyPr>
+          <a:lstStyle/>
+          <a:p>
+            <a:pPr lvl="0" algn="ctr">
+              <a:defRPr/>
+            </a:pPr>
+            <a:r>
+              <a:rPr lang="pt-BR" sz="1814" b="1" err="1">
+                <a:solidFill>
+                  <a:prstClr val="white"/>
+                </a:solidFill>
+              </a:rPr>
+              <a:t>Database</a:t>
+            </a:r>
+            <a:endParaRPr lang="pt-BR" sz="1814" b="1">
+              <a:solidFill>
+                <a:prstClr val="white"/>
+              </a:solidFill>
+            </a:endParaRPr>
+          </a:p>
+          <a:p>
+            <a:pPr lvl="0" algn="ctr">
+              <a:defRPr/>
+            </a:pPr>
+            <a:r>
+              <a:rPr lang="pt-BR" sz="1451">
+                <a:solidFill>
+                  <a:prstClr val="white"/>
+                </a:solidFill>
+              </a:rPr>
+              <a:t>[Container: SQL Server]</a:t>
+            </a:r>
+          </a:p>
+        </p:txBody>
+      </p:sp>
+      <p:sp>
+        <p:nvSpPr>
+          <p:cNvPr id="101" name="Retângulo 20">
+            <a:extLst>
+              <a:ext uri="{FF2B5EF4-FFF2-40B4-BE49-F238E27FC236}">
+                <a16:creationId xmlns:a16="http://schemas.microsoft.com/office/drawing/2014/main" id="{FC798C42-61A5-3943-A3F4-72A0AB9C9EDA}"/>
+              </a:ext>
+            </a:extLst>
+          </p:cNvPr>
+          <p:cNvSpPr/>
+          <p:nvPr/>
+        </p:nvSpPr>
+        <p:spPr>
+          <a:xfrm>
+            <a:off x="394454" y="2253471"/>
+            <a:ext cx="2327633" cy="538865"/>
+          </a:xfrm>
+          <a:prstGeom prst="rect">
+            <a:avLst/>
+          </a:prstGeom>
+        </p:spPr>
+        <p:txBody>
+          <a:bodyPr wrap="square">
+            <a:spAutoFit/>
+          </a:bodyPr>
+          <a:lstStyle/>
+          <a:p>
+            <a:pPr lvl="0" algn="ctr">
+              <a:defRPr/>
+            </a:pPr>
+            <a:r>
+              <a:rPr lang="pt-BR" sz="1451" dirty="0">
+                <a:solidFill>
+                  <a:prstClr val="white"/>
+                </a:solidFill>
+              </a:rPr>
+              <a:t>Armazena os dados (ONG/Doador)</a:t>
+            </a:r>
+            <a:endParaRPr lang="pt-BR" sz="1088" dirty="0">
+              <a:solidFill>
+                <a:prstClr val="white"/>
+              </a:solidFill>
+            </a:endParaRPr>
+          </a:p>
+        </p:txBody>
+      </p:sp>
+      <p:grpSp>
+        <p:nvGrpSpPr>
+          <p:cNvPr id="57" name="Group 79">
+            <a:extLst>
+              <a:ext uri="{FF2B5EF4-FFF2-40B4-BE49-F238E27FC236}">
+                <a16:creationId xmlns:a16="http://schemas.microsoft.com/office/drawing/2014/main" id="{EDA1A6A0-10A3-4138-8F31-5CDE1B0652D0}"/>
+              </a:ext>
+            </a:extLst>
+          </p:cNvPr>
+          <p:cNvGrpSpPr/>
+          <p:nvPr/>
+        </p:nvGrpSpPr>
+        <p:grpSpPr>
+          <a:xfrm>
+            <a:off x="5943828" y="1170994"/>
+            <a:ext cx="1914323" cy="1305999"/>
+            <a:chOff x="3258758" y="4711163"/>
+            <a:chExt cx="2814160" cy="2031828"/>
+          </a:xfrm>
+        </p:grpSpPr>
+        <p:sp>
+          <p:nvSpPr>
+            <p:cNvPr id="58" name="Retângulo 57">
+              <a:extLst>
+                <a:ext uri="{FF2B5EF4-FFF2-40B4-BE49-F238E27FC236}">
+                  <a16:creationId xmlns:a16="http://schemas.microsoft.com/office/drawing/2014/main" id="{4000FE8E-6356-42EC-AF6C-746EC6A19251}"/>
+                </a:ext>
+              </a:extLst>
+            </p:cNvPr>
+            <p:cNvSpPr/>
+            <p:nvPr/>
+          </p:nvSpPr>
+          <p:spPr>
+            <a:xfrm>
+              <a:off x="3362444" y="4726767"/>
+              <a:ext cx="2710474" cy="2016224"/>
+            </a:xfrm>
+            <a:prstGeom prst="rect">
+              <a:avLst/>
+            </a:prstGeom>
+            <a:solidFill>
+              <a:srgbClr val="32B9CD"/>
+            </a:solidFill>
+            <a:ln>
+              <a:solidFill>
+                <a:schemeClr val="accent5">
+                  <a:lumMod val="75000"/>
+                </a:schemeClr>
+              </a:solidFill>
+            </a:ln>
+          </p:spPr>
+          <p:style>
+            <a:lnRef idx="2">
+              <a:schemeClr val="accent1">
+                <a:shade val="50000"/>
+              </a:schemeClr>
+            </a:lnRef>
+            <a:fillRef idx="1">
+              <a:schemeClr val="accent1"/>
+            </a:fillRef>
+            <a:effectRef idx="0">
+              <a:schemeClr val="accent1"/>
+            </a:effectRef>
+            <a:fontRef idx="minor">
+              <a:schemeClr val="lt1"/>
+            </a:fontRef>
+          </p:style>
+          <p:txBody>
+            <a:bodyPr rtlCol="0" anchor="ctr"/>
+            <a:lstStyle/>
+            <a:p>
+              <a:pPr algn="ctr"/>
+              <a:endParaRPr lang="pt-BR" sz="1632">
+                <a:solidFill>
+                  <a:prstClr val="white"/>
+                </a:solidFill>
+                <a:latin typeface="Calibri"/>
+              </a:endParaRPr>
+            </a:p>
+          </p:txBody>
+        </p:sp>
+        <p:sp>
+          <p:nvSpPr>
+            <p:cNvPr id="59" name="Retângulo 58">
+              <a:extLst>
+                <a:ext uri="{FF2B5EF4-FFF2-40B4-BE49-F238E27FC236}">
+                  <a16:creationId xmlns:a16="http://schemas.microsoft.com/office/drawing/2014/main" id="{FB904B6E-7224-4428-8476-BF7DDC730520}"/>
+                </a:ext>
+              </a:extLst>
+            </p:cNvPr>
+            <p:cNvSpPr/>
+            <p:nvPr/>
+          </p:nvSpPr>
+          <p:spPr>
+            <a:xfrm>
+              <a:off x="3553270" y="5474096"/>
+              <a:ext cx="2278425" cy="1149188"/>
+            </a:xfrm>
+            <a:prstGeom prst="rect">
+              <a:avLst/>
+            </a:prstGeom>
+          </p:spPr>
+          <p:txBody>
+            <a:bodyPr wrap="square">
+              <a:spAutoFit/>
+            </a:bodyPr>
+            <a:lstStyle/>
+            <a:p>
+              <a:pPr lvl="0" algn="ctr">
+                <a:defRPr/>
+              </a:pPr>
+              <a:r>
+                <a:rPr lang="pt-BR" sz="1050" dirty="0">
+                  <a:solidFill>
+                    <a:prstClr val="white"/>
+                  </a:solidFill>
+                </a:rPr>
+                <a:t>Componente que gerencia as conexões e transações com o Banco de Dados</a:t>
+              </a:r>
+            </a:p>
+          </p:txBody>
+        </p:sp>
+        <p:sp>
+          <p:nvSpPr>
+            <p:cNvPr id="62" name="Retângulo 20">
+              <a:extLst>
+                <a:ext uri="{FF2B5EF4-FFF2-40B4-BE49-F238E27FC236}">
+                  <a16:creationId xmlns:a16="http://schemas.microsoft.com/office/drawing/2014/main" id="{898445EF-0450-4939-9A2F-3F0009C0FE74}"/>
+                </a:ext>
+              </a:extLst>
+            </p:cNvPr>
+            <p:cNvSpPr/>
+            <p:nvPr/>
+          </p:nvSpPr>
+          <p:spPr>
+            <a:xfrm>
+              <a:off x="3258758" y="4711163"/>
+              <a:ext cx="2807827" cy="838448"/>
+            </a:xfrm>
+            <a:prstGeom prst="rect">
+              <a:avLst/>
+            </a:prstGeom>
+          </p:spPr>
+          <p:txBody>
+            <a:bodyPr wrap="square">
+              <a:spAutoFit/>
+            </a:bodyPr>
+            <a:lstStyle/>
+            <a:p>
+              <a:pPr lvl="0" algn="ctr">
+                <a:defRPr/>
+              </a:pPr>
+              <a:r>
+                <a:rPr lang="pt-BR" sz="1632" b="1">
+                  <a:solidFill>
+                    <a:prstClr val="white"/>
+                  </a:solidFill>
+                </a:rPr>
+                <a:t>ORM</a:t>
+              </a:r>
+            </a:p>
+            <a:p>
+              <a:pPr lvl="0" algn="ctr">
+                <a:defRPr/>
+              </a:pPr>
+              <a:r>
+                <a:rPr lang="pt-BR" sz="1270">
+                  <a:solidFill>
+                    <a:prstClr val="white"/>
+                  </a:solidFill>
+                </a:rPr>
+                <a:t>[</a:t>
+              </a:r>
+              <a:r>
+                <a:rPr lang="pt-BR" sz="1270" err="1">
+                  <a:solidFill>
+                    <a:prstClr val="white"/>
+                  </a:solidFill>
+                </a:rPr>
+                <a:t>Component</a:t>
+              </a:r>
+              <a:r>
+                <a:rPr lang="pt-BR" sz="1270">
+                  <a:solidFill>
+                    <a:prstClr val="white"/>
+                  </a:solidFill>
+                </a:rPr>
+                <a:t>: JPA]</a:t>
+              </a:r>
+            </a:p>
+          </p:txBody>
+        </p:sp>
+      </p:grpSp>
+      <p:grpSp>
+        <p:nvGrpSpPr>
+          <p:cNvPr id="83" name="Group 38">
+            <a:extLst>
+              <a:ext uri="{FF2B5EF4-FFF2-40B4-BE49-F238E27FC236}">
+                <a16:creationId xmlns:a16="http://schemas.microsoft.com/office/drawing/2014/main" id="{39FBAFE6-4F58-439D-9C6F-AFAB6C6F6539}"/>
+              </a:ext>
+            </a:extLst>
+          </p:cNvPr>
+          <p:cNvGrpSpPr/>
+          <p:nvPr/>
+        </p:nvGrpSpPr>
+        <p:grpSpPr>
+          <a:xfrm>
+            <a:off x="5829780" y="3078841"/>
+            <a:ext cx="1921102" cy="1305999"/>
+            <a:chOff x="8814382" y="1524475"/>
+            <a:chExt cx="2587426" cy="2016224"/>
+          </a:xfrm>
+        </p:grpSpPr>
+        <p:sp>
+          <p:nvSpPr>
+            <p:cNvPr id="84" name="Retângulo 83">
+              <a:extLst>
+                <a:ext uri="{FF2B5EF4-FFF2-40B4-BE49-F238E27FC236}">
+                  <a16:creationId xmlns:a16="http://schemas.microsoft.com/office/drawing/2014/main" id="{FBE9AE95-6A8E-499D-8249-8B0D3FE154AE}"/>
+                </a:ext>
+              </a:extLst>
+            </p:cNvPr>
+            <p:cNvSpPr/>
+            <p:nvPr/>
+          </p:nvSpPr>
+          <p:spPr>
+            <a:xfrm>
+              <a:off x="8902688" y="1524475"/>
+              <a:ext cx="2376265" cy="2016224"/>
+            </a:xfrm>
+            <a:prstGeom prst="rect">
+              <a:avLst/>
+            </a:prstGeom>
+            <a:solidFill>
+              <a:srgbClr val="32B9CD"/>
+            </a:solidFill>
+            <a:ln w="3175">
+              <a:solidFill>
+                <a:schemeClr val="accent5">
+                  <a:lumMod val="75000"/>
+                </a:schemeClr>
+              </a:solidFill>
+            </a:ln>
+          </p:spPr>
+          <p:style>
+            <a:lnRef idx="2">
+              <a:schemeClr val="accent5">
+                <a:shade val="50000"/>
+              </a:schemeClr>
+            </a:lnRef>
+            <a:fillRef idx="1">
+              <a:schemeClr val="accent5"/>
+            </a:fillRef>
+            <a:effectRef idx="0">
+              <a:schemeClr val="accent5"/>
+            </a:effectRef>
+            <a:fontRef idx="minor">
+              <a:schemeClr val="lt1"/>
+            </a:fontRef>
+          </p:style>
+          <p:txBody>
+            <a:bodyPr rtlCol="0" anchor="ctr"/>
+            <a:lstStyle/>
+            <a:p>
+              <a:pPr algn="ctr"/>
+              <a:endParaRPr lang="pt-BR" sz="1451">
+                <a:solidFill>
+                  <a:prstClr val="white"/>
+                </a:solidFill>
+                <a:latin typeface="Calibri"/>
+              </a:endParaRPr>
+            </a:p>
+          </p:txBody>
+        </p:sp>
+        <p:sp>
+          <p:nvSpPr>
+            <p:cNvPr id="87" name="Retângulo 86">
+              <a:extLst>
+                <a:ext uri="{FF2B5EF4-FFF2-40B4-BE49-F238E27FC236}">
+                  <a16:creationId xmlns:a16="http://schemas.microsoft.com/office/drawing/2014/main" id="{C17C8BE1-3AF4-48F1-8BEC-C85D77E8F999}"/>
+                </a:ext>
+              </a:extLst>
+            </p:cNvPr>
+            <p:cNvSpPr/>
+            <p:nvPr/>
+          </p:nvSpPr>
+          <p:spPr>
+            <a:xfrm>
+              <a:off x="8835352" y="1583057"/>
+              <a:ext cx="2566456" cy="1133730"/>
+            </a:xfrm>
+            <a:prstGeom prst="rect">
+              <a:avLst/>
+            </a:prstGeom>
+          </p:spPr>
+          <p:txBody>
+            <a:bodyPr wrap="square">
+              <a:spAutoFit/>
+            </a:bodyPr>
+            <a:lstStyle/>
+            <a:p>
+              <a:pPr lvl="0" algn="ctr">
+                <a:defRPr/>
+              </a:pPr>
+              <a:r>
+                <a:rPr lang="pt-BR" sz="1632" b="1" dirty="0">
+                  <a:solidFill>
+                    <a:prstClr val="white"/>
+                  </a:solidFill>
+                </a:rPr>
+                <a:t>ONG </a:t>
+              </a:r>
+              <a:r>
+                <a:rPr lang="pt-BR" sz="1632" b="1" dirty="0" err="1">
+                  <a:solidFill>
+                    <a:prstClr val="white"/>
+                  </a:solidFill>
+                </a:rPr>
+                <a:t>Controller</a:t>
+              </a:r>
+              <a:endParaRPr lang="pt-BR" sz="1632" b="1" dirty="0">
+                <a:solidFill>
+                  <a:prstClr val="white"/>
+                </a:solidFill>
+              </a:endParaRPr>
+            </a:p>
+            <a:p>
+              <a:pPr lvl="0" algn="ctr">
+                <a:defRPr/>
+              </a:pPr>
+              <a:r>
+                <a:rPr lang="pt-BR" sz="1270" dirty="0">
+                  <a:solidFill>
+                    <a:prstClr val="white"/>
+                  </a:solidFill>
+                </a:rPr>
+                <a:t>[</a:t>
+              </a:r>
+              <a:r>
+                <a:rPr lang="pt-BR" sz="1270" dirty="0" err="1">
+                  <a:solidFill>
+                    <a:prstClr val="white"/>
+                  </a:solidFill>
+                </a:rPr>
+                <a:t>Component</a:t>
+              </a:r>
+              <a:r>
+                <a:rPr lang="pt-BR" sz="1270" dirty="0">
+                  <a:solidFill>
+                    <a:prstClr val="white"/>
+                  </a:solidFill>
+                </a:rPr>
+                <a:t>: Spring MVC </a:t>
+              </a:r>
+              <a:r>
+                <a:rPr lang="pt-BR" sz="1270" dirty="0" err="1">
+                  <a:solidFill>
+                    <a:prstClr val="white"/>
+                  </a:solidFill>
+                </a:rPr>
+                <a:t>Rest</a:t>
+              </a:r>
+              <a:r>
+                <a:rPr lang="pt-BR" sz="1270" dirty="0">
+                  <a:solidFill>
+                    <a:prstClr val="white"/>
+                  </a:solidFill>
+                </a:rPr>
+                <a:t> </a:t>
+              </a:r>
+              <a:r>
+                <a:rPr lang="pt-BR" sz="1270" dirty="0" err="1">
+                  <a:solidFill>
+                    <a:prstClr val="white"/>
+                  </a:solidFill>
+                </a:rPr>
+                <a:t>Controller</a:t>
+              </a:r>
+              <a:r>
+                <a:rPr lang="pt-BR" sz="1270" dirty="0">
+                  <a:solidFill>
+                    <a:prstClr val="white"/>
+                  </a:solidFill>
+                </a:rPr>
+                <a:t>]</a:t>
+              </a:r>
+            </a:p>
+          </p:txBody>
+        </p:sp>
+        <p:sp>
+          <p:nvSpPr>
+            <p:cNvPr id="88" name="Retângulo 20">
+              <a:extLst>
+                <a:ext uri="{FF2B5EF4-FFF2-40B4-BE49-F238E27FC236}">
+                  <a16:creationId xmlns:a16="http://schemas.microsoft.com/office/drawing/2014/main" id="{2A44DCE7-B848-40FC-8984-3B25F40DE9B9}"/>
+                </a:ext>
+              </a:extLst>
+            </p:cNvPr>
+            <p:cNvSpPr/>
+            <p:nvPr/>
+          </p:nvSpPr>
+          <p:spPr>
+            <a:xfrm>
+              <a:off x="8814382" y="2739807"/>
+              <a:ext cx="2566456" cy="616706"/>
+            </a:xfrm>
+            <a:prstGeom prst="rect">
+              <a:avLst/>
+            </a:prstGeom>
+          </p:spPr>
+          <p:txBody>
+            <a:bodyPr wrap="square">
+              <a:spAutoFit/>
+            </a:bodyPr>
+            <a:lstStyle/>
+            <a:p>
+              <a:pPr lvl="0" algn="ctr">
+                <a:defRPr/>
+              </a:pPr>
+              <a:r>
+                <a:rPr lang="pt-BR" sz="998" dirty="0">
+                  <a:solidFill>
+                    <a:prstClr val="white"/>
+                  </a:solidFill>
+                </a:rPr>
+                <a:t>Traz os dados das ONGS cadastradas </a:t>
+              </a:r>
+            </a:p>
+          </p:txBody>
+        </p:sp>
+      </p:grpSp>
+      <p:grpSp>
+        <p:nvGrpSpPr>
+          <p:cNvPr id="89" name="Group 38">
+            <a:extLst>
+              <a:ext uri="{FF2B5EF4-FFF2-40B4-BE49-F238E27FC236}">
+                <a16:creationId xmlns:a16="http://schemas.microsoft.com/office/drawing/2014/main" id="{328A115B-B062-4627-ABED-EF820E5DE0F6}"/>
+              </a:ext>
+            </a:extLst>
+          </p:cNvPr>
+          <p:cNvGrpSpPr/>
+          <p:nvPr/>
+        </p:nvGrpSpPr>
+        <p:grpSpPr>
+          <a:xfrm>
+            <a:off x="3557245" y="3102609"/>
+            <a:ext cx="1905536" cy="1305999"/>
+            <a:chOff x="8734539" y="1515280"/>
+            <a:chExt cx="2566460" cy="2016224"/>
+          </a:xfrm>
+        </p:grpSpPr>
+        <p:sp>
+          <p:nvSpPr>
+            <p:cNvPr id="90" name="Retângulo 89">
+              <a:extLst>
+                <a:ext uri="{FF2B5EF4-FFF2-40B4-BE49-F238E27FC236}">
+                  <a16:creationId xmlns:a16="http://schemas.microsoft.com/office/drawing/2014/main" id="{FF6A9949-8A4B-4867-A92F-C81E3064B0E5}"/>
+                </a:ext>
+              </a:extLst>
+            </p:cNvPr>
+            <p:cNvSpPr/>
+            <p:nvPr/>
+          </p:nvSpPr>
+          <p:spPr>
+            <a:xfrm>
+              <a:off x="8829636" y="1515280"/>
+              <a:ext cx="2376264" cy="2016224"/>
+            </a:xfrm>
+            <a:prstGeom prst="rect">
+              <a:avLst/>
+            </a:prstGeom>
+            <a:solidFill>
+              <a:srgbClr val="32B9CD"/>
+            </a:solidFill>
+            <a:ln/>
+          </p:spPr>
+          <p:style>
+            <a:lnRef idx="2">
+              <a:schemeClr val="accent5">
+                <a:shade val="50000"/>
+              </a:schemeClr>
+            </a:lnRef>
+            <a:fillRef idx="1">
+              <a:schemeClr val="accent5"/>
+            </a:fillRef>
+            <a:effectRef idx="0">
+              <a:schemeClr val="accent5"/>
+            </a:effectRef>
+            <a:fontRef idx="minor">
+              <a:schemeClr val="lt1"/>
+            </a:fontRef>
+          </p:style>
+          <p:txBody>
+            <a:bodyPr rtlCol="0" anchor="ctr"/>
+            <a:lstStyle/>
+            <a:p>
+              <a:pPr algn="ctr"/>
+              <a:endParaRPr lang="pt-BR" sz="1451" dirty="0">
+                <a:solidFill>
+                  <a:prstClr val="white"/>
+                </a:solidFill>
+                <a:latin typeface="Calibri"/>
+              </a:endParaRPr>
+            </a:p>
+          </p:txBody>
+        </p:sp>
+        <p:sp>
+          <p:nvSpPr>
+            <p:cNvPr id="91" name="Retângulo 90">
+              <a:extLst>
+                <a:ext uri="{FF2B5EF4-FFF2-40B4-BE49-F238E27FC236}">
+                  <a16:creationId xmlns:a16="http://schemas.microsoft.com/office/drawing/2014/main" id="{288B414D-5D6A-4B1F-AEC6-931B25D9821B}"/>
+                </a:ext>
+              </a:extLst>
+            </p:cNvPr>
+            <p:cNvSpPr/>
+            <p:nvPr/>
+          </p:nvSpPr>
+          <p:spPr>
+            <a:xfrm>
+              <a:off x="8734539" y="1583832"/>
+              <a:ext cx="2566459" cy="1133730"/>
+            </a:xfrm>
+            <a:prstGeom prst="rect">
+              <a:avLst/>
+            </a:prstGeom>
+          </p:spPr>
+          <p:txBody>
+            <a:bodyPr wrap="square">
+              <a:spAutoFit/>
+            </a:bodyPr>
+            <a:lstStyle/>
+            <a:p>
+              <a:pPr lvl="0" algn="ctr">
+                <a:defRPr/>
+              </a:pPr>
+              <a:r>
+                <a:rPr lang="pt-BR" sz="1632" b="1" dirty="0" err="1">
+                  <a:solidFill>
+                    <a:prstClr val="white"/>
+                  </a:solidFill>
+                </a:rPr>
+                <a:t>DoadorController</a:t>
+              </a:r>
+              <a:endParaRPr lang="pt-BR" sz="1632" b="1" dirty="0">
+                <a:solidFill>
+                  <a:prstClr val="white"/>
+                </a:solidFill>
+              </a:endParaRPr>
+            </a:p>
+            <a:p>
+              <a:pPr lvl="0" algn="ctr">
+                <a:defRPr/>
+              </a:pPr>
+              <a:r>
+                <a:rPr lang="pt-BR" sz="1270" dirty="0">
+                  <a:solidFill>
+                    <a:prstClr val="white"/>
+                  </a:solidFill>
+                </a:rPr>
+                <a:t>[</a:t>
+              </a:r>
+              <a:r>
+                <a:rPr lang="pt-BR" sz="1270" dirty="0" err="1">
+                  <a:solidFill>
+                    <a:prstClr val="white"/>
+                  </a:solidFill>
+                </a:rPr>
+                <a:t>Component</a:t>
+              </a:r>
+              <a:r>
+                <a:rPr lang="pt-BR" sz="1270" dirty="0">
+                  <a:solidFill>
+                    <a:prstClr val="white"/>
+                  </a:solidFill>
+                </a:rPr>
+                <a:t>: Spring MVC </a:t>
+              </a:r>
+              <a:r>
+                <a:rPr lang="pt-BR" sz="1270" dirty="0" err="1">
+                  <a:solidFill>
+                    <a:prstClr val="white"/>
+                  </a:solidFill>
+                </a:rPr>
+                <a:t>Rest</a:t>
+              </a:r>
+              <a:r>
+                <a:rPr lang="pt-BR" sz="1270" dirty="0">
+                  <a:solidFill>
+                    <a:prstClr val="white"/>
+                  </a:solidFill>
+                </a:rPr>
+                <a:t> </a:t>
+              </a:r>
+              <a:r>
+                <a:rPr lang="pt-BR" sz="1270" dirty="0" err="1">
+                  <a:solidFill>
+                    <a:prstClr val="white"/>
+                  </a:solidFill>
+                </a:rPr>
+                <a:t>Controller</a:t>
+              </a:r>
+              <a:r>
+                <a:rPr lang="pt-BR" sz="1270" dirty="0">
+                  <a:solidFill>
+                    <a:prstClr val="white"/>
+                  </a:solidFill>
+                </a:rPr>
+                <a:t>]</a:t>
+              </a:r>
+            </a:p>
+          </p:txBody>
+        </p:sp>
+        <p:sp>
+          <p:nvSpPr>
+            <p:cNvPr id="92" name="Retângulo 20">
+              <a:extLst>
+                <a:ext uri="{FF2B5EF4-FFF2-40B4-BE49-F238E27FC236}">
+                  <a16:creationId xmlns:a16="http://schemas.microsoft.com/office/drawing/2014/main" id="{F53FF2C7-85BB-4F9F-A0E1-036D27E63E6D}"/>
+                </a:ext>
+              </a:extLst>
+            </p:cNvPr>
+            <p:cNvSpPr/>
+            <p:nvPr/>
+          </p:nvSpPr>
+          <p:spPr>
+            <a:xfrm>
+              <a:off x="8734539" y="2714179"/>
+              <a:ext cx="2566460" cy="745986"/>
+            </a:xfrm>
+            <a:prstGeom prst="rect">
+              <a:avLst/>
+            </a:prstGeom>
+          </p:spPr>
+          <p:txBody>
+            <a:bodyPr wrap="square">
+              <a:spAutoFit/>
+            </a:bodyPr>
+            <a:lstStyle/>
+            <a:p>
+              <a:pPr lvl="0" algn="ctr">
+                <a:defRPr/>
+              </a:pPr>
+              <a:r>
+                <a:rPr lang="pt-BR" sz="1270" dirty="0">
+                  <a:solidFill>
+                    <a:prstClr val="white"/>
+                  </a:solidFill>
+                </a:rPr>
+                <a:t>Traz os dados dos doadores</a:t>
+              </a:r>
+              <a:endParaRPr lang="pt-BR" sz="998" dirty="0">
+                <a:solidFill>
+                  <a:prstClr val="white"/>
+                </a:solidFill>
+              </a:endParaRPr>
+            </a:p>
+          </p:txBody>
+        </p:sp>
+      </p:grpSp>
+      <p:grpSp>
+        <p:nvGrpSpPr>
+          <p:cNvPr id="118" name="Group 38">
+            <a:extLst>
+              <a:ext uri="{FF2B5EF4-FFF2-40B4-BE49-F238E27FC236}">
+                <a16:creationId xmlns:a16="http://schemas.microsoft.com/office/drawing/2014/main" id="{34BE92CC-7EF5-4A48-81E4-3276F6679A73}"/>
+              </a:ext>
+            </a:extLst>
+          </p:cNvPr>
+          <p:cNvGrpSpPr/>
+          <p:nvPr/>
+        </p:nvGrpSpPr>
+        <p:grpSpPr>
+          <a:xfrm>
+            <a:off x="7859295" y="3102609"/>
+            <a:ext cx="1921618" cy="1305999"/>
+            <a:chOff x="8813686" y="1524475"/>
+            <a:chExt cx="2588120" cy="2016224"/>
+          </a:xfrm>
+        </p:grpSpPr>
+        <p:sp>
+          <p:nvSpPr>
+            <p:cNvPr id="119" name="Retângulo 118">
+              <a:extLst>
+                <a:ext uri="{FF2B5EF4-FFF2-40B4-BE49-F238E27FC236}">
+                  <a16:creationId xmlns:a16="http://schemas.microsoft.com/office/drawing/2014/main" id="{B03554D8-2316-438C-A347-A4E9F8381E79}"/>
+                </a:ext>
+              </a:extLst>
+            </p:cNvPr>
+            <p:cNvSpPr/>
+            <p:nvPr/>
+          </p:nvSpPr>
+          <p:spPr>
+            <a:xfrm>
+              <a:off x="8902687" y="1524475"/>
+              <a:ext cx="2376264" cy="2016224"/>
+            </a:xfrm>
+            <a:prstGeom prst="rect">
+              <a:avLst/>
+            </a:prstGeom>
+            <a:solidFill>
+              <a:srgbClr val="32B9CD"/>
+            </a:solidFill>
+            <a:ln/>
+          </p:spPr>
+          <p:style>
+            <a:lnRef idx="2">
+              <a:schemeClr val="accent5">
+                <a:shade val="50000"/>
+              </a:schemeClr>
+            </a:lnRef>
+            <a:fillRef idx="1">
+              <a:schemeClr val="accent5"/>
+            </a:fillRef>
+            <a:effectRef idx="0">
+              <a:schemeClr val="accent5"/>
+            </a:effectRef>
+            <a:fontRef idx="minor">
+              <a:schemeClr val="lt1"/>
+            </a:fontRef>
+          </p:style>
+          <p:txBody>
+            <a:bodyPr rtlCol="0" anchor="ctr"/>
+            <a:lstStyle/>
+            <a:p>
+              <a:pPr algn="ctr"/>
+              <a:endParaRPr lang="pt-BR" sz="1451">
+                <a:solidFill>
+                  <a:prstClr val="white"/>
+                </a:solidFill>
+                <a:latin typeface="Calibri"/>
+              </a:endParaRPr>
+            </a:p>
+          </p:txBody>
+        </p:sp>
+        <p:sp>
+          <p:nvSpPr>
+            <p:cNvPr id="120" name="Retângulo 119">
+              <a:extLst>
+                <a:ext uri="{FF2B5EF4-FFF2-40B4-BE49-F238E27FC236}">
+                  <a16:creationId xmlns:a16="http://schemas.microsoft.com/office/drawing/2014/main" id="{30DF4EA6-9B4B-4AC9-91E7-626950DA859B}"/>
+                </a:ext>
+              </a:extLst>
+            </p:cNvPr>
+            <p:cNvSpPr/>
+            <p:nvPr/>
+          </p:nvSpPr>
+          <p:spPr>
+            <a:xfrm>
+              <a:off x="8835349" y="1583057"/>
+              <a:ext cx="2566457" cy="1133730"/>
+            </a:xfrm>
+            <a:prstGeom prst="rect">
+              <a:avLst/>
+            </a:prstGeom>
+          </p:spPr>
+          <p:txBody>
+            <a:bodyPr wrap="square">
+              <a:spAutoFit/>
+            </a:bodyPr>
+            <a:lstStyle/>
+            <a:p>
+              <a:pPr lvl="0" algn="ctr">
+                <a:defRPr/>
+              </a:pPr>
+              <a:r>
+                <a:rPr lang="pt-BR" sz="1632" b="1" dirty="0">
+                  <a:solidFill>
+                    <a:prstClr val="white"/>
+                  </a:solidFill>
+                </a:rPr>
+                <a:t>Login </a:t>
+              </a:r>
+              <a:r>
+                <a:rPr lang="pt-BR" sz="1632" b="1" dirty="0" err="1">
+                  <a:solidFill>
+                    <a:prstClr val="white"/>
+                  </a:solidFill>
+                </a:rPr>
+                <a:t>Controller</a:t>
+              </a:r>
+              <a:endParaRPr lang="pt-BR" sz="1632" b="1" dirty="0">
+                <a:solidFill>
+                  <a:prstClr val="white"/>
+                </a:solidFill>
+              </a:endParaRPr>
+            </a:p>
+            <a:p>
+              <a:pPr lvl="0" algn="ctr">
+                <a:defRPr/>
+              </a:pPr>
+              <a:r>
+                <a:rPr lang="pt-BR" sz="1270" dirty="0">
+                  <a:solidFill>
+                    <a:prstClr val="white"/>
+                  </a:solidFill>
+                </a:rPr>
+                <a:t>[</a:t>
+              </a:r>
+              <a:r>
+                <a:rPr lang="pt-BR" sz="1270" dirty="0" err="1">
+                  <a:solidFill>
+                    <a:prstClr val="white"/>
+                  </a:solidFill>
+                </a:rPr>
+                <a:t>Component</a:t>
+              </a:r>
+              <a:r>
+                <a:rPr lang="pt-BR" sz="1270" dirty="0">
+                  <a:solidFill>
+                    <a:prstClr val="white"/>
+                  </a:solidFill>
+                </a:rPr>
+                <a:t>: Spring MVC </a:t>
+              </a:r>
+              <a:r>
+                <a:rPr lang="pt-BR" sz="1270" dirty="0" err="1">
+                  <a:solidFill>
+                    <a:prstClr val="white"/>
+                  </a:solidFill>
+                </a:rPr>
+                <a:t>Rest</a:t>
+              </a:r>
+              <a:r>
+                <a:rPr lang="pt-BR" sz="1270" dirty="0">
+                  <a:solidFill>
+                    <a:prstClr val="white"/>
+                  </a:solidFill>
+                </a:rPr>
+                <a:t> </a:t>
+              </a:r>
+              <a:r>
+                <a:rPr lang="pt-BR" sz="1270" dirty="0" err="1">
+                  <a:solidFill>
+                    <a:prstClr val="white"/>
+                  </a:solidFill>
+                </a:rPr>
+                <a:t>Controller</a:t>
+              </a:r>
+              <a:r>
+                <a:rPr lang="pt-BR" sz="1270" dirty="0">
+                  <a:solidFill>
+                    <a:prstClr val="white"/>
+                  </a:solidFill>
+                </a:rPr>
+                <a:t>]</a:t>
+              </a:r>
+            </a:p>
+          </p:txBody>
+        </p:sp>
+        <p:sp>
+          <p:nvSpPr>
+            <p:cNvPr id="121" name="Retângulo 20">
+              <a:extLst>
+                <a:ext uri="{FF2B5EF4-FFF2-40B4-BE49-F238E27FC236}">
+                  <a16:creationId xmlns:a16="http://schemas.microsoft.com/office/drawing/2014/main" id="{10D028BC-DB3B-4D5E-B113-B4F7BBFB690B}"/>
+                </a:ext>
+              </a:extLst>
+            </p:cNvPr>
+            <p:cNvSpPr/>
+            <p:nvPr/>
+          </p:nvSpPr>
+          <p:spPr>
+            <a:xfrm>
+              <a:off x="8813686" y="2714710"/>
+              <a:ext cx="2566457" cy="745986"/>
+            </a:xfrm>
+            <a:prstGeom prst="rect">
+              <a:avLst/>
+            </a:prstGeom>
+          </p:spPr>
+          <p:txBody>
+            <a:bodyPr wrap="square">
+              <a:spAutoFit/>
+            </a:bodyPr>
+            <a:lstStyle/>
+            <a:p>
+              <a:pPr lvl="0" algn="ctr">
+                <a:defRPr/>
+              </a:pPr>
+              <a:r>
+                <a:rPr lang="pt-BR" sz="1270" dirty="0">
+                  <a:solidFill>
+                    <a:prstClr val="white"/>
+                  </a:solidFill>
+                </a:rPr>
+                <a:t>Controle do Login dos usuários cadastrados</a:t>
+              </a:r>
+              <a:endParaRPr lang="pt-BR" sz="998" dirty="0">
+                <a:solidFill>
+                  <a:prstClr val="white"/>
+                </a:solidFill>
+              </a:endParaRPr>
+            </a:p>
+          </p:txBody>
+        </p:sp>
+      </p:grpSp>
+      <p:cxnSp>
+        <p:nvCxnSpPr>
+          <p:cNvPr id="130" name="Conector de Seta Reta 107">
+            <a:extLst>
+              <a:ext uri="{FF2B5EF4-FFF2-40B4-BE49-F238E27FC236}">
+                <a16:creationId xmlns:a16="http://schemas.microsoft.com/office/drawing/2014/main" id="{9978E44F-CFDB-4D15-A66D-D3F07A2619D5}"/>
+              </a:ext>
+            </a:extLst>
+          </p:cNvPr>
+          <p:cNvCxnSpPr>
+            <a:cxnSpLocks/>
+            <a:stCxn id="71" idx="0"/>
+            <a:endCxn id="84" idx="2"/>
+          </p:cNvCxnSpPr>
+          <p:nvPr/>
+        </p:nvCxnSpPr>
+        <p:spPr>
+          <a:xfrm flipH="1" flipV="1">
+            <a:off x="6777505" y="4384840"/>
+            <a:ext cx="480030" cy="656536"/>
+          </a:xfrm>
+          <a:prstGeom prst="straightConnector1">
+            <a:avLst/>
+          </a:prstGeom>
+          <a:ln w="19050">
+            <a:solidFill>
+              <a:schemeClr val="accent5">
+                <a:lumMod val="75000"/>
+              </a:schemeClr>
+            </a:solidFill>
+            <a:prstDash val="sysDash"/>
+            <a:headEnd type="none" w="lg" len="lg"/>
+            <a:tailEnd type="triangle" w="lg" len="lg"/>
+          </a:ln>
+        </p:spPr>
+        <p:style>
+          <a:lnRef idx="1">
+            <a:schemeClr val="accent1"/>
+          </a:lnRef>
+          <a:fillRef idx="0">
+            <a:schemeClr val="accent1"/>
+          </a:fillRef>
+          <a:effectRef idx="0">
+            <a:schemeClr val="accent1"/>
+          </a:effectRef>
+          <a:fontRef idx="minor">
+            <a:schemeClr val="tx1"/>
+          </a:fontRef>
+        </p:style>
+      </p:cxnSp>
+      <p:cxnSp>
+        <p:nvCxnSpPr>
+          <p:cNvPr id="131" name="Conector de Seta Reta 107">
+            <a:extLst>
+              <a:ext uri="{FF2B5EF4-FFF2-40B4-BE49-F238E27FC236}">
+                <a16:creationId xmlns:a16="http://schemas.microsoft.com/office/drawing/2014/main" id="{45027C2E-6250-4F90-87EB-D1C9B6ADB3C9}"/>
+              </a:ext>
+            </a:extLst>
+          </p:cNvPr>
+          <p:cNvCxnSpPr>
+            <a:cxnSpLocks/>
+            <a:stCxn id="71" idx="0"/>
+          </p:cNvCxnSpPr>
+          <p:nvPr/>
+        </p:nvCxnSpPr>
+        <p:spPr>
+          <a:xfrm flipV="1">
+            <a:off x="7257535" y="4495728"/>
+            <a:ext cx="2040351" cy="545648"/>
+          </a:xfrm>
+          <a:prstGeom prst="straightConnector1">
+            <a:avLst/>
+          </a:prstGeom>
+          <a:ln w="19050">
+            <a:solidFill>
+              <a:schemeClr val="accent5">
+                <a:lumMod val="75000"/>
+              </a:schemeClr>
+            </a:solidFill>
+            <a:prstDash val="sysDash"/>
+            <a:headEnd type="none" w="lg" len="lg"/>
+            <a:tailEnd type="triangle" w="lg" len="lg"/>
+          </a:ln>
+        </p:spPr>
+        <p:style>
+          <a:lnRef idx="1">
+            <a:schemeClr val="accent1"/>
+          </a:lnRef>
+          <a:fillRef idx="0">
+            <a:schemeClr val="accent1"/>
+          </a:fillRef>
+          <a:effectRef idx="0">
+            <a:schemeClr val="accent1"/>
+          </a:effectRef>
+          <a:fontRef idx="minor">
+            <a:schemeClr val="tx1"/>
+          </a:fontRef>
+        </p:style>
+      </p:cxnSp>
+      <p:cxnSp>
+        <p:nvCxnSpPr>
+          <p:cNvPr id="132" name="Conector de Seta Reta 107">
+            <a:extLst>
+              <a:ext uri="{FF2B5EF4-FFF2-40B4-BE49-F238E27FC236}">
+                <a16:creationId xmlns:a16="http://schemas.microsoft.com/office/drawing/2014/main" id="{D986F568-286F-4E16-AB86-D12FED534A79}"/>
+              </a:ext>
+            </a:extLst>
+          </p:cNvPr>
+          <p:cNvCxnSpPr>
+            <a:cxnSpLocks/>
+            <a:stCxn id="71" idx="0"/>
+            <a:endCxn id="90" idx="2"/>
+          </p:cNvCxnSpPr>
+          <p:nvPr/>
+        </p:nvCxnSpPr>
+        <p:spPr>
+          <a:xfrm flipH="1" flipV="1">
+            <a:off x="4510012" y="4408608"/>
+            <a:ext cx="2747523" cy="632768"/>
+          </a:xfrm>
+          <a:prstGeom prst="straightConnector1">
+            <a:avLst/>
+          </a:prstGeom>
+          <a:ln w="19050">
+            <a:solidFill>
+              <a:schemeClr val="accent5">
+                <a:lumMod val="75000"/>
+              </a:schemeClr>
+            </a:solidFill>
+            <a:prstDash val="sysDash"/>
+            <a:headEnd type="none" w="lg" len="lg"/>
+            <a:tailEnd type="triangle" w="lg" len="lg"/>
+          </a:ln>
+        </p:spPr>
+        <p:style>
+          <a:lnRef idx="1">
+            <a:schemeClr val="accent1"/>
+          </a:lnRef>
+          <a:fillRef idx="0">
+            <a:schemeClr val="accent1"/>
+          </a:fillRef>
+          <a:effectRef idx="0">
+            <a:schemeClr val="accent1"/>
+          </a:effectRef>
+          <a:fontRef idx="minor">
+            <a:schemeClr val="tx1"/>
+          </a:fontRef>
+        </p:style>
+      </p:cxnSp>
+      <p:sp>
+        <p:nvSpPr>
+          <p:cNvPr id="133" name="Retângulo 132">
+            <a:extLst>
+              <a:ext uri="{FF2B5EF4-FFF2-40B4-BE49-F238E27FC236}">
+                <a16:creationId xmlns:a16="http://schemas.microsoft.com/office/drawing/2014/main" id="{7765593F-B090-46C0-81FD-80101683C0CD}"/>
+              </a:ext>
+            </a:extLst>
+          </p:cNvPr>
+          <p:cNvSpPr/>
+          <p:nvPr/>
+        </p:nvSpPr>
+        <p:spPr>
+          <a:xfrm>
+            <a:off x="7085433" y="4499996"/>
+            <a:ext cx="1035861" cy="287771"/>
+          </a:xfrm>
+          <a:prstGeom prst="rect">
+            <a:avLst/>
+          </a:prstGeom>
+        </p:spPr>
+        <p:txBody>
+          <a:bodyPr wrap="none">
+            <a:spAutoFit/>
+          </a:bodyPr>
+          <a:lstStyle/>
+          <a:p>
+            <a:r>
+              <a:rPr lang="pt-BR" sz="1270" b="1" dirty="0"/>
+              <a:t>HTTP/REST</a:t>
+            </a:r>
+          </a:p>
+        </p:txBody>
+      </p:sp>
+      <p:sp>
+        <p:nvSpPr>
+          <p:cNvPr id="145" name="Retângulo 20">
+            <a:extLst>
+              <a:ext uri="{FF2B5EF4-FFF2-40B4-BE49-F238E27FC236}">
+                <a16:creationId xmlns:a16="http://schemas.microsoft.com/office/drawing/2014/main" id="{8E9C2902-395C-4308-92C8-F0BDFE37BA04}"/>
+              </a:ext>
+            </a:extLst>
+          </p:cNvPr>
+          <p:cNvSpPr/>
+          <p:nvPr/>
+        </p:nvSpPr>
+        <p:spPr>
+          <a:xfrm>
+            <a:off x="6229939" y="724643"/>
+            <a:ext cx="2032168" cy="371512"/>
+          </a:xfrm>
+          <a:prstGeom prst="rect">
+            <a:avLst/>
+          </a:prstGeom>
+        </p:spPr>
+        <p:txBody>
+          <a:bodyPr wrap="square">
+            <a:spAutoFit/>
+          </a:bodyPr>
+          <a:lstStyle/>
+          <a:p>
+            <a:pPr lvl="0">
+              <a:defRPr/>
+            </a:pPr>
+            <a:r>
+              <a:rPr lang="pt-BR" sz="1814" b="1" dirty="0"/>
+              <a:t>Micro </a:t>
+            </a:r>
+            <a:r>
+              <a:rPr lang="pt-BR" sz="1814" b="1" dirty="0" err="1"/>
+              <a:t>service</a:t>
+            </a:r>
+            <a:endParaRPr lang="pt-BR" sz="1451" dirty="0"/>
+          </a:p>
+        </p:txBody>
+      </p:sp>
+      <p:cxnSp>
+        <p:nvCxnSpPr>
+          <p:cNvPr id="63" name="Conector de Seta Reta 107">
+            <a:extLst>
+              <a:ext uri="{FF2B5EF4-FFF2-40B4-BE49-F238E27FC236}">
+                <a16:creationId xmlns:a16="http://schemas.microsoft.com/office/drawing/2014/main" id="{6D207B26-2A8A-4519-8F45-3A84938456EE}"/>
+              </a:ext>
+            </a:extLst>
+          </p:cNvPr>
+          <p:cNvCxnSpPr>
+            <a:cxnSpLocks/>
+            <a:stCxn id="90" idx="0"/>
+          </p:cNvCxnSpPr>
+          <p:nvPr/>
+        </p:nvCxnSpPr>
+        <p:spPr>
+          <a:xfrm flipV="1">
+            <a:off x="4510013" y="2502525"/>
+            <a:ext cx="1849543" cy="600084"/>
+          </a:xfrm>
+          <a:prstGeom prst="straightConnector1">
+            <a:avLst/>
+          </a:prstGeom>
+          <a:ln w="19050">
+            <a:solidFill>
+              <a:schemeClr val="accent5">
+                <a:lumMod val="75000"/>
+              </a:schemeClr>
+            </a:solidFill>
+            <a:prstDash val="sysDash"/>
+            <a:headEnd type="none" w="lg" len="lg"/>
+            <a:tailEnd type="triangle" w="lg" len="lg"/>
+          </a:ln>
+        </p:spPr>
+        <p:style>
+          <a:lnRef idx="1">
+            <a:schemeClr val="accent1"/>
+          </a:lnRef>
+          <a:fillRef idx="0">
+            <a:schemeClr val="accent1"/>
+          </a:fillRef>
+          <a:effectRef idx="0">
+            <a:schemeClr val="accent1"/>
+          </a:effectRef>
+          <a:fontRef idx="minor">
+            <a:schemeClr val="tx1"/>
+          </a:fontRef>
+        </p:style>
+      </p:cxnSp>
+      <p:cxnSp>
+        <p:nvCxnSpPr>
+          <p:cNvPr id="64" name="Conector de Seta Reta 107">
+            <a:extLst>
+              <a:ext uri="{FF2B5EF4-FFF2-40B4-BE49-F238E27FC236}">
+                <a16:creationId xmlns:a16="http://schemas.microsoft.com/office/drawing/2014/main" id="{6CD871D2-9F3E-4F60-A5ED-30F5B0B883B2}"/>
+              </a:ext>
+            </a:extLst>
+          </p:cNvPr>
+          <p:cNvCxnSpPr>
+            <a:cxnSpLocks/>
+            <a:stCxn id="84" idx="0"/>
+            <a:endCxn id="58" idx="2"/>
+          </p:cNvCxnSpPr>
+          <p:nvPr/>
+        </p:nvCxnSpPr>
+        <p:spPr>
+          <a:xfrm flipV="1">
+            <a:off x="6777505" y="2476993"/>
+            <a:ext cx="158751" cy="601848"/>
+          </a:xfrm>
+          <a:prstGeom prst="straightConnector1">
+            <a:avLst/>
+          </a:prstGeom>
+          <a:ln w="19050">
+            <a:solidFill>
+              <a:schemeClr val="accent5">
+                <a:lumMod val="75000"/>
+              </a:schemeClr>
+            </a:solidFill>
+            <a:prstDash val="sysDash"/>
+            <a:headEnd type="none" w="lg" len="lg"/>
+            <a:tailEnd type="triangle" w="lg" len="lg"/>
+          </a:ln>
+        </p:spPr>
+        <p:style>
+          <a:lnRef idx="1">
+            <a:schemeClr val="accent1"/>
+          </a:lnRef>
+          <a:fillRef idx="0">
+            <a:schemeClr val="accent1"/>
+          </a:fillRef>
+          <a:effectRef idx="0">
+            <a:schemeClr val="accent1"/>
+          </a:effectRef>
+          <a:fontRef idx="minor">
+            <a:schemeClr val="tx1"/>
+          </a:fontRef>
+        </p:style>
+      </p:cxnSp>
+      <p:cxnSp>
+        <p:nvCxnSpPr>
+          <p:cNvPr id="65" name="Conector de Seta Reta 107">
+            <a:extLst>
+              <a:ext uri="{FF2B5EF4-FFF2-40B4-BE49-F238E27FC236}">
+                <a16:creationId xmlns:a16="http://schemas.microsoft.com/office/drawing/2014/main" id="{E737907E-9797-4D46-BB33-D5568CDF6D28}"/>
+              </a:ext>
+            </a:extLst>
+          </p:cNvPr>
+          <p:cNvCxnSpPr>
+            <a:cxnSpLocks/>
+            <a:stCxn id="120" idx="0"/>
+          </p:cNvCxnSpPr>
+          <p:nvPr/>
+        </p:nvCxnSpPr>
+        <p:spPr>
+          <a:xfrm flipH="1" flipV="1">
+            <a:off x="7314874" y="2489662"/>
+            <a:ext cx="1513272" cy="650893"/>
+          </a:xfrm>
+          <a:prstGeom prst="straightConnector1">
+            <a:avLst/>
+          </a:prstGeom>
+          <a:ln w="19050">
+            <a:solidFill>
+              <a:schemeClr val="accent5">
+                <a:lumMod val="75000"/>
+              </a:schemeClr>
+            </a:solidFill>
+            <a:prstDash val="sysDash"/>
+            <a:headEnd type="none" w="lg" len="lg"/>
+            <a:tailEnd type="triangle" w="lg" len="lg"/>
+          </a:ln>
+        </p:spPr>
+        <p:style>
+          <a:lnRef idx="1">
+            <a:schemeClr val="accent1"/>
+          </a:lnRef>
+          <a:fillRef idx="0">
+            <a:schemeClr val="accent1"/>
+          </a:fillRef>
+          <a:effectRef idx="0">
+            <a:schemeClr val="accent1"/>
+          </a:effectRef>
+          <a:fontRef idx="minor">
+            <a:schemeClr val="tx1"/>
+          </a:fontRef>
+        </p:style>
+      </p:cxnSp>
+      <p:grpSp>
+        <p:nvGrpSpPr>
+          <p:cNvPr id="70" name="Group 36">
+            <a:extLst>
+              <a:ext uri="{FF2B5EF4-FFF2-40B4-BE49-F238E27FC236}">
+                <a16:creationId xmlns:a16="http://schemas.microsoft.com/office/drawing/2014/main" id="{130B2F04-FCC0-42FD-97D5-270F74F8FE5E}"/>
+              </a:ext>
+            </a:extLst>
+          </p:cNvPr>
+          <p:cNvGrpSpPr/>
+          <p:nvPr/>
+        </p:nvGrpSpPr>
+        <p:grpSpPr>
+          <a:xfrm>
+            <a:off x="6229939" y="5041376"/>
+            <a:ext cx="2071900" cy="1619774"/>
+            <a:chOff x="7110470" y="4495336"/>
+            <a:chExt cx="2579011" cy="2016225"/>
+          </a:xfrm>
+        </p:grpSpPr>
+        <p:sp>
+          <p:nvSpPr>
+            <p:cNvPr id="71" name="Retângulo 6">
+              <a:extLst>
+                <a:ext uri="{FF2B5EF4-FFF2-40B4-BE49-F238E27FC236}">
+                  <a16:creationId xmlns:a16="http://schemas.microsoft.com/office/drawing/2014/main" id="{9B89017F-8901-4EAE-8E2E-871165A39387}"/>
+                </a:ext>
+              </a:extLst>
+            </p:cNvPr>
+            <p:cNvSpPr/>
+            <p:nvPr/>
+          </p:nvSpPr>
+          <p:spPr>
+            <a:xfrm>
+              <a:off x="7157935" y="4495336"/>
+              <a:ext cx="2463283" cy="2016225"/>
+            </a:xfrm>
+            <a:prstGeom prst="rect">
+              <a:avLst/>
+            </a:prstGeom>
+            <a:solidFill>
+              <a:srgbClr val="32B9CD"/>
+            </a:solidFill>
+            <a:ln>
+              <a:solidFill>
+                <a:schemeClr val="accent5">
+                  <a:lumMod val="75000"/>
+                </a:schemeClr>
+              </a:solidFill>
+            </a:ln>
+          </p:spPr>
+          <p:style>
+            <a:lnRef idx="2">
+              <a:schemeClr val="accent1">
+                <a:shade val="50000"/>
+              </a:schemeClr>
+            </a:lnRef>
+            <a:fillRef idx="1">
+              <a:schemeClr val="accent1"/>
+            </a:fillRef>
+            <a:effectRef idx="0">
+              <a:schemeClr val="accent1"/>
+            </a:effectRef>
+            <a:fontRef idx="minor">
+              <a:schemeClr val="lt1"/>
+            </a:fontRef>
+          </p:style>
+          <p:txBody>
+            <a:bodyPr rtlCol="0" anchor="ctr"/>
+            <a:lstStyle/>
+            <a:p>
+              <a:pPr algn="ctr"/>
+              <a:endParaRPr lang="pt-BR" sz="1632" dirty="0">
+                <a:solidFill>
+                  <a:prstClr val="white"/>
+                </a:solidFill>
+                <a:latin typeface="Calibri"/>
+              </a:endParaRPr>
+            </a:p>
+          </p:txBody>
+        </p:sp>
+        <p:sp>
+          <p:nvSpPr>
+            <p:cNvPr id="72" name="Retângulo 20">
+              <a:extLst>
+                <a:ext uri="{FF2B5EF4-FFF2-40B4-BE49-F238E27FC236}">
+                  <a16:creationId xmlns:a16="http://schemas.microsoft.com/office/drawing/2014/main" id="{E84BD7AF-3BB2-4C08-85AD-92E289DE0AE8}"/>
+                </a:ext>
+              </a:extLst>
+            </p:cNvPr>
+            <p:cNvSpPr/>
+            <p:nvPr/>
+          </p:nvSpPr>
+          <p:spPr>
+            <a:xfrm>
+              <a:off x="7110470" y="4671376"/>
+              <a:ext cx="2566458" cy="901979"/>
+            </a:xfrm>
+            <a:prstGeom prst="rect">
+              <a:avLst/>
+            </a:prstGeom>
+          </p:spPr>
+          <p:txBody>
+            <a:bodyPr wrap="square">
+              <a:spAutoFit/>
+            </a:bodyPr>
+            <a:lstStyle/>
+            <a:p>
+              <a:pPr lvl="0" algn="ctr">
+                <a:defRPr/>
+              </a:pPr>
+              <a:r>
+                <a:rPr lang="pt-BR" sz="1814" b="1" dirty="0" err="1">
+                  <a:solidFill>
+                    <a:prstClr val="white"/>
+                  </a:solidFill>
+                </a:rPr>
+                <a:t>ClientSide</a:t>
+              </a:r>
+              <a:r>
+                <a:rPr lang="pt-BR" sz="1814" b="1" dirty="0">
+                  <a:solidFill>
+                    <a:prstClr val="white"/>
+                  </a:solidFill>
+                </a:rPr>
+                <a:t> Web</a:t>
+              </a:r>
+            </a:p>
+            <a:p>
+              <a:pPr lvl="0" algn="ctr">
+                <a:defRPr/>
+              </a:pPr>
+              <a:r>
+                <a:rPr lang="pt-BR" sz="1451" dirty="0">
+                  <a:solidFill>
+                    <a:prstClr val="white"/>
+                  </a:solidFill>
+                </a:rPr>
+                <a:t>[Container: Javascript + HTML + CSS]</a:t>
+              </a:r>
+            </a:p>
+          </p:txBody>
+        </p:sp>
+        <p:sp>
+          <p:nvSpPr>
+            <p:cNvPr id="77" name="Retângulo 20">
+              <a:extLst>
+                <a:ext uri="{FF2B5EF4-FFF2-40B4-BE49-F238E27FC236}">
+                  <a16:creationId xmlns:a16="http://schemas.microsoft.com/office/drawing/2014/main" id="{271C3130-D66C-4C9E-A85D-5D1C435B2A5A}"/>
+                </a:ext>
+              </a:extLst>
+            </p:cNvPr>
+            <p:cNvSpPr/>
+            <p:nvPr/>
+          </p:nvSpPr>
+          <p:spPr>
+            <a:xfrm>
+              <a:off x="7123023" y="5819929"/>
+              <a:ext cx="2566458" cy="536350"/>
+            </a:xfrm>
+            <a:prstGeom prst="rect">
+              <a:avLst/>
+            </a:prstGeom>
+          </p:spPr>
+          <p:txBody>
+            <a:bodyPr wrap="square">
+              <a:spAutoFit/>
+            </a:bodyPr>
+            <a:lstStyle/>
+            <a:p>
+              <a:pPr lvl="0" algn="ctr">
+                <a:defRPr/>
+              </a:pPr>
+              <a:r>
+                <a:rPr lang="pt-BR" sz="1100" dirty="0">
+                  <a:solidFill>
+                    <a:prstClr val="white"/>
+                  </a:solidFill>
+                </a:rPr>
+                <a:t>Dashboard , cadastros, doações e funcionalidades</a:t>
+              </a:r>
+            </a:p>
+          </p:txBody>
+        </p:sp>
+      </p:grpSp>
+      <p:cxnSp>
+        <p:nvCxnSpPr>
+          <p:cNvPr id="82" name="Conector de Seta Reta 107">
+            <a:extLst>
+              <a:ext uri="{FF2B5EF4-FFF2-40B4-BE49-F238E27FC236}">
+                <a16:creationId xmlns:a16="http://schemas.microsoft.com/office/drawing/2014/main" id="{D1C63190-3D05-4A16-A357-9B1123C44C26}"/>
+              </a:ext>
+            </a:extLst>
+          </p:cNvPr>
+          <p:cNvCxnSpPr>
+            <a:cxnSpLocks/>
+          </p:cNvCxnSpPr>
+          <p:nvPr/>
+        </p:nvCxnSpPr>
+        <p:spPr>
+          <a:xfrm flipH="1" flipV="1">
+            <a:off x="7859295" y="2232949"/>
+            <a:ext cx="3035175" cy="869659"/>
+          </a:xfrm>
+          <a:prstGeom prst="straightConnector1">
+            <a:avLst/>
+          </a:prstGeom>
+          <a:ln w="19050">
+            <a:solidFill>
+              <a:schemeClr val="accent5">
+                <a:lumMod val="75000"/>
+              </a:schemeClr>
+            </a:solidFill>
+            <a:prstDash val="sysDash"/>
+            <a:headEnd type="none" w="lg" len="lg"/>
+            <a:tailEnd type="triangle" w="lg" len="lg"/>
+          </a:ln>
+        </p:spPr>
+        <p:style>
+          <a:lnRef idx="1">
+            <a:schemeClr val="accent1"/>
+          </a:lnRef>
+          <a:fillRef idx="0">
+            <a:schemeClr val="accent1"/>
+          </a:fillRef>
+          <a:effectRef idx="0">
+            <a:schemeClr val="accent1"/>
+          </a:effectRef>
+          <a:fontRef idx="minor">
+            <a:schemeClr val="tx1"/>
+          </a:fontRef>
+        </p:style>
+      </p:cxnSp>
+      <p:cxnSp>
+        <p:nvCxnSpPr>
+          <p:cNvPr id="86" name="Conector de Seta Reta 107">
+            <a:extLst>
+              <a:ext uri="{FF2B5EF4-FFF2-40B4-BE49-F238E27FC236}">
+                <a16:creationId xmlns:a16="http://schemas.microsoft.com/office/drawing/2014/main" id="{28116D29-0C1A-4DC9-9FF2-9E64B3F42D98}"/>
+              </a:ext>
+            </a:extLst>
+          </p:cNvPr>
+          <p:cNvCxnSpPr>
+            <a:cxnSpLocks/>
+            <a:stCxn id="71" idx="0"/>
+          </p:cNvCxnSpPr>
+          <p:nvPr/>
+        </p:nvCxnSpPr>
+        <p:spPr>
+          <a:xfrm flipV="1">
+            <a:off x="7257535" y="4408607"/>
+            <a:ext cx="3636935" cy="632769"/>
+          </a:xfrm>
+          <a:prstGeom prst="straightConnector1">
+            <a:avLst/>
+          </a:prstGeom>
+          <a:ln w="19050">
+            <a:solidFill>
+              <a:schemeClr val="accent5">
+                <a:lumMod val="75000"/>
+              </a:schemeClr>
+            </a:solidFill>
+            <a:prstDash val="sysDash"/>
+            <a:headEnd type="none" w="lg" len="lg"/>
+            <a:tailEnd type="triangle" w="lg" len="lg"/>
+          </a:ln>
+        </p:spPr>
+        <p:style>
+          <a:lnRef idx="1">
+            <a:schemeClr val="accent1"/>
+          </a:lnRef>
+          <a:fillRef idx="0">
+            <a:schemeClr val="accent1"/>
+          </a:fillRef>
+          <a:effectRef idx="0">
+            <a:schemeClr val="accent1"/>
+          </a:effectRef>
+          <a:fontRef idx="minor">
+            <a:schemeClr val="tx1"/>
+          </a:fontRef>
+        </p:style>
+      </p:cxnSp>
+      <p:sp>
+        <p:nvSpPr>
+          <p:cNvPr id="43" name="Retângulo 42">
+            <a:extLst>
+              <a:ext uri="{FF2B5EF4-FFF2-40B4-BE49-F238E27FC236}">
+                <a16:creationId xmlns:a16="http://schemas.microsoft.com/office/drawing/2014/main" id="{3574A059-3786-4BCE-B509-0AFA8D2739BB}"/>
+              </a:ext>
+            </a:extLst>
+          </p:cNvPr>
+          <p:cNvSpPr/>
+          <p:nvPr/>
+        </p:nvSpPr>
+        <p:spPr>
+          <a:xfrm>
+            <a:off x="573174" y="5339443"/>
+            <a:ext cx="4889606" cy="586186"/>
+          </a:xfrm>
+          <a:prstGeom prst="rect">
+            <a:avLst/>
+          </a:prstGeom>
+          <a:solidFill>
+            <a:srgbClr val="FF297B"/>
+          </a:solidFill>
+        </p:spPr>
+        <p:style>
+          <a:lnRef idx="1">
+            <a:schemeClr val="accent3"/>
+          </a:lnRef>
+          <a:fillRef idx="3">
+            <a:schemeClr val="accent3"/>
+          </a:fillRef>
+          <a:effectRef idx="2">
+            <a:schemeClr val="accent3"/>
+          </a:effectRef>
+          <a:fontRef idx="minor">
+            <a:schemeClr val="lt1"/>
+          </a:fontRef>
+        </p:style>
+        <p:txBody>
+          <a:bodyPr rtlCol="0" anchor="ctr"/>
+          <a:lstStyle/>
+          <a:p>
+            <a:pPr algn="ctr"/>
+            <a:r>
+              <a:rPr lang="pt-BR" sz="1632" b="1" dirty="0">
+                <a:solidFill>
+                  <a:srgbClr val="272A30"/>
+                </a:solidFill>
+                <a:latin typeface="Exo 2" panose="00000500000000000000" pitchFamily="50" charset="0"/>
+              </a:rPr>
+              <a:t>VAMOS DAR ZOOM NO </a:t>
+            </a:r>
+            <a:r>
+              <a:rPr lang="pt-BR" sz="1632" b="1" dirty="0" err="1">
+                <a:solidFill>
+                  <a:srgbClr val="272A30"/>
+                </a:solidFill>
+                <a:latin typeface="Exo 2" panose="00000500000000000000" pitchFamily="50" charset="0"/>
+              </a:rPr>
+              <a:t>FeedCONTROLLER</a:t>
+            </a:r>
+            <a:endParaRPr lang="pt-BR" sz="1632" b="1" dirty="0">
+              <a:solidFill>
+                <a:srgbClr val="272A30"/>
+              </a:solidFill>
+              <a:latin typeface="Exo 2" panose="00000500000000000000" pitchFamily="50" charset="0"/>
+            </a:endParaRPr>
+          </a:p>
+        </p:txBody>
+      </p:sp>
+      <p:grpSp>
+        <p:nvGrpSpPr>
+          <p:cNvPr id="44" name="Group 38">
+            <a:extLst>
+              <a:ext uri="{FF2B5EF4-FFF2-40B4-BE49-F238E27FC236}">
+                <a16:creationId xmlns:a16="http://schemas.microsoft.com/office/drawing/2014/main" id="{B2B83952-9DA6-A77C-4E94-B5F1B759C58B}"/>
+              </a:ext>
+            </a:extLst>
+          </p:cNvPr>
+          <p:cNvGrpSpPr/>
+          <p:nvPr/>
+        </p:nvGrpSpPr>
+        <p:grpSpPr>
+          <a:xfrm>
+            <a:off x="9871094" y="1254190"/>
+            <a:ext cx="1905536" cy="1305999"/>
+            <a:chOff x="8734539" y="1515280"/>
+            <a:chExt cx="2566460" cy="2016224"/>
+          </a:xfrm>
+        </p:grpSpPr>
+        <p:sp>
+          <p:nvSpPr>
+            <p:cNvPr id="45" name="Retângulo 44">
+              <a:extLst>
+                <a:ext uri="{FF2B5EF4-FFF2-40B4-BE49-F238E27FC236}">
+                  <a16:creationId xmlns:a16="http://schemas.microsoft.com/office/drawing/2014/main" id="{ADFAC2DA-1092-44DD-A29D-E4A2FE4BA659}"/>
+                </a:ext>
+              </a:extLst>
+            </p:cNvPr>
+            <p:cNvSpPr/>
+            <p:nvPr/>
+          </p:nvSpPr>
+          <p:spPr>
+            <a:xfrm>
+              <a:off x="8829636" y="1515280"/>
+              <a:ext cx="2376264" cy="2016224"/>
+            </a:xfrm>
+            <a:prstGeom prst="rect">
+              <a:avLst/>
+            </a:prstGeom>
+            <a:solidFill>
+              <a:srgbClr val="ED145B"/>
+            </a:solidFill>
+            <a:ln/>
+          </p:spPr>
+          <p:style>
+            <a:lnRef idx="2">
+              <a:schemeClr val="accent5">
+                <a:shade val="50000"/>
+              </a:schemeClr>
+            </a:lnRef>
+            <a:fillRef idx="1">
+              <a:schemeClr val="accent5"/>
+            </a:fillRef>
+            <a:effectRef idx="0">
+              <a:schemeClr val="accent5"/>
+            </a:effectRef>
+            <a:fontRef idx="minor">
+              <a:schemeClr val="lt1"/>
+            </a:fontRef>
+          </p:style>
+          <p:txBody>
+            <a:bodyPr rtlCol="0" anchor="ctr"/>
+            <a:lstStyle/>
+            <a:p>
+              <a:pPr algn="ctr"/>
+              <a:endParaRPr lang="pt-BR" sz="1451" dirty="0">
+                <a:solidFill>
+                  <a:prstClr val="white"/>
+                </a:solidFill>
+                <a:latin typeface="Calibri"/>
+              </a:endParaRPr>
+            </a:p>
+          </p:txBody>
+        </p:sp>
+        <p:sp>
+          <p:nvSpPr>
+            <p:cNvPr id="46" name="Retângulo 45">
+              <a:extLst>
+                <a:ext uri="{FF2B5EF4-FFF2-40B4-BE49-F238E27FC236}">
+                  <a16:creationId xmlns:a16="http://schemas.microsoft.com/office/drawing/2014/main" id="{319E5B22-7419-8A02-F9E8-C1BD8640F105}"/>
+                </a:ext>
+              </a:extLst>
+            </p:cNvPr>
+            <p:cNvSpPr/>
+            <p:nvPr/>
+          </p:nvSpPr>
+          <p:spPr>
+            <a:xfrm>
+              <a:off x="8734539" y="1583832"/>
+              <a:ext cx="2566459" cy="1133730"/>
+            </a:xfrm>
+            <a:prstGeom prst="rect">
+              <a:avLst/>
+            </a:prstGeom>
+          </p:spPr>
+          <p:txBody>
+            <a:bodyPr wrap="square">
+              <a:spAutoFit/>
+            </a:bodyPr>
+            <a:lstStyle/>
+            <a:p>
+              <a:pPr lvl="0" algn="ctr">
+                <a:defRPr/>
+              </a:pPr>
+              <a:r>
+                <a:rPr lang="pt-BR" sz="1632" b="1" dirty="0">
+                  <a:solidFill>
+                    <a:prstClr val="white"/>
+                  </a:solidFill>
+                </a:rPr>
+                <a:t>Feed </a:t>
+              </a:r>
+              <a:r>
+                <a:rPr lang="pt-BR" sz="1632" b="1" dirty="0" err="1">
+                  <a:solidFill>
+                    <a:prstClr val="white"/>
+                  </a:solidFill>
+                </a:rPr>
+                <a:t>Controller</a:t>
+              </a:r>
+              <a:endParaRPr lang="pt-BR" sz="1632" b="1" dirty="0">
+                <a:solidFill>
+                  <a:prstClr val="white"/>
+                </a:solidFill>
+              </a:endParaRPr>
+            </a:p>
+            <a:p>
+              <a:pPr lvl="0" algn="ctr">
+                <a:defRPr/>
+              </a:pPr>
+              <a:r>
+                <a:rPr lang="pt-BR" sz="1270" dirty="0">
+                  <a:solidFill>
+                    <a:prstClr val="white"/>
+                  </a:solidFill>
+                </a:rPr>
+                <a:t>[</a:t>
+              </a:r>
+              <a:r>
+                <a:rPr lang="pt-BR" sz="1270" dirty="0" err="1">
+                  <a:solidFill>
+                    <a:prstClr val="white"/>
+                  </a:solidFill>
+                </a:rPr>
+                <a:t>Component</a:t>
+              </a:r>
+              <a:r>
+                <a:rPr lang="pt-BR" sz="1270" dirty="0">
+                  <a:solidFill>
+                    <a:prstClr val="white"/>
+                  </a:solidFill>
+                </a:rPr>
+                <a:t>: Spring MVC </a:t>
+              </a:r>
+              <a:r>
+                <a:rPr lang="pt-BR" sz="1270" dirty="0" err="1">
+                  <a:solidFill>
+                    <a:prstClr val="white"/>
+                  </a:solidFill>
+                </a:rPr>
+                <a:t>Rest</a:t>
+              </a:r>
+              <a:r>
+                <a:rPr lang="pt-BR" sz="1270" dirty="0">
+                  <a:solidFill>
+                    <a:prstClr val="white"/>
+                  </a:solidFill>
+                </a:rPr>
+                <a:t> </a:t>
+              </a:r>
+              <a:r>
+                <a:rPr lang="pt-BR" sz="1270" dirty="0" err="1">
+                  <a:solidFill>
+                    <a:prstClr val="white"/>
+                  </a:solidFill>
+                </a:rPr>
+                <a:t>Controller</a:t>
+              </a:r>
+              <a:r>
+                <a:rPr lang="pt-BR" sz="1270" dirty="0">
+                  <a:solidFill>
+                    <a:prstClr val="white"/>
+                  </a:solidFill>
+                </a:rPr>
+                <a:t>]</a:t>
+              </a:r>
+            </a:p>
+          </p:txBody>
+        </p:sp>
+        <p:sp>
+          <p:nvSpPr>
+            <p:cNvPr id="47" name="Retângulo 20">
+              <a:extLst>
+                <a:ext uri="{FF2B5EF4-FFF2-40B4-BE49-F238E27FC236}">
+                  <a16:creationId xmlns:a16="http://schemas.microsoft.com/office/drawing/2014/main" id="{2D824DB7-1BE8-2DA5-89AE-63FFC3089763}"/>
+                </a:ext>
+              </a:extLst>
+            </p:cNvPr>
+            <p:cNvSpPr/>
+            <p:nvPr/>
+          </p:nvSpPr>
+          <p:spPr>
+            <a:xfrm>
+              <a:off x="8734539" y="2714179"/>
+              <a:ext cx="2566460" cy="745986"/>
+            </a:xfrm>
+            <a:prstGeom prst="rect">
+              <a:avLst/>
+            </a:prstGeom>
+          </p:spPr>
+          <p:txBody>
+            <a:bodyPr wrap="square">
+              <a:spAutoFit/>
+            </a:bodyPr>
+            <a:lstStyle/>
+            <a:p>
+              <a:pPr lvl="0" algn="ctr">
+                <a:defRPr/>
+              </a:pPr>
+              <a:r>
+                <a:rPr lang="pt-BR" sz="1270" dirty="0">
+                  <a:solidFill>
+                    <a:prstClr val="white"/>
+                  </a:solidFill>
+                </a:rPr>
+                <a:t>Traz as postagens da ong</a:t>
+              </a:r>
+              <a:endParaRPr lang="pt-BR" sz="998" dirty="0">
+                <a:solidFill>
+                  <a:prstClr val="white"/>
+                </a:solidFill>
+              </a:endParaRPr>
+            </a:p>
+          </p:txBody>
+        </p:sp>
+      </p:grpSp>
+      <p:cxnSp>
+        <p:nvCxnSpPr>
+          <p:cNvPr id="48" name="Conector de Seta Reta 107">
+            <a:extLst>
+              <a:ext uri="{FF2B5EF4-FFF2-40B4-BE49-F238E27FC236}">
+                <a16:creationId xmlns:a16="http://schemas.microsoft.com/office/drawing/2014/main" id="{60B9102B-1C84-CC47-02B5-32C7C4884443}"/>
+              </a:ext>
+            </a:extLst>
+          </p:cNvPr>
+          <p:cNvCxnSpPr>
+            <a:cxnSpLocks/>
+            <a:stCxn id="45" idx="1"/>
+          </p:cNvCxnSpPr>
+          <p:nvPr/>
+        </p:nvCxnSpPr>
+        <p:spPr>
+          <a:xfrm flipH="1" flipV="1">
+            <a:off x="7836559" y="1669708"/>
+            <a:ext cx="2105142" cy="237482"/>
+          </a:xfrm>
+          <a:prstGeom prst="straightConnector1">
+            <a:avLst/>
+          </a:prstGeom>
+          <a:ln w="19050">
+            <a:solidFill>
+              <a:schemeClr val="accent5">
+                <a:lumMod val="75000"/>
+              </a:schemeClr>
+            </a:solidFill>
+            <a:prstDash val="sysDash"/>
+            <a:headEnd type="none" w="lg" len="lg"/>
+            <a:tailEnd type="triangle" w="lg" len="lg"/>
+          </a:ln>
+        </p:spPr>
+        <p:style>
+          <a:lnRef idx="1">
+            <a:schemeClr val="accent1"/>
+          </a:lnRef>
+          <a:fillRef idx="0">
+            <a:schemeClr val="accent1"/>
+          </a:fillRef>
+          <a:effectRef idx="0">
+            <a:schemeClr val="accent1"/>
+          </a:effectRef>
+          <a:fontRef idx="minor">
+            <a:schemeClr val="tx1"/>
+          </a:fontRef>
+        </p:style>
+      </p:cxnSp>
+      <p:cxnSp>
+        <p:nvCxnSpPr>
+          <p:cNvPr id="50" name="Conector de Seta Reta 107">
+            <a:extLst>
+              <a:ext uri="{FF2B5EF4-FFF2-40B4-BE49-F238E27FC236}">
+                <a16:creationId xmlns:a16="http://schemas.microsoft.com/office/drawing/2014/main" id="{38756B7C-7E1E-9EF6-CDAE-9775F366D7D2}"/>
+              </a:ext>
+            </a:extLst>
+          </p:cNvPr>
+          <p:cNvCxnSpPr>
+            <a:cxnSpLocks/>
+          </p:cNvCxnSpPr>
+          <p:nvPr/>
+        </p:nvCxnSpPr>
+        <p:spPr>
+          <a:xfrm flipV="1">
+            <a:off x="8319801" y="2612009"/>
+            <a:ext cx="2069903" cy="2832871"/>
+          </a:xfrm>
+          <a:prstGeom prst="straightConnector1">
+            <a:avLst/>
+          </a:prstGeom>
+          <a:ln w="19050">
+            <a:solidFill>
+              <a:schemeClr val="accent5">
+                <a:lumMod val="75000"/>
+              </a:schemeClr>
+            </a:solidFill>
+            <a:prstDash val="sysDash"/>
+            <a:headEnd type="none" w="lg" len="lg"/>
+            <a:tailEnd type="triangle" w="lg" len="lg"/>
+          </a:ln>
+        </p:spPr>
+        <p:style>
+          <a:lnRef idx="1">
+            <a:schemeClr val="accent1"/>
+          </a:lnRef>
+          <a:fillRef idx="0">
+            <a:schemeClr val="accent1"/>
+          </a:fillRef>
+          <a:effectRef idx="0">
+            <a:schemeClr val="accent1"/>
+          </a:effectRef>
+          <a:fontRef idx="minor">
+            <a:schemeClr val="tx1"/>
+          </a:fontRef>
+        </p:style>
+      </p:cxnSp>
+      <p:grpSp>
+        <p:nvGrpSpPr>
+          <p:cNvPr id="51" name="Group 38">
+            <a:extLst>
+              <a:ext uri="{FF2B5EF4-FFF2-40B4-BE49-F238E27FC236}">
+                <a16:creationId xmlns:a16="http://schemas.microsoft.com/office/drawing/2014/main" id="{E217BDAC-17BD-5C30-38BC-7F11C82ED20F}"/>
+              </a:ext>
+            </a:extLst>
+          </p:cNvPr>
+          <p:cNvGrpSpPr/>
+          <p:nvPr/>
+        </p:nvGrpSpPr>
+        <p:grpSpPr>
+          <a:xfrm>
+            <a:off x="9946229" y="3102608"/>
+            <a:ext cx="1921618" cy="1305999"/>
+            <a:chOff x="8813686" y="1524475"/>
+            <a:chExt cx="2588120" cy="2016224"/>
+          </a:xfrm>
+        </p:grpSpPr>
+        <p:sp>
+          <p:nvSpPr>
+            <p:cNvPr id="52" name="Retângulo 51">
+              <a:extLst>
+                <a:ext uri="{FF2B5EF4-FFF2-40B4-BE49-F238E27FC236}">
+                  <a16:creationId xmlns:a16="http://schemas.microsoft.com/office/drawing/2014/main" id="{1D2F6866-7A2A-790D-9D90-B1ED091C1427}"/>
+                </a:ext>
+              </a:extLst>
+            </p:cNvPr>
+            <p:cNvSpPr/>
+            <p:nvPr/>
+          </p:nvSpPr>
+          <p:spPr>
+            <a:xfrm>
+              <a:off x="8902687" y="1524475"/>
+              <a:ext cx="2376264" cy="2016224"/>
+            </a:xfrm>
+            <a:prstGeom prst="rect">
+              <a:avLst/>
+            </a:prstGeom>
+            <a:solidFill>
+              <a:srgbClr val="32B9CD"/>
+            </a:solidFill>
+            <a:ln/>
+          </p:spPr>
+          <p:style>
+            <a:lnRef idx="2">
+              <a:schemeClr val="accent5">
+                <a:shade val="50000"/>
+              </a:schemeClr>
+            </a:lnRef>
+            <a:fillRef idx="1">
+              <a:schemeClr val="accent5"/>
+            </a:fillRef>
+            <a:effectRef idx="0">
+              <a:schemeClr val="accent5"/>
+            </a:effectRef>
+            <a:fontRef idx="minor">
+              <a:schemeClr val="lt1"/>
+            </a:fontRef>
+          </p:style>
+          <p:txBody>
+            <a:bodyPr rtlCol="0" anchor="ctr"/>
+            <a:lstStyle/>
+            <a:p>
+              <a:pPr algn="ctr"/>
+              <a:endParaRPr lang="pt-BR" sz="1451" dirty="0">
+                <a:solidFill>
+                  <a:prstClr val="white"/>
+                </a:solidFill>
+                <a:latin typeface="Calibri"/>
+              </a:endParaRPr>
+            </a:p>
+          </p:txBody>
+        </p:sp>
+        <p:sp>
+          <p:nvSpPr>
+            <p:cNvPr id="53" name="Retângulo 52">
+              <a:extLst>
+                <a:ext uri="{FF2B5EF4-FFF2-40B4-BE49-F238E27FC236}">
+                  <a16:creationId xmlns:a16="http://schemas.microsoft.com/office/drawing/2014/main" id="{ABA8E514-4351-160F-4E84-8785E199EB36}"/>
+                </a:ext>
+              </a:extLst>
+            </p:cNvPr>
+            <p:cNvSpPr/>
+            <p:nvPr/>
+          </p:nvSpPr>
+          <p:spPr>
+            <a:xfrm>
+              <a:off x="8835349" y="1583057"/>
+              <a:ext cx="2566457" cy="1521472"/>
+            </a:xfrm>
+            <a:prstGeom prst="rect">
+              <a:avLst/>
+            </a:prstGeom>
+          </p:spPr>
+          <p:txBody>
+            <a:bodyPr wrap="square">
+              <a:spAutoFit/>
+            </a:bodyPr>
+            <a:lstStyle/>
+            <a:p>
+              <a:pPr lvl="0" algn="ctr">
+                <a:defRPr/>
+              </a:pPr>
+              <a:r>
+                <a:rPr lang="pt-BR" sz="1632" b="1" dirty="0">
+                  <a:solidFill>
+                    <a:prstClr val="white"/>
+                  </a:solidFill>
+                </a:rPr>
+                <a:t>Campanhas </a:t>
+              </a:r>
+              <a:r>
+                <a:rPr lang="pt-BR" sz="1632" b="1" dirty="0" err="1">
+                  <a:solidFill>
+                    <a:prstClr val="white"/>
+                  </a:solidFill>
+                </a:rPr>
+                <a:t>Controller</a:t>
+              </a:r>
+              <a:endParaRPr lang="pt-BR" sz="1632" b="1" dirty="0">
+                <a:solidFill>
+                  <a:prstClr val="white"/>
+                </a:solidFill>
+              </a:endParaRPr>
+            </a:p>
+            <a:p>
+              <a:pPr lvl="0" algn="ctr">
+                <a:defRPr/>
+              </a:pPr>
+              <a:r>
+                <a:rPr lang="pt-BR" sz="1270" dirty="0">
+                  <a:solidFill>
+                    <a:prstClr val="white"/>
+                  </a:solidFill>
+                </a:rPr>
+                <a:t>[</a:t>
+              </a:r>
+              <a:r>
+                <a:rPr lang="pt-BR" sz="1270" dirty="0" err="1">
+                  <a:solidFill>
+                    <a:prstClr val="white"/>
+                  </a:solidFill>
+                </a:rPr>
+                <a:t>Component</a:t>
+              </a:r>
+              <a:r>
+                <a:rPr lang="pt-BR" sz="1270" dirty="0">
+                  <a:solidFill>
+                    <a:prstClr val="white"/>
+                  </a:solidFill>
+                </a:rPr>
+                <a:t>: Spring MVC </a:t>
+              </a:r>
+              <a:r>
+                <a:rPr lang="pt-BR" sz="1270" dirty="0" err="1">
+                  <a:solidFill>
+                    <a:prstClr val="white"/>
+                  </a:solidFill>
+                </a:rPr>
+                <a:t>Rest</a:t>
+              </a:r>
+              <a:r>
+                <a:rPr lang="pt-BR" sz="1270" dirty="0">
+                  <a:solidFill>
+                    <a:prstClr val="white"/>
+                  </a:solidFill>
+                </a:rPr>
+                <a:t> </a:t>
+              </a:r>
+              <a:r>
+                <a:rPr lang="pt-BR" sz="1270" dirty="0" err="1">
+                  <a:solidFill>
+                    <a:prstClr val="white"/>
+                  </a:solidFill>
+                </a:rPr>
+                <a:t>Controller</a:t>
+              </a:r>
+              <a:r>
+                <a:rPr lang="pt-BR" sz="1270" dirty="0">
+                  <a:solidFill>
+                    <a:prstClr val="white"/>
+                  </a:solidFill>
+                </a:rPr>
+                <a:t>]</a:t>
+              </a:r>
+            </a:p>
+          </p:txBody>
+        </p:sp>
+        <p:sp>
+          <p:nvSpPr>
+            <p:cNvPr id="54" name="Retângulo 20">
+              <a:extLst>
+                <a:ext uri="{FF2B5EF4-FFF2-40B4-BE49-F238E27FC236}">
+                  <a16:creationId xmlns:a16="http://schemas.microsoft.com/office/drawing/2014/main" id="{D05849C9-B788-CD8A-CC56-F93B206BD29C}"/>
+                </a:ext>
+              </a:extLst>
+            </p:cNvPr>
+            <p:cNvSpPr/>
+            <p:nvPr/>
+          </p:nvSpPr>
+          <p:spPr>
+            <a:xfrm>
+              <a:off x="8813686" y="2714710"/>
+              <a:ext cx="2566457" cy="617697"/>
+            </a:xfrm>
+            <a:prstGeom prst="rect">
+              <a:avLst/>
+            </a:prstGeom>
+          </p:spPr>
+          <p:txBody>
+            <a:bodyPr wrap="square">
+              <a:spAutoFit/>
+            </a:bodyPr>
+            <a:lstStyle/>
+            <a:p>
+              <a:pPr lvl="0" algn="ctr">
+                <a:defRPr/>
+              </a:pPr>
+              <a:r>
+                <a:rPr lang="pt-BR" sz="1000" dirty="0">
+                  <a:solidFill>
+                    <a:prstClr val="white"/>
+                  </a:solidFill>
+                </a:rPr>
+                <a:t>Traz os dados das </a:t>
+              </a:r>
+              <a:r>
+                <a:rPr lang="pt-BR" sz="1000" dirty="0" err="1">
+                  <a:solidFill>
+                    <a:prstClr val="white"/>
+                  </a:solidFill>
+                </a:rPr>
+                <a:t>vakinhas</a:t>
+              </a:r>
+              <a:r>
+                <a:rPr lang="pt-BR" sz="1000" dirty="0">
+                  <a:solidFill>
+                    <a:prstClr val="white"/>
+                  </a:solidFill>
+                </a:rPr>
+                <a:t> cadastradas pelas ONGS</a:t>
+              </a:r>
+            </a:p>
+          </p:txBody>
+        </p:sp>
+      </p:grpSp>
+    </p:spTree>
+    <p:extLst>
+      <p:ext uri="{BB962C8B-B14F-4D97-AF65-F5344CB8AC3E}">
+        <p14:creationId xmlns:p14="http://schemas.microsoft.com/office/powerpoint/2010/main" val="564228132"/>
+      </p:ext>
+    </p:extLst>
+  </p:cSld>
+  <p:clrMapOvr>
+    <a:masterClrMapping/>
+  </p:clrMapOvr>
+  <p:timing>
+    <p:tnLst>
+      <p:par>
+        <p:cTn id="1" dur="indefinite" restart="never" nodeType="tmRoot">
+          <p:childTnLst>
+            <p:seq concurrent="1" nextAc="seek">
+              <p:cTn id="2" dur="indefinite" nodeType="mainSeq">
+                <p:childTnLst>
+                  <p:par>
+                    <p:cTn id="3" fill="hold">
+                      <p:stCondLst>
+                        <p:cond delay="indefinite"/>
+                      </p:stCondLst>
+                      <p:childTnLst>
+                        <p:par>
+                          <p:cTn id="4" fill="hold">
+                            <p:stCondLst>
+                              <p:cond delay="0"/>
+                            </p:stCondLst>
+                            <p:childTnLst>
+                              <p:par>
+                                <p:cTn id="5" presetID="1" presetClass="entr" presetSubtype="0" fill="hold" nodeType="clickEffect">
+                                  <p:stCondLst>
+                                    <p:cond delay="0"/>
+                                  </p:stCondLst>
+                                  <p:childTnLst>
+                                    <p:set>
+                                      <p:cBhvr>
+                                        <p:cTn id="6" dur="1" fill="hold">
+                                          <p:stCondLst>
+                                            <p:cond delay="0"/>
+                                          </p:stCondLst>
+                                        </p:cTn>
+                                        <p:tgtEl>
+                                          <p:spTgt spid="118"/>
+                                        </p:tgtEl>
+                                        <p:attrNameLst>
+                                          <p:attrName>style.visibility</p:attrName>
+                                        </p:attrNameLst>
+                                      </p:cBhvr>
+                                      <p:to>
+                                        <p:strVal val="visible"/>
+                                      </p:to>
+                                    </p:set>
+                                  </p:childTnLst>
+                                </p:cTn>
+                              </p:par>
+                              <p:par>
+                                <p:cTn id="7" presetID="1" presetClass="entr" presetSubtype="0" fill="hold" nodeType="withEffect">
+                                  <p:stCondLst>
+                                    <p:cond delay="0"/>
+                                  </p:stCondLst>
+                                  <p:childTnLst>
+                                    <p:set>
+                                      <p:cBhvr>
+                                        <p:cTn id="8" dur="1" fill="hold">
+                                          <p:stCondLst>
+                                            <p:cond delay="0"/>
+                                          </p:stCondLst>
+                                        </p:cTn>
+                                        <p:tgtEl>
+                                          <p:spTgt spid="131"/>
+                                        </p:tgtEl>
+                                        <p:attrNameLst>
+                                          <p:attrName>style.visibility</p:attrName>
+                                        </p:attrNameLst>
+                                      </p:cBhvr>
+                                      <p:to>
+                                        <p:strVal val="visible"/>
+                                      </p:to>
+                                    </p:set>
+                                  </p:childTnLst>
+                                </p:cTn>
+                              </p:par>
+                              <p:par>
+                                <p:cTn id="9" presetID="1" presetClass="entr" presetSubtype="0" fill="hold" grpId="0" nodeType="withEffect">
+                                  <p:stCondLst>
+                                    <p:cond delay="0"/>
+                                  </p:stCondLst>
+                                  <p:childTnLst>
+                                    <p:set>
+                                      <p:cBhvr>
+                                        <p:cTn id="10" dur="1" fill="hold">
+                                          <p:stCondLst>
+                                            <p:cond delay="0"/>
+                                          </p:stCondLst>
+                                        </p:cTn>
+                                        <p:tgtEl>
+                                          <p:spTgt spid="133"/>
+                                        </p:tgtEl>
+                                        <p:attrNameLst>
+                                          <p:attrName>style.visibility</p:attrName>
+                                        </p:attrNameLst>
+                                      </p:cBhvr>
+                                      <p:to>
+                                        <p:strVal val="visible"/>
+                                      </p:to>
+                                    </p:set>
+                                  </p:childTnLst>
+                                </p:cTn>
+                              </p:par>
+                            </p:childTnLst>
+                          </p:cTn>
+                        </p:par>
+                      </p:childTnLst>
+                    </p:cTn>
+                  </p:par>
+                  <p:par>
+                    <p:cTn id="11" fill="hold">
+                      <p:stCondLst>
+                        <p:cond delay="indefinite"/>
+                      </p:stCondLst>
+                      <p:childTnLst>
+                        <p:par>
+                          <p:cTn id="12" fill="hold">
+                            <p:stCondLst>
+                              <p:cond delay="0"/>
+                            </p:stCondLst>
+                            <p:childTnLst>
+                              <p:par>
+                                <p:cTn id="13" presetID="1" presetClass="entr" presetSubtype="0" fill="hold" nodeType="clickEffect">
+                                  <p:stCondLst>
+                                    <p:cond delay="0"/>
+                                  </p:stCondLst>
+                                  <p:childTnLst>
+                                    <p:set>
+                                      <p:cBhvr>
+                                        <p:cTn id="14" dur="1" fill="hold">
+                                          <p:stCondLst>
+                                            <p:cond delay="0"/>
+                                          </p:stCondLst>
+                                        </p:cTn>
+                                        <p:tgtEl>
+                                          <p:spTgt spid="83"/>
+                                        </p:tgtEl>
+                                        <p:attrNameLst>
+                                          <p:attrName>style.visibility</p:attrName>
+                                        </p:attrNameLst>
+                                      </p:cBhvr>
+                                      <p:to>
+                                        <p:strVal val="visible"/>
+                                      </p:to>
+                                    </p:set>
+                                  </p:childTnLst>
+                                </p:cTn>
+                              </p:par>
+                              <p:par>
+                                <p:cTn id="15" presetID="1" presetClass="entr" presetSubtype="0" fill="hold" nodeType="withEffect">
+                                  <p:stCondLst>
+                                    <p:cond delay="0"/>
+                                  </p:stCondLst>
+                                  <p:childTnLst>
+                                    <p:set>
+                                      <p:cBhvr>
+                                        <p:cTn id="16" dur="1" fill="hold">
+                                          <p:stCondLst>
+                                            <p:cond delay="0"/>
+                                          </p:stCondLst>
+                                        </p:cTn>
+                                        <p:tgtEl>
+                                          <p:spTgt spid="130"/>
+                                        </p:tgtEl>
+                                        <p:attrNameLst>
+                                          <p:attrName>style.visibility</p:attrName>
+                                        </p:attrNameLst>
+                                      </p:cBhvr>
+                                      <p:to>
+                                        <p:strVal val="visible"/>
+                                      </p:to>
+                                    </p:set>
+                                  </p:childTnLst>
+                                </p:cTn>
+                              </p:par>
+                              <p:par>
+                                <p:cTn id="17" presetID="1" presetClass="entr" presetSubtype="0" fill="hold" nodeType="withEffect">
+                                  <p:stCondLst>
+                                    <p:cond delay="0"/>
+                                  </p:stCondLst>
+                                  <p:childTnLst>
+                                    <p:set>
+                                      <p:cBhvr>
+                                        <p:cTn id="18" dur="1" fill="hold">
+                                          <p:stCondLst>
+                                            <p:cond delay="0"/>
+                                          </p:stCondLst>
+                                        </p:cTn>
+                                        <p:tgtEl>
+                                          <p:spTgt spid="57"/>
+                                        </p:tgtEl>
+                                        <p:attrNameLst>
+                                          <p:attrName>style.visibility</p:attrName>
+                                        </p:attrNameLst>
+                                      </p:cBhvr>
+                                      <p:to>
+                                        <p:strVal val="visible"/>
+                                      </p:to>
+                                    </p:set>
+                                  </p:childTnLst>
+                                </p:cTn>
+                              </p:par>
+                            </p:childTnLst>
+                          </p:cTn>
+                        </p:par>
+                      </p:childTnLst>
+                    </p:cTn>
+                  </p:par>
+                  <p:par>
+                    <p:cTn id="19" fill="hold">
+                      <p:stCondLst>
+                        <p:cond delay="indefinite"/>
+                      </p:stCondLst>
+                      <p:childTnLst>
+                        <p:par>
+                          <p:cTn id="20" fill="hold">
+                            <p:stCondLst>
+                              <p:cond delay="0"/>
+                            </p:stCondLst>
+                            <p:childTnLst>
+                              <p:par>
+                                <p:cTn id="21" presetID="1" presetClass="entr" presetSubtype="0" fill="hold" nodeType="clickEffect">
+                                  <p:stCondLst>
+                                    <p:cond delay="0"/>
+                                  </p:stCondLst>
+                                  <p:childTnLst>
+                                    <p:set>
+                                      <p:cBhvr>
+                                        <p:cTn id="22" dur="1" fill="hold">
+                                          <p:stCondLst>
+                                            <p:cond delay="0"/>
+                                          </p:stCondLst>
+                                        </p:cTn>
+                                        <p:tgtEl>
+                                          <p:spTgt spid="89"/>
+                                        </p:tgtEl>
+                                        <p:attrNameLst>
+                                          <p:attrName>style.visibility</p:attrName>
+                                        </p:attrNameLst>
+                                      </p:cBhvr>
+                                      <p:to>
+                                        <p:strVal val="visible"/>
+                                      </p:to>
+                                    </p:set>
+                                  </p:childTnLst>
+                                </p:cTn>
+                              </p:par>
+                              <p:par>
+                                <p:cTn id="23" presetID="1" presetClass="entr" presetSubtype="0" fill="hold" nodeType="withEffect">
+                                  <p:stCondLst>
+                                    <p:cond delay="0"/>
+                                  </p:stCondLst>
+                                  <p:childTnLst>
+                                    <p:set>
+                                      <p:cBhvr>
+                                        <p:cTn id="24" dur="1" fill="hold">
+                                          <p:stCondLst>
+                                            <p:cond delay="0"/>
+                                          </p:stCondLst>
+                                        </p:cTn>
+                                        <p:tgtEl>
+                                          <p:spTgt spid="132"/>
+                                        </p:tgtEl>
+                                        <p:attrNameLst>
+                                          <p:attrName>style.visibility</p:attrName>
+                                        </p:attrNameLst>
+                                      </p:cBhvr>
+                                      <p:to>
+                                        <p:strVal val="visible"/>
+                                      </p:to>
+                                    </p:set>
+                                  </p:childTnLst>
+                                </p:cTn>
+                              </p:par>
+                            </p:childTnLst>
+                          </p:cTn>
+                        </p:par>
+                      </p:childTnLst>
+                    </p:cTn>
+                  </p:par>
+                  <p:par>
+                    <p:cTn id="25" fill="hold">
+                      <p:stCondLst>
+                        <p:cond delay="indefinite"/>
+                      </p:stCondLst>
+                      <p:childTnLst>
+                        <p:par>
+                          <p:cTn id="26" fill="hold">
+                            <p:stCondLst>
+                              <p:cond delay="0"/>
+                            </p:stCondLst>
+                            <p:childTnLst>
+                              <p:par>
+                                <p:cTn id="27" presetID="1" presetClass="entr" presetSubtype="0" fill="hold" nodeType="clickEffect">
+                                  <p:stCondLst>
+                                    <p:cond delay="0"/>
+                                  </p:stCondLst>
+                                  <p:childTnLst>
+                                    <p:set>
+                                      <p:cBhvr>
+                                        <p:cTn id="28" dur="1" fill="hold">
+                                          <p:stCondLst>
+                                            <p:cond delay="0"/>
+                                          </p:stCondLst>
+                                        </p:cTn>
+                                        <p:tgtEl>
+                                          <p:spTgt spid="108"/>
+                                        </p:tgtEl>
+                                        <p:attrNameLst>
+                                          <p:attrName>style.visibility</p:attrName>
+                                        </p:attrNameLst>
+                                      </p:cBhvr>
+                                      <p:to>
+                                        <p:strVal val="visible"/>
+                                      </p:to>
+                                    </p:set>
+                                  </p:childTnLst>
+                                </p:cTn>
+                              </p:par>
+                              <p:par>
+                                <p:cTn id="29" presetID="1" presetClass="entr" presetSubtype="0" fill="hold" nodeType="withEffect">
+                                  <p:stCondLst>
+                                    <p:cond delay="0"/>
+                                  </p:stCondLst>
+                                  <p:childTnLst>
+                                    <p:set>
+                                      <p:cBhvr>
+                                        <p:cTn id="30" dur="1" fill="hold">
+                                          <p:stCondLst>
+                                            <p:cond delay="0"/>
+                                          </p:stCondLst>
+                                        </p:cTn>
+                                        <p:tgtEl>
+                                          <p:spTgt spid="63"/>
+                                        </p:tgtEl>
+                                        <p:attrNameLst>
+                                          <p:attrName>style.visibility</p:attrName>
+                                        </p:attrNameLst>
+                                      </p:cBhvr>
+                                      <p:to>
+                                        <p:strVal val="visible"/>
+                                      </p:to>
+                                    </p:set>
+                                  </p:childTnLst>
+                                </p:cTn>
+                              </p:par>
+                              <p:par>
+                                <p:cTn id="31" presetID="1" presetClass="entr" presetSubtype="0" fill="hold" nodeType="withEffect">
+                                  <p:stCondLst>
+                                    <p:cond delay="0"/>
+                                  </p:stCondLst>
+                                  <p:childTnLst>
+                                    <p:set>
+                                      <p:cBhvr>
+                                        <p:cTn id="32" dur="1" fill="hold">
+                                          <p:stCondLst>
+                                            <p:cond delay="0"/>
+                                          </p:stCondLst>
+                                        </p:cTn>
+                                        <p:tgtEl>
+                                          <p:spTgt spid="64"/>
+                                        </p:tgtEl>
+                                        <p:attrNameLst>
+                                          <p:attrName>style.visibility</p:attrName>
+                                        </p:attrNameLst>
+                                      </p:cBhvr>
+                                      <p:to>
+                                        <p:strVal val="visible"/>
+                                      </p:to>
+                                    </p:set>
+                                  </p:childTnLst>
+                                </p:cTn>
+                              </p:par>
+                              <p:par>
+                                <p:cTn id="33" presetID="1" presetClass="entr" presetSubtype="0" fill="hold" nodeType="withEffect">
+                                  <p:stCondLst>
+                                    <p:cond delay="0"/>
+                                  </p:stCondLst>
+                                  <p:childTnLst>
+                                    <p:set>
+                                      <p:cBhvr>
+                                        <p:cTn id="34" dur="1" fill="hold">
+                                          <p:stCondLst>
+                                            <p:cond delay="0"/>
+                                          </p:stCondLst>
+                                        </p:cTn>
+                                        <p:tgtEl>
+                                          <p:spTgt spid="65"/>
+                                        </p:tgtEl>
+                                        <p:attrNameLst>
+                                          <p:attrName>style.visibility</p:attrName>
+                                        </p:attrNameLst>
+                                      </p:cBhvr>
+                                      <p:to>
+                                        <p:strVal val="visible"/>
+                                      </p:to>
+                                    </p:set>
+                                  </p:childTnLst>
+                                </p:cTn>
+                              </p:par>
+                              <p:par>
+                                <p:cTn id="35" presetID="1" presetClass="entr" presetSubtype="0" fill="hold" nodeType="withEffect">
+                                  <p:stCondLst>
+                                    <p:cond delay="0"/>
+                                  </p:stCondLst>
+                                  <p:childTnLst>
+                                    <p:set>
+                                      <p:cBhvr>
+                                        <p:cTn id="36" dur="1" fill="hold">
+                                          <p:stCondLst>
+                                            <p:cond delay="0"/>
+                                          </p:stCondLst>
+                                        </p:cTn>
+                                        <p:tgtEl>
+                                          <p:spTgt spid="70"/>
+                                        </p:tgtEl>
+                                        <p:attrNameLst>
+                                          <p:attrName>style.visibility</p:attrName>
+                                        </p:attrNameLst>
+                                      </p:cBhvr>
+                                      <p:to>
+                                        <p:strVal val="visible"/>
+                                      </p:to>
+                                    </p:set>
+                                  </p:childTnLst>
+                                </p:cTn>
+                              </p:par>
+                              <p:par>
+                                <p:cTn id="37" presetID="1" presetClass="entr" presetSubtype="0" fill="hold" nodeType="withEffect">
+                                  <p:stCondLst>
+                                    <p:cond delay="0"/>
+                                  </p:stCondLst>
+                                  <p:childTnLst>
+                                    <p:set>
+                                      <p:cBhvr>
+                                        <p:cTn id="38" dur="1" fill="hold">
+                                          <p:stCondLst>
+                                            <p:cond delay="0"/>
+                                          </p:stCondLst>
+                                        </p:cTn>
+                                        <p:tgtEl>
+                                          <p:spTgt spid="82"/>
+                                        </p:tgtEl>
+                                        <p:attrNameLst>
+                                          <p:attrName>style.visibility</p:attrName>
+                                        </p:attrNameLst>
+                                      </p:cBhvr>
+                                      <p:to>
+                                        <p:strVal val="visible"/>
+                                      </p:to>
+                                    </p:set>
+                                  </p:childTnLst>
+                                </p:cTn>
+                              </p:par>
+                              <p:par>
+                                <p:cTn id="39" presetID="1" presetClass="entr" presetSubtype="0" fill="hold" nodeType="withEffect">
+                                  <p:stCondLst>
+                                    <p:cond delay="0"/>
+                                  </p:stCondLst>
+                                  <p:childTnLst>
+                                    <p:set>
+                                      <p:cBhvr>
+                                        <p:cTn id="40" dur="1" fill="hold">
+                                          <p:stCondLst>
+                                            <p:cond delay="0"/>
+                                          </p:stCondLst>
+                                        </p:cTn>
+                                        <p:tgtEl>
+                                          <p:spTgt spid="86"/>
+                                        </p:tgtEl>
+                                        <p:attrNameLst>
+                                          <p:attrName>style.visibility</p:attrName>
+                                        </p:attrNameLst>
+                                      </p:cBhvr>
+                                      <p:to>
+                                        <p:strVal val="visible"/>
+                                      </p:to>
+                                    </p:set>
+                                  </p:childTnLst>
+                                </p:cTn>
+                              </p:par>
+                            </p:childTnLst>
+                          </p:cTn>
+                        </p:par>
+                      </p:childTnLst>
+                    </p:cTn>
+                  </p:par>
+                  <p:par>
+                    <p:cTn id="41" fill="hold">
+                      <p:stCondLst>
+                        <p:cond delay="indefinite"/>
+                      </p:stCondLst>
+                      <p:childTnLst>
+                        <p:par>
+                          <p:cTn id="42" fill="hold">
+                            <p:stCondLst>
+                              <p:cond delay="0"/>
+                            </p:stCondLst>
+                            <p:childTnLst>
+                              <p:par>
+                                <p:cTn id="43" presetID="1" presetClass="entr" presetSubtype="0" fill="hold" nodeType="clickEffect">
+                                  <p:stCondLst>
+                                    <p:cond delay="0"/>
+                                  </p:stCondLst>
+                                  <p:childTnLst>
+                                    <p:set>
+                                      <p:cBhvr>
+                                        <p:cTn id="44" dur="1" fill="hold">
+                                          <p:stCondLst>
+                                            <p:cond delay="0"/>
+                                          </p:stCondLst>
+                                        </p:cTn>
+                                        <p:tgtEl>
+                                          <p:spTgt spid="44"/>
+                                        </p:tgtEl>
+                                        <p:attrNameLst>
+                                          <p:attrName>style.visibility</p:attrName>
+                                        </p:attrNameLst>
+                                      </p:cBhvr>
+                                      <p:to>
+                                        <p:strVal val="visible"/>
+                                      </p:to>
+                                    </p:set>
+                                  </p:childTnLst>
+                                </p:cTn>
+                              </p:par>
+                              <p:par>
+                                <p:cTn id="45" presetID="1" presetClass="entr" presetSubtype="0" fill="hold" nodeType="withEffect">
+                                  <p:stCondLst>
+                                    <p:cond delay="0"/>
+                                  </p:stCondLst>
+                                  <p:childTnLst>
+                                    <p:set>
+                                      <p:cBhvr>
+                                        <p:cTn id="46" dur="1" fill="hold">
+                                          <p:stCondLst>
+                                            <p:cond delay="0"/>
+                                          </p:stCondLst>
+                                        </p:cTn>
+                                        <p:tgtEl>
+                                          <p:spTgt spid="48"/>
+                                        </p:tgtEl>
+                                        <p:attrNameLst>
+                                          <p:attrName>style.visibility</p:attrName>
+                                        </p:attrNameLst>
+                                      </p:cBhvr>
+                                      <p:to>
+                                        <p:strVal val="visible"/>
+                                      </p:to>
+                                    </p:set>
+                                  </p:childTnLst>
+                                </p:cTn>
+                              </p:par>
+                              <p:par>
+                                <p:cTn id="47" presetID="1" presetClass="entr" presetSubtype="0" fill="hold" nodeType="withEffect">
+                                  <p:stCondLst>
+                                    <p:cond delay="0"/>
+                                  </p:stCondLst>
+                                  <p:childTnLst>
+                                    <p:set>
+                                      <p:cBhvr>
+                                        <p:cTn id="48" dur="1" fill="hold">
+                                          <p:stCondLst>
+                                            <p:cond delay="0"/>
+                                          </p:stCondLst>
+                                        </p:cTn>
+                                        <p:tgtEl>
+                                          <p:spTgt spid="50"/>
+                                        </p:tgtEl>
+                                        <p:attrNameLst>
+                                          <p:attrName>style.visibility</p:attrName>
+                                        </p:attrNameLst>
+                                      </p:cBhvr>
+                                      <p:to>
+                                        <p:strVal val="visible"/>
+                                      </p:to>
+                                    </p:set>
+                                  </p:childTnLst>
+                                </p:cTn>
+                              </p:par>
+                            </p:childTnLst>
+                          </p:cTn>
+                        </p:par>
+                      </p:childTnLst>
+                    </p:cTn>
+                  </p:par>
+                  <p:par>
+                    <p:cTn id="49" fill="hold">
+                      <p:stCondLst>
+                        <p:cond delay="indefinite"/>
+                      </p:stCondLst>
+                      <p:childTnLst>
+                        <p:par>
+                          <p:cTn id="50" fill="hold">
+                            <p:stCondLst>
+                              <p:cond delay="0"/>
+                            </p:stCondLst>
+                            <p:childTnLst>
+                              <p:par>
+                                <p:cTn id="51" presetID="1" presetClass="entr" presetSubtype="0" fill="hold" nodeType="clickEffect">
+                                  <p:stCondLst>
+                                    <p:cond delay="0"/>
+                                  </p:stCondLst>
+                                  <p:childTnLst>
+                                    <p:set>
+                                      <p:cBhvr>
+                                        <p:cTn id="52" dur="1" fill="hold">
+                                          <p:stCondLst>
+                                            <p:cond delay="0"/>
+                                          </p:stCondLst>
+                                        </p:cTn>
+                                        <p:tgtEl>
+                                          <p:spTgt spid="51"/>
+                                        </p:tgtEl>
+                                        <p:attrNameLst>
+                                          <p:attrName>style.visibility</p:attrName>
+                                        </p:attrNameLst>
+                                      </p:cBhvr>
+                                      <p:to>
+                                        <p:strVal val="visible"/>
+                                      </p:to>
+                                    </p:set>
+                                  </p:childTnLst>
+                                </p:cTn>
+                              </p:par>
+                            </p:childTnLst>
+                          </p:cTn>
+                        </p:par>
+                      </p:childTnLst>
+                    </p:cTn>
+                  </p:par>
+                </p:childTnLst>
+              </p:cTn>
+              <p:prevCondLst>
+                <p:cond evt="onPrev" delay="0">
+                  <p:tgtEl>
+                    <p:sldTgt/>
+                  </p:tgtEl>
+                </p:cond>
+              </p:prevCondLst>
+              <p:nextCondLst>
+                <p:cond evt="onNext" delay="0">
+                  <p:tgtEl>
+                    <p:sldTgt/>
+                  </p:tgtEl>
+                </p:cond>
+              </p:nextCondLst>
+            </p:seq>
+          </p:childTnLst>
+        </p:cTn>
+      </p:par>
+    </p:tnLst>
+    <p:bldLst>
+      <p:bldP spid="133" grpId="0"/>
+    </p:bldLst>
+  </p:timing>
+</p:sld>
+</file>
+
+<file path=ppt/slides/slide27.xml><?xml version="1.0" encoding="utf-8"?>
+<p:sld xmlns:a="http://schemas.openxmlformats.org/drawingml/2006/main" xmlns:r="http://schemas.openxmlformats.org/officeDocument/2006/relationships" xmlns:p="http://schemas.openxmlformats.org/presentationml/2006/main">
+  <p:cSld>
+    <p:spTree>
+      <p:nvGrpSpPr>
+        <p:cNvPr id="1" name=""/>
+        <p:cNvGrpSpPr/>
+        <p:nvPr/>
+      </p:nvGrpSpPr>
+      <p:grpSpPr>
+        <a:xfrm>
+          <a:off x="0" y="0"/>
+          <a:ext cx="0" cy="0"/>
+          <a:chOff x="0" y="0"/>
+          <a:chExt cx="0" cy="0"/>
+        </a:xfrm>
+      </p:grpSpPr>
+      <p:sp>
+        <p:nvSpPr>
+          <p:cNvPr id="3" name="Espaço Reservado para Número de Slide 2"/>
+          <p:cNvSpPr>
+            <a:spLocks noGrp="1"/>
+          </p:cNvSpPr>
+          <p:nvPr>
+            <p:ph type="sldNum" sz="quarter" idx="4"/>
+          </p:nvPr>
+        </p:nvSpPr>
+        <p:spPr>
+          <a:xfrm>
+            <a:off x="11468809" y="6563746"/>
+            <a:ext cx="570147" cy="194349"/>
+          </a:xfrm>
+        </p:spPr>
+        <p:txBody>
+          <a:bodyPr/>
+          <a:lstStyle/>
+          <a:p>
+            <a:pPr>
+              <a:defRPr/>
+            </a:pPr>
+            <a:fld id="{B66251D2-9488-44CD-87B4-F793A73C4A01}" type="slidenum">
+              <a:rPr lang="pt-BR" smtClean="0"/>
+              <a:pPr>
+                <a:defRPr/>
+              </a:pPr>
+              <a:t>27</a:t>
+            </a:fld>
+            <a:endParaRPr lang="pt-BR" sz="798"/>
+          </a:p>
+        </p:txBody>
+      </p:sp>
+      <p:sp>
+        <p:nvSpPr>
+          <p:cNvPr id="4" name="Espaço Reservado para Texto 3"/>
+          <p:cNvSpPr>
+            <a:spLocks noGrp="1"/>
+          </p:cNvSpPr>
+          <p:nvPr>
+            <p:ph type="body" sz="quarter" idx="13"/>
+          </p:nvPr>
+        </p:nvSpPr>
+        <p:spPr>
+          <a:xfrm>
+            <a:off x="1981647" y="98337"/>
+            <a:ext cx="9779211" cy="694392"/>
+          </a:xfrm>
+        </p:spPr>
+        <p:txBody>
+          <a:bodyPr/>
+          <a:lstStyle/>
+          <a:p>
+            <a:r>
+              <a:rPr lang="pt-BR" dirty="0"/>
+              <a:t>Diagrama de Classes –</a:t>
+            </a:r>
+            <a:r>
+              <a:rPr lang="pt-BR" dirty="0" err="1"/>
+              <a:t>CampanhasController</a:t>
+            </a:r>
+            <a:endParaRPr lang="pt-BR" dirty="0"/>
+          </a:p>
+        </p:txBody>
+      </p:sp>
+      <p:graphicFrame>
+        <p:nvGraphicFramePr>
+          <p:cNvPr id="56" name="Tabela 55">
+            <a:extLst>
+              <a:ext uri="{FF2B5EF4-FFF2-40B4-BE49-F238E27FC236}">
+                <a16:creationId xmlns:a16="http://schemas.microsoft.com/office/drawing/2014/main" id="{63C389A7-0F5F-457D-B830-9C3C8A6E022C}"/>
+              </a:ext>
+            </a:extLst>
+          </p:cNvPr>
+          <p:cNvGraphicFramePr>
+            <a:graphicFrameLocks noGrp="1"/>
+          </p:cNvGraphicFramePr>
+          <p:nvPr>
+            <p:extLst>
+              <p:ext uri="{D42A27DB-BD31-4B8C-83A1-F6EECF244321}">
+                <p14:modId xmlns:p14="http://schemas.microsoft.com/office/powerpoint/2010/main" val="1799761319"/>
+              </p:ext>
+            </p:extLst>
+          </p:nvPr>
+        </p:nvGraphicFramePr>
+        <p:xfrm>
+          <a:off x="1116409" y="1504701"/>
+          <a:ext cx="3365707" cy="2554521"/>
+        </p:xfrm>
+        <a:graphic>
+          <a:graphicData uri="http://schemas.openxmlformats.org/drawingml/2006/table">
+            <a:tbl>
+              <a:tblPr firstRow="1" bandRow="1">
+                <a:tableStyleId>{7DF18680-E054-41AD-8BC1-D1AEF772440D}</a:tableStyleId>
+              </a:tblPr>
+              <a:tblGrid>
+                <a:gridCol w="3365707">
+                  <a:extLst>
+                    <a:ext uri="{9D8B030D-6E8A-4147-A177-3AD203B41FA5}">
+                      <a16:colId xmlns:a16="http://schemas.microsoft.com/office/drawing/2014/main" val="2755505235"/>
+                    </a:ext>
+                  </a:extLst>
+                </a:gridCol>
+              </a:tblGrid>
+              <a:tr h="580517">
+                <a:tc>
+                  <a:txBody>
+                    <a:bodyPr/>
+                    <a:lstStyle/>
+                    <a:p>
+                      <a:r>
+                        <a:rPr lang="pt-BR" sz="1600" baseline="0" dirty="0"/>
+                        <a:t>&lt;&lt;Java </a:t>
+                      </a:r>
+                      <a:r>
+                        <a:rPr lang="pt-BR" sz="1600" baseline="0" dirty="0" err="1"/>
+                        <a:t>Class</a:t>
+                      </a:r>
+                      <a:r>
+                        <a:rPr lang="pt-BR" sz="1600" baseline="0" dirty="0"/>
+                        <a:t>&gt;&gt;</a:t>
+                      </a:r>
+                    </a:p>
+                    <a:p>
+                      <a:r>
+                        <a:rPr lang="pt-BR" sz="1600" baseline="0" dirty="0" err="1"/>
+                        <a:t>FeedController</a:t>
+                      </a:r>
+                      <a:endParaRPr lang="pt-BR" sz="1600" baseline="0" dirty="0"/>
+                    </a:p>
+                  </a:txBody>
+                  <a:tcPr marL="82931" marR="82931" marT="41465" marB="41465">
+                    <a:lnL w="12700" cap="flat" cmpd="sng" algn="ctr">
+                      <a:solidFill>
+                        <a:schemeClr val="tx1"/>
+                      </a:solidFill>
+                      <a:prstDash val="solid"/>
+                      <a:round/>
+                      <a:headEnd type="none" w="med" len="med"/>
+                      <a:tailEnd type="none" w="med" len="med"/>
+                    </a:lnL>
+                    <a:lnR w="12700" cap="flat" cmpd="sng" algn="ctr">
+                      <a:solidFill>
+                        <a:schemeClr val="tx1"/>
+                      </a:solidFill>
+                      <a:prstDash val="solid"/>
+                      <a:round/>
+                      <a:headEnd type="none" w="med" len="med"/>
+                      <a:tailEnd type="none" w="med" len="med"/>
+                    </a:lnR>
+                    <a:lnT w="12700" cap="flat" cmpd="sng" algn="ctr">
+                      <a:solidFill>
+                        <a:schemeClr val="tx1"/>
+                      </a:solidFill>
+                      <a:prstDash val="solid"/>
+                      <a:round/>
+                      <a:headEnd type="none" w="med" len="med"/>
+                      <a:tailEnd type="none" w="med" len="med"/>
+                    </a:lnT>
+                    <a:solidFill>
+                      <a:srgbClr val="32B9CD"/>
+                    </a:solidFill>
+                  </a:tcPr>
+                </a:tc>
+                <a:extLst>
+                  <a:ext uri="{0D108BD9-81ED-4DB2-BD59-A6C34878D82A}">
+                    <a16:rowId xmlns:a16="http://schemas.microsoft.com/office/drawing/2014/main" val="298428893"/>
+                  </a:ext>
+                </a:extLst>
+              </a:tr>
+              <a:tr h="428034">
+                <a:tc>
+                  <a:txBody>
+                    <a:bodyPr/>
+                    <a:lstStyle/>
+                    <a:p>
+                      <a:r>
+                        <a:rPr lang="pt-BR" sz="1600" dirty="0">
+                          <a:solidFill>
+                            <a:schemeClr val="tx1"/>
+                          </a:solidFill>
+                        </a:rPr>
+                        <a:t>- </a:t>
+                      </a:r>
+                      <a:r>
+                        <a:rPr lang="pt-BR" sz="1600" dirty="0" err="1">
+                          <a:solidFill>
+                            <a:schemeClr val="accent4"/>
+                          </a:solidFill>
+                        </a:rPr>
+                        <a:t>repository</a:t>
+                      </a:r>
+                      <a:r>
+                        <a:rPr lang="pt-BR" sz="1600" dirty="0">
+                          <a:solidFill>
+                            <a:schemeClr val="accent4"/>
+                          </a:solidFill>
+                        </a:rPr>
+                        <a:t>: </a:t>
+                      </a:r>
+                      <a:r>
+                        <a:rPr lang="pt-BR" sz="1600" dirty="0" err="1">
+                          <a:solidFill>
+                            <a:schemeClr val="accent4"/>
+                          </a:solidFill>
+                        </a:rPr>
+                        <a:t>IFeedRepository</a:t>
+                      </a:r>
+                      <a:endParaRPr lang="pt-BR" sz="1600" dirty="0">
+                        <a:solidFill>
+                          <a:schemeClr val="accent4"/>
+                        </a:solidFill>
+                      </a:endParaRPr>
+                    </a:p>
+                  </a:txBody>
+                  <a:tcPr marL="82931" marR="82931" marT="41465" marB="41465">
+                    <a:lnL w="12700" cap="flat" cmpd="sng" algn="ctr">
+                      <a:solidFill>
+                        <a:schemeClr val="tx1"/>
+                      </a:solidFill>
+                      <a:prstDash val="solid"/>
+                      <a:round/>
+                      <a:headEnd type="none" w="med" len="med"/>
+                      <a:tailEnd type="none" w="med" len="med"/>
+                    </a:lnL>
+                    <a:lnR w="12700" cap="flat" cmpd="sng" algn="ctr">
+                      <a:solidFill>
+                        <a:schemeClr val="tx1"/>
+                      </a:solidFill>
+                      <a:prstDash val="solid"/>
+                      <a:round/>
+                      <a:headEnd type="none" w="med" len="med"/>
+                      <a:tailEnd type="none" w="med" len="med"/>
+                    </a:lnR>
+                    <a:lnB w="12700" cap="flat" cmpd="sng" algn="ctr">
+                      <a:solidFill>
+                        <a:schemeClr val="tx1"/>
+                      </a:solidFill>
+                      <a:prstDash val="solid"/>
+                      <a:round/>
+                      <a:headEnd type="none" w="med" len="med"/>
+                      <a:tailEnd type="none" w="med" len="med"/>
+                    </a:lnB>
+                    <a:noFill/>
+                  </a:tcPr>
+                </a:tc>
+                <a:extLst>
+                  <a:ext uri="{0D108BD9-81ED-4DB2-BD59-A6C34878D82A}">
+                    <a16:rowId xmlns:a16="http://schemas.microsoft.com/office/drawing/2014/main" val="1601953335"/>
+                  </a:ext>
+                </a:extLst>
+              </a:tr>
+              <a:tr h="1326895">
+                <a:tc>
+                  <a:txBody>
+                    <a:bodyPr/>
+                    <a:lstStyle/>
+                    <a:p>
+                      <a:r>
+                        <a:rPr lang="pt-BR" sz="1600" dirty="0">
+                          <a:solidFill>
+                            <a:srgbClr val="E6005A"/>
+                          </a:solidFill>
+                        </a:rPr>
+                        <a:t>+ </a:t>
+                      </a:r>
+                      <a:r>
+                        <a:rPr lang="pt-BR" sz="1600" dirty="0" err="1">
+                          <a:solidFill>
+                            <a:srgbClr val="E6005A"/>
+                          </a:solidFill>
+                        </a:rPr>
+                        <a:t>postFeed</a:t>
+                      </a:r>
+                      <a:r>
+                        <a:rPr lang="pt-BR" sz="1600" dirty="0">
+                          <a:solidFill>
+                            <a:srgbClr val="E6005A"/>
+                          </a:solidFill>
+                        </a:rPr>
+                        <a:t>(Feed </a:t>
+                      </a:r>
+                      <a:r>
+                        <a:rPr lang="pt-BR" sz="1600" dirty="0" err="1">
+                          <a:solidFill>
+                            <a:srgbClr val="E6005A"/>
+                          </a:solidFill>
+                        </a:rPr>
+                        <a:t>novoFeed</a:t>
+                      </a:r>
+                      <a:r>
+                        <a:rPr lang="pt-BR" sz="1600" dirty="0">
+                          <a:solidFill>
+                            <a:srgbClr val="E6005A"/>
+                          </a:solidFill>
+                        </a:rPr>
+                        <a:t>): </a:t>
+                      </a:r>
+                      <a:r>
+                        <a:rPr lang="pt-BR" sz="1600" dirty="0" err="1">
+                          <a:solidFill>
+                            <a:srgbClr val="E6005A"/>
+                          </a:solidFill>
+                        </a:rPr>
+                        <a:t>ResponseEntity</a:t>
+                      </a:r>
+                      <a:endParaRPr lang="pt-BR" sz="1600" dirty="0">
+                        <a:solidFill>
+                          <a:srgbClr val="E6005A"/>
+                        </a:solidFill>
+                      </a:endParaRPr>
+                    </a:p>
+                    <a:p>
+                      <a:pPr marL="0" marR="0" lvl="0" indent="0" algn="l" defTabSz="1149545" rtl="0" eaLnBrk="1" fontAlgn="auto" latinLnBrk="0" hangingPunct="1">
+                        <a:lnSpc>
+                          <a:spcPct val="100000"/>
+                        </a:lnSpc>
+                        <a:spcBef>
+                          <a:spcPts val="0"/>
+                        </a:spcBef>
+                        <a:spcAft>
+                          <a:spcPts val="0"/>
+                        </a:spcAft>
+                        <a:buClrTx/>
+                        <a:buSzTx/>
+                        <a:buFontTx/>
+                        <a:buNone/>
+                        <a:tabLst/>
+                        <a:defRPr/>
+                      </a:pPr>
+                      <a:r>
+                        <a:rPr lang="pt-BR" sz="1600" dirty="0">
+                          <a:solidFill>
+                            <a:srgbClr val="E6005A"/>
+                          </a:solidFill>
+                        </a:rPr>
+                        <a:t>+ </a:t>
+                      </a:r>
+                      <a:r>
+                        <a:rPr lang="pt-BR" sz="1600" dirty="0" err="1">
+                          <a:solidFill>
+                            <a:srgbClr val="E6005A"/>
+                          </a:solidFill>
+                        </a:rPr>
+                        <a:t>getFeed</a:t>
+                      </a:r>
+                      <a:r>
+                        <a:rPr lang="pt-BR" sz="1600" dirty="0">
+                          <a:solidFill>
+                            <a:srgbClr val="E6005A"/>
+                          </a:solidFill>
+                        </a:rPr>
+                        <a:t>() : </a:t>
+                      </a:r>
+                      <a:r>
+                        <a:rPr lang="pt-BR" sz="1600" dirty="0" err="1">
+                          <a:solidFill>
+                            <a:srgbClr val="E6005A"/>
+                          </a:solidFill>
+                        </a:rPr>
+                        <a:t>ResponseEntity</a:t>
+                      </a:r>
+                      <a:endParaRPr lang="pt-BR" sz="1600" dirty="0">
+                        <a:solidFill>
+                          <a:srgbClr val="E6005A"/>
+                        </a:solidFill>
+                      </a:endParaRPr>
+                    </a:p>
+                    <a:p>
+                      <a:pPr marL="0" marR="0" lvl="0" indent="0" algn="l" defTabSz="1149545" rtl="0" eaLnBrk="1" fontAlgn="auto" latinLnBrk="0" hangingPunct="1">
+                        <a:lnSpc>
+                          <a:spcPct val="100000"/>
+                        </a:lnSpc>
+                        <a:spcBef>
+                          <a:spcPts val="0"/>
+                        </a:spcBef>
+                        <a:spcAft>
+                          <a:spcPts val="0"/>
+                        </a:spcAft>
+                        <a:buClrTx/>
+                        <a:buSzTx/>
+                        <a:buFontTx/>
+                        <a:buNone/>
+                        <a:tabLst/>
+                        <a:defRPr/>
+                      </a:pPr>
+                      <a:r>
+                        <a:rPr lang="pt-BR" sz="1600" dirty="0">
+                          <a:solidFill>
+                            <a:srgbClr val="E6005A"/>
+                          </a:solidFill>
+                        </a:rPr>
+                        <a:t>+ </a:t>
+                      </a:r>
+                      <a:r>
+                        <a:rPr lang="pt-BR" sz="1600" dirty="0" err="1">
+                          <a:solidFill>
+                            <a:srgbClr val="E6005A"/>
+                          </a:solidFill>
+                        </a:rPr>
+                        <a:t>atualizarFotoFeed</a:t>
+                      </a:r>
+                      <a:r>
+                        <a:rPr lang="pt-BR" sz="1600" dirty="0">
+                          <a:solidFill>
+                            <a:srgbClr val="E6005A"/>
+                          </a:solidFill>
+                        </a:rPr>
+                        <a:t>(byte[] foto, </a:t>
+                      </a:r>
+                      <a:r>
+                        <a:rPr lang="pt-BR" sz="1600" dirty="0" err="1">
+                          <a:solidFill>
+                            <a:srgbClr val="E6005A"/>
+                          </a:solidFill>
+                        </a:rPr>
+                        <a:t>long</a:t>
+                      </a:r>
+                      <a:r>
+                        <a:rPr lang="pt-BR" sz="1600" dirty="0">
+                          <a:solidFill>
+                            <a:srgbClr val="E6005A"/>
+                          </a:solidFill>
+                        </a:rPr>
+                        <a:t> </a:t>
+                      </a:r>
+                      <a:r>
+                        <a:rPr lang="pt-BR" sz="1600" dirty="0" err="1">
+                          <a:solidFill>
+                            <a:srgbClr val="E6005A"/>
+                          </a:solidFill>
+                        </a:rPr>
+                        <a:t>codigo</a:t>
+                      </a:r>
+                      <a:r>
+                        <a:rPr lang="pt-BR" sz="1600" dirty="0">
+                          <a:solidFill>
+                            <a:srgbClr val="E6005A"/>
+                          </a:solidFill>
+                        </a:rPr>
+                        <a:t>) : </a:t>
+                      </a:r>
+                      <a:r>
+                        <a:rPr lang="pt-BR" sz="1600" dirty="0" err="1">
+                          <a:solidFill>
+                            <a:srgbClr val="E6005A"/>
+                          </a:solidFill>
+                        </a:rPr>
+                        <a:t>ResponseEntity</a:t>
+                      </a:r>
+                      <a:endParaRPr lang="pt-BR" sz="1600" dirty="0">
+                        <a:solidFill>
+                          <a:srgbClr val="E6005A"/>
+                        </a:solidFill>
+                      </a:endParaRPr>
+                    </a:p>
+                    <a:p>
+                      <a:pPr marL="0" marR="0" lvl="0" indent="0" algn="l" defTabSz="1149545" rtl="0" eaLnBrk="1" fontAlgn="auto" latinLnBrk="0" hangingPunct="1">
+                        <a:lnSpc>
+                          <a:spcPct val="100000"/>
+                        </a:lnSpc>
+                        <a:spcBef>
+                          <a:spcPts val="0"/>
+                        </a:spcBef>
+                        <a:spcAft>
+                          <a:spcPts val="0"/>
+                        </a:spcAft>
+                        <a:buClrTx/>
+                        <a:buSzTx/>
+                        <a:buFontTx/>
+                        <a:buNone/>
+                        <a:tabLst/>
+                        <a:defRPr/>
+                      </a:pPr>
+                      <a:endParaRPr lang="pt-BR" sz="1600" dirty="0">
+                        <a:solidFill>
+                          <a:srgbClr val="E6005A"/>
+                        </a:solidFill>
+                      </a:endParaRPr>
+                    </a:p>
+                  </a:txBody>
+                  <a:tcPr marL="82931" marR="82931" marT="41465" marB="41465">
+                    <a:lnL w="12700" cap="flat" cmpd="sng" algn="ctr">
+                      <a:solidFill>
+                        <a:schemeClr val="tx1"/>
+                      </a:solidFill>
+                      <a:prstDash val="solid"/>
+                      <a:round/>
+                      <a:headEnd type="none" w="med" len="med"/>
+                      <a:tailEnd type="none" w="med" len="med"/>
+                    </a:lnL>
+                    <a:lnR w="12700" cap="flat" cmpd="sng" algn="ctr">
+                      <a:solidFill>
+                        <a:schemeClr val="tx1"/>
+                      </a:solidFill>
+                      <a:prstDash val="solid"/>
+                      <a:round/>
+                      <a:headEnd type="none" w="med" len="med"/>
+                      <a:tailEnd type="none" w="med" len="med"/>
+                    </a:lnR>
+                    <a:lnT w="12700" cap="flat" cmpd="sng" algn="ctr">
+                      <a:solidFill>
+                        <a:schemeClr val="tx1"/>
+                      </a:solidFill>
+                      <a:prstDash val="solid"/>
+                      <a:round/>
+                      <a:headEnd type="none" w="med" len="med"/>
+                      <a:tailEnd type="none" w="med" len="med"/>
+                    </a:lnT>
+                    <a:lnB w="12700" cap="flat" cmpd="sng" algn="ctr">
+                      <a:solidFill>
+                        <a:schemeClr val="tx1"/>
+                      </a:solidFill>
+                      <a:prstDash val="solid"/>
+                      <a:round/>
+                      <a:headEnd type="none" w="med" len="med"/>
+                      <a:tailEnd type="none" w="med" len="med"/>
+                    </a:lnB>
+                    <a:noFill/>
+                  </a:tcPr>
+                </a:tc>
+                <a:extLst>
+                  <a:ext uri="{0D108BD9-81ED-4DB2-BD59-A6C34878D82A}">
+                    <a16:rowId xmlns:a16="http://schemas.microsoft.com/office/drawing/2014/main" val="1545464695"/>
+                  </a:ext>
+                </a:extLst>
+              </a:tr>
+            </a:tbl>
+          </a:graphicData>
+        </a:graphic>
+      </p:graphicFrame>
+      <p:graphicFrame>
+        <p:nvGraphicFramePr>
+          <p:cNvPr id="67" name="Tabela 66">
+            <a:extLst>
+              <a:ext uri="{FF2B5EF4-FFF2-40B4-BE49-F238E27FC236}">
+                <a16:creationId xmlns:a16="http://schemas.microsoft.com/office/drawing/2014/main" id="{5386E3AF-C2CD-4D83-A818-9819BBF24C59}"/>
+              </a:ext>
+            </a:extLst>
+          </p:cNvPr>
+          <p:cNvGraphicFramePr>
+            <a:graphicFrameLocks noGrp="1"/>
+          </p:cNvGraphicFramePr>
+          <p:nvPr>
+            <p:extLst>
+              <p:ext uri="{D42A27DB-BD31-4B8C-83A1-F6EECF244321}">
+                <p14:modId xmlns:p14="http://schemas.microsoft.com/office/powerpoint/2010/main" val="3815956895"/>
+              </p:ext>
+            </p:extLst>
+          </p:nvPr>
+        </p:nvGraphicFramePr>
+        <p:xfrm>
+          <a:off x="5739849" y="1795288"/>
+          <a:ext cx="4484211" cy="1955670"/>
+        </p:xfrm>
+        <a:graphic>
+          <a:graphicData uri="http://schemas.openxmlformats.org/drawingml/2006/table">
+            <a:tbl>
+              <a:tblPr firstRow="1" bandRow="1">
+                <a:tableStyleId>{7DF18680-E054-41AD-8BC1-D1AEF772440D}</a:tableStyleId>
+              </a:tblPr>
+              <a:tblGrid>
+                <a:gridCol w="4484211">
+                  <a:extLst>
+                    <a:ext uri="{9D8B030D-6E8A-4147-A177-3AD203B41FA5}">
+                      <a16:colId xmlns:a16="http://schemas.microsoft.com/office/drawing/2014/main" val="2755505235"/>
+                    </a:ext>
+                  </a:extLst>
+                </a:gridCol>
+              </a:tblGrid>
+              <a:tr h="472973">
+                <a:tc>
+                  <a:txBody>
+                    <a:bodyPr/>
+                    <a:lstStyle/>
+                    <a:p>
+                      <a:r>
+                        <a:rPr lang="pt-BR" sz="1600" baseline="0" dirty="0"/>
+                        <a:t>&lt;&lt;Java </a:t>
+                      </a:r>
+                      <a:r>
+                        <a:rPr lang="pt-BR" sz="1600" baseline="0" dirty="0" err="1"/>
+                        <a:t>Class</a:t>
+                      </a:r>
+                      <a:r>
+                        <a:rPr lang="pt-BR" sz="1600" baseline="0" dirty="0"/>
+                        <a:t>&gt;&gt;</a:t>
+                      </a:r>
+                    </a:p>
+                    <a:p>
+                      <a:r>
+                        <a:rPr lang="pt-BR" sz="1600" baseline="0" dirty="0" err="1"/>
+                        <a:t>IFeedRepository</a:t>
+                      </a:r>
+                      <a:endParaRPr lang="pt-BR" sz="1600" baseline="0" dirty="0"/>
+                    </a:p>
+                  </a:txBody>
+                  <a:tcPr marL="82931" marR="82931" marT="41465" marB="41465">
+                    <a:lnL w="12700" cap="flat" cmpd="sng" algn="ctr">
+                      <a:solidFill>
+                        <a:schemeClr val="tx1"/>
+                      </a:solidFill>
+                      <a:prstDash val="solid"/>
+                      <a:round/>
+                      <a:headEnd type="none" w="med" len="med"/>
+                      <a:tailEnd type="none" w="med" len="med"/>
+                    </a:lnL>
+                    <a:lnR w="12700" cap="flat" cmpd="sng" algn="ctr">
+                      <a:solidFill>
+                        <a:schemeClr val="tx1"/>
+                      </a:solidFill>
+                      <a:prstDash val="solid"/>
+                      <a:round/>
+                      <a:headEnd type="none" w="med" len="med"/>
+                      <a:tailEnd type="none" w="med" len="med"/>
+                    </a:lnR>
+                    <a:lnT w="12700" cap="flat" cmpd="sng" algn="ctr">
+                      <a:solidFill>
+                        <a:schemeClr val="tx1"/>
+                      </a:solidFill>
+                      <a:prstDash val="solid"/>
+                      <a:round/>
+                      <a:headEnd type="none" w="med" len="med"/>
+                      <a:tailEnd type="none" w="med" len="med"/>
+                    </a:lnT>
+                    <a:solidFill>
+                      <a:srgbClr val="32B9CD"/>
+                    </a:solidFill>
+                  </a:tcPr>
+                </a:tc>
+                <a:extLst>
+                  <a:ext uri="{0D108BD9-81ED-4DB2-BD59-A6C34878D82A}">
+                    <a16:rowId xmlns:a16="http://schemas.microsoft.com/office/drawing/2014/main" val="298428893"/>
+                  </a:ext>
+                </a:extLst>
+              </a:tr>
+              <a:tr h="319307">
+                <a:tc>
+                  <a:txBody>
+                    <a:bodyPr/>
+                    <a:lstStyle/>
+                    <a:p>
+                      <a:endParaRPr lang="pt-BR" sz="1600">
+                        <a:solidFill>
+                          <a:schemeClr val="tx1"/>
+                        </a:solidFill>
+                      </a:endParaRPr>
+                    </a:p>
+                  </a:txBody>
+                  <a:tcPr marL="82931" marR="82931" marT="41465" marB="41465">
+                    <a:lnL w="12700" cap="flat" cmpd="sng" algn="ctr">
+                      <a:solidFill>
+                        <a:schemeClr val="tx1"/>
+                      </a:solidFill>
+                      <a:prstDash val="solid"/>
+                      <a:round/>
+                      <a:headEnd type="none" w="med" len="med"/>
+                      <a:tailEnd type="none" w="med" len="med"/>
+                    </a:lnL>
+                    <a:lnR w="12700" cap="flat" cmpd="sng" algn="ctr">
+                      <a:solidFill>
+                        <a:schemeClr val="tx1"/>
+                      </a:solidFill>
+                      <a:prstDash val="solid"/>
+                      <a:round/>
+                      <a:headEnd type="none" w="med" len="med"/>
+                      <a:tailEnd type="none" w="med" len="med"/>
+                    </a:lnR>
+                    <a:lnB w="12700" cap="flat" cmpd="sng" algn="ctr">
+                      <a:solidFill>
+                        <a:schemeClr val="tx1"/>
+                      </a:solidFill>
+                      <a:prstDash val="solid"/>
+                      <a:round/>
+                      <a:headEnd type="none" w="med" len="med"/>
+                      <a:tailEnd type="none" w="med" len="med"/>
+                    </a:lnB>
+                    <a:noFill/>
+                  </a:tcPr>
+                </a:tc>
+                <a:extLst>
+                  <a:ext uri="{0D108BD9-81ED-4DB2-BD59-A6C34878D82A}">
+                    <a16:rowId xmlns:a16="http://schemas.microsoft.com/office/drawing/2014/main" val="1601953335"/>
+                  </a:ext>
+                </a:extLst>
+              </a:tr>
+              <a:tr h="661819">
+                <a:tc>
+                  <a:txBody>
+                    <a:bodyPr/>
+                    <a:lstStyle/>
+                    <a:p>
+                      <a:r>
+                        <a:rPr lang="pt-BR" sz="1600" dirty="0">
+                          <a:solidFill>
+                            <a:srgbClr val="E6005A"/>
+                          </a:solidFill>
+                        </a:rPr>
+                        <a:t>+ </a:t>
+                      </a:r>
+                      <a:r>
+                        <a:rPr lang="pt-BR" sz="1600" dirty="0" err="1">
+                          <a:solidFill>
+                            <a:srgbClr val="E6005A"/>
+                          </a:solidFill>
+                        </a:rPr>
+                        <a:t>findByCodigo</a:t>
+                      </a:r>
+                      <a:r>
+                        <a:rPr lang="pt-BR" sz="1600" dirty="0">
+                          <a:solidFill>
+                            <a:srgbClr val="E6005A"/>
+                          </a:solidFill>
+                        </a:rPr>
+                        <a:t>(</a:t>
+                      </a:r>
+                      <a:r>
+                        <a:rPr lang="pt-BR" sz="1600" dirty="0" err="1">
+                          <a:solidFill>
+                            <a:srgbClr val="E6005A"/>
+                          </a:solidFill>
+                        </a:rPr>
+                        <a:t>Long</a:t>
+                      </a:r>
+                      <a:r>
+                        <a:rPr lang="pt-BR" sz="1600" dirty="0">
+                          <a:solidFill>
+                            <a:srgbClr val="E6005A"/>
+                          </a:solidFill>
+                        </a:rPr>
+                        <a:t> </a:t>
+                      </a:r>
+                      <a:r>
+                        <a:rPr lang="pt-BR" sz="1600" dirty="0" err="1">
+                          <a:solidFill>
+                            <a:srgbClr val="E6005A"/>
+                          </a:solidFill>
+                        </a:rPr>
+                        <a:t>codigo</a:t>
+                      </a:r>
+                      <a:r>
+                        <a:rPr lang="pt-BR" sz="1600" dirty="0">
+                          <a:solidFill>
+                            <a:srgbClr val="E6005A"/>
+                          </a:solidFill>
+                        </a:rPr>
+                        <a:t>):</a:t>
+                      </a:r>
+                      <a:r>
+                        <a:rPr lang="pt-BR" sz="1600" dirty="0" err="1">
+                          <a:solidFill>
+                            <a:srgbClr val="E6005A"/>
+                          </a:solidFill>
+                        </a:rPr>
+                        <a:t>List</a:t>
+                      </a:r>
+                      <a:r>
+                        <a:rPr lang="pt-BR" sz="1600" dirty="0">
+                          <a:solidFill>
+                            <a:srgbClr val="E6005A"/>
+                          </a:solidFill>
+                        </a:rPr>
+                        <a:t>&lt;Feeds&gt;</a:t>
+                      </a:r>
+                    </a:p>
+                    <a:p>
+                      <a:pPr marL="0" marR="0" lvl="0" indent="0" algn="l" defTabSz="914400" rtl="0" eaLnBrk="1" fontAlgn="auto" latinLnBrk="0" hangingPunct="1">
+                        <a:lnSpc>
+                          <a:spcPct val="100000"/>
+                        </a:lnSpc>
+                        <a:spcBef>
+                          <a:spcPts val="0"/>
+                        </a:spcBef>
+                        <a:spcAft>
+                          <a:spcPts val="0"/>
+                        </a:spcAft>
+                        <a:buClrTx/>
+                        <a:buSzTx/>
+                        <a:buFontTx/>
+                        <a:buNone/>
+                        <a:tabLst/>
+                        <a:defRPr/>
+                      </a:pPr>
+                      <a:r>
+                        <a:rPr lang="pt-BR" sz="1600" dirty="0">
+                          <a:solidFill>
+                            <a:srgbClr val="E6005A"/>
+                          </a:solidFill>
+                        </a:rPr>
+                        <a:t>+ </a:t>
+                      </a:r>
+                      <a:r>
+                        <a:rPr lang="pt-BR" sz="1600" dirty="0" err="1">
+                          <a:solidFill>
+                            <a:srgbClr val="E6005A"/>
+                          </a:solidFill>
+                        </a:rPr>
+                        <a:t>findAllByOrderByDataPublicacaoDesc</a:t>
+                      </a:r>
+                      <a:r>
+                        <a:rPr lang="pt-BR" sz="1600" dirty="0">
+                          <a:solidFill>
+                            <a:srgbClr val="E6005A"/>
+                          </a:solidFill>
+                        </a:rPr>
+                        <a:t> ():</a:t>
+                      </a:r>
+                      <a:r>
+                        <a:rPr lang="pt-BR" sz="1600" dirty="0" err="1">
+                          <a:solidFill>
+                            <a:srgbClr val="E6005A"/>
+                          </a:solidFill>
+                        </a:rPr>
+                        <a:t>List</a:t>
+                      </a:r>
+                      <a:r>
+                        <a:rPr lang="pt-BR" sz="1600" dirty="0">
+                          <a:solidFill>
+                            <a:srgbClr val="E6005A"/>
+                          </a:solidFill>
+                        </a:rPr>
+                        <a:t>&lt;Feeds&gt;</a:t>
+                      </a:r>
+                    </a:p>
+                    <a:p>
+                      <a:endParaRPr lang="pt-BR" sz="1600" dirty="0">
+                        <a:solidFill>
+                          <a:srgbClr val="E6005A"/>
+                        </a:solidFill>
+                      </a:endParaRPr>
+                    </a:p>
+                  </a:txBody>
+                  <a:tcPr marL="82931" marR="82931" marT="41465" marB="41465">
+                    <a:lnL w="12700" cap="flat" cmpd="sng" algn="ctr">
+                      <a:solidFill>
+                        <a:schemeClr val="tx1"/>
+                      </a:solidFill>
+                      <a:prstDash val="solid"/>
+                      <a:round/>
+                      <a:headEnd type="none" w="med" len="med"/>
+                      <a:tailEnd type="none" w="med" len="med"/>
+                    </a:lnL>
+                    <a:lnR w="12700" cap="flat" cmpd="sng" algn="ctr">
+                      <a:solidFill>
+                        <a:schemeClr val="tx1"/>
+                      </a:solidFill>
+                      <a:prstDash val="solid"/>
+                      <a:round/>
+                      <a:headEnd type="none" w="med" len="med"/>
+                      <a:tailEnd type="none" w="med" len="med"/>
+                    </a:lnR>
+                    <a:lnT w="12700" cap="flat" cmpd="sng" algn="ctr">
+                      <a:solidFill>
+                        <a:schemeClr val="tx1"/>
+                      </a:solidFill>
+                      <a:prstDash val="solid"/>
+                      <a:round/>
+                      <a:headEnd type="none" w="med" len="med"/>
+                      <a:tailEnd type="none" w="med" len="med"/>
+                    </a:lnT>
+                    <a:lnB w="12700" cap="flat" cmpd="sng" algn="ctr">
+                      <a:solidFill>
+                        <a:schemeClr val="tx1"/>
+                      </a:solidFill>
+                      <a:prstDash val="solid"/>
+                      <a:round/>
+                      <a:headEnd type="none" w="med" len="med"/>
+                      <a:tailEnd type="none" w="med" len="med"/>
+                    </a:lnB>
+                    <a:noFill/>
+                  </a:tcPr>
+                </a:tc>
+                <a:extLst>
+                  <a:ext uri="{0D108BD9-81ED-4DB2-BD59-A6C34878D82A}">
+                    <a16:rowId xmlns:a16="http://schemas.microsoft.com/office/drawing/2014/main" val="1545464695"/>
+                  </a:ext>
+                </a:extLst>
+              </a:tr>
+            </a:tbl>
+          </a:graphicData>
+        </a:graphic>
+      </p:graphicFrame>
+      <p:graphicFrame>
+        <p:nvGraphicFramePr>
+          <p:cNvPr id="70" name="Tabela 69">
+            <a:extLst>
+              <a:ext uri="{FF2B5EF4-FFF2-40B4-BE49-F238E27FC236}">
+                <a16:creationId xmlns:a16="http://schemas.microsoft.com/office/drawing/2014/main" id="{0C2D2B4F-8D03-4ECB-9729-7BA23D06B9D7}"/>
+              </a:ext>
+            </a:extLst>
+          </p:cNvPr>
+          <p:cNvGraphicFramePr>
+            <a:graphicFrameLocks noGrp="1"/>
+          </p:cNvGraphicFramePr>
+          <p:nvPr/>
+        </p:nvGraphicFramePr>
+        <p:xfrm>
+          <a:off x="4217224" y="4341869"/>
+          <a:ext cx="2812987" cy="2338023"/>
+        </p:xfrm>
+        <a:graphic>
+          <a:graphicData uri="http://schemas.openxmlformats.org/drawingml/2006/table">
+            <a:tbl>
+              <a:tblPr firstRow="1" bandRow="1">
+                <a:tableStyleId>{7DF18680-E054-41AD-8BC1-D1AEF772440D}</a:tableStyleId>
+              </a:tblPr>
+              <a:tblGrid>
+                <a:gridCol w="2812987">
+                  <a:extLst>
+                    <a:ext uri="{9D8B030D-6E8A-4147-A177-3AD203B41FA5}">
+                      <a16:colId xmlns:a16="http://schemas.microsoft.com/office/drawing/2014/main" val="2755505235"/>
+                    </a:ext>
+                  </a:extLst>
+                </a:gridCol>
+              </a:tblGrid>
+              <a:tr h="1022815">
+                <a:tc>
+                  <a:txBody>
+                    <a:bodyPr/>
+                    <a:lstStyle/>
+                    <a:p>
+                      <a:r>
+                        <a:rPr lang="pt-BR" sz="1600" baseline="0"/>
+                        <a:t>&lt;&lt;Java </a:t>
+                      </a:r>
+                      <a:r>
+                        <a:rPr lang="pt-BR" sz="1600" baseline="0" err="1"/>
+                        <a:t>Class</a:t>
+                      </a:r>
+                      <a:r>
+                        <a:rPr lang="pt-BR" sz="1600" baseline="0"/>
+                        <a:t>&gt;&gt;</a:t>
+                      </a:r>
+                    </a:p>
+                    <a:p>
+                      <a:r>
+                        <a:rPr lang="pt-BR" sz="1600" baseline="0" err="1"/>
+                        <a:t>InternalResourceViewResolver</a:t>
+                      </a:r>
+                      <a:r>
+                        <a:rPr lang="pt-BR" sz="1600" baseline="0"/>
+                        <a:t> </a:t>
+                      </a:r>
+                    </a:p>
+                    <a:p>
+                      <a:endParaRPr lang="pt-BR" sz="1300" baseline="0"/>
+                    </a:p>
+                  </a:txBody>
+                  <a:tcPr marL="82931" marR="82931" marT="41465" marB="41465">
+                    <a:lnL w="12700" cap="flat" cmpd="sng" algn="ctr">
+                      <a:solidFill>
+                        <a:schemeClr val="tx1"/>
+                      </a:solidFill>
+                      <a:prstDash val="solid"/>
+                      <a:round/>
+                      <a:headEnd type="none" w="med" len="med"/>
+                      <a:tailEnd type="none" w="med" len="med"/>
+                    </a:lnL>
+                    <a:lnR w="12700" cap="flat" cmpd="sng" algn="ctr">
+                      <a:solidFill>
+                        <a:schemeClr val="tx1"/>
+                      </a:solidFill>
+                      <a:prstDash val="solid"/>
+                      <a:round/>
+                      <a:headEnd type="none" w="med" len="med"/>
+                      <a:tailEnd type="none" w="med" len="med"/>
+                    </a:lnR>
+                    <a:lnT w="12700" cap="flat" cmpd="sng" algn="ctr">
+                      <a:solidFill>
+                        <a:schemeClr val="tx1"/>
+                      </a:solidFill>
+                      <a:prstDash val="solid"/>
+                      <a:round/>
+                      <a:headEnd type="none" w="med" len="med"/>
+                      <a:tailEnd type="none" w="med" len="med"/>
+                    </a:lnT>
+                    <a:solidFill>
+                      <a:schemeClr val="bg1">
+                        <a:lumMod val="65000"/>
+                      </a:schemeClr>
+                    </a:solidFill>
+                  </a:tcPr>
+                </a:tc>
+                <a:extLst>
+                  <a:ext uri="{0D108BD9-81ED-4DB2-BD59-A6C34878D82A}">
+                    <a16:rowId xmlns:a16="http://schemas.microsoft.com/office/drawing/2014/main" val="298428893"/>
+                  </a:ext>
+                </a:extLst>
+              </a:tr>
+              <a:tr h="428034">
+                <a:tc>
+                  <a:txBody>
+                    <a:bodyPr/>
+                    <a:lstStyle/>
+                    <a:p>
+                      <a:endParaRPr lang="pt-BR" sz="1600">
+                        <a:solidFill>
+                          <a:schemeClr val="tx1"/>
+                        </a:solidFill>
+                      </a:endParaRPr>
+                    </a:p>
+                  </a:txBody>
+                  <a:tcPr marL="82931" marR="82931" marT="41465" marB="41465">
+                    <a:lnL w="12700" cap="flat" cmpd="sng" algn="ctr">
+                      <a:solidFill>
+                        <a:schemeClr val="tx1"/>
+                      </a:solidFill>
+                      <a:prstDash val="solid"/>
+                      <a:round/>
+                      <a:headEnd type="none" w="med" len="med"/>
+                      <a:tailEnd type="none" w="med" len="med"/>
+                    </a:lnL>
+                    <a:lnR w="12700" cap="flat" cmpd="sng" algn="ctr">
+                      <a:solidFill>
+                        <a:schemeClr val="tx1"/>
+                      </a:solidFill>
+                      <a:prstDash val="solid"/>
+                      <a:round/>
+                      <a:headEnd type="none" w="med" len="med"/>
+                      <a:tailEnd type="none" w="med" len="med"/>
+                    </a:lnR>
+                    <a:lnB w="12700" cap="flat" cmpd="sng" algn="ctr">
+                      <a:solidFill>
+                        <a:schemeClr val="tx1"/>
+                      </a:solidFill>
+                      <a:prstDash val="solid"/>
+                      <a:round/>
+                      <a:headEnd type="none" w="med" len="med"/>
+                      <a:tailEnd type="none" w="med" len="med"/>
+                    </a:lnB>
+                    <a:noFill/>
+                  </a:tcPr>
+                </a:tc>
+                <a:extLst>
+                  <a:ext uri="{0D108BD9-81ED-4DB2-BD59-A6C34878D82A}">
+                    <a16:rowId xmlns:a16="http://schemas.microsoft.com/office/drawing/2014/main" val="1601953335"/>
+                  </a:ext>
+                </a:extLst>
+              </a:tr>
+              <a:tr h="887174">
+                <a:tc>
+                  <a:txBody>
+                    <a:bodyPr/>
+                    <a:lstStyle/>
+                    <a:p>
+                      <a:r>
+                        <a:rPr lang="pt-BR" sz="1600">
+                          <a:solidFill>
+                            <a:srgbClr val="E6005A"/>
+                          </a:solidFill>
+                        </a:rPr>
+                        <a:t>+ </a:t>
+                      </a:r>
+                      <a:r>
+                        <a:rPr lang="pt-BR" sz="1600" err="1">
+                          <a:solidFill>
+                            <a:srgbClr val="E6005A"/>
+                          </a:solidFill>
+                        </a:rPr>
+                        <a:t>viewResolver</a:t>
+                      </a:r>
+                      <a:r>
+                        <a:rPr lang="pt-BR" sz="1600">
+                          <a:solidFill>
+                            <a:srgbClr val="E6005A"/>
+                          </a:solidFill>
+                        </a:rPr>
+                        <a:t>()</a:t>
+                      </a:r>
+                    </a:p>
+                  </a:txBody>
+                  <a:tcPr marL="82931" marR="82931" marT="41465" marB="41465">
+                    <a:lnL w="12700" cap="flat" cmpd="sng" algn="ctr">
+                      <a:solidFill>
+                        <a:schemeClr val="tx1"/>
+                      </a:solidFill>
+                      <a:prstDash val="solid"/>
+                      <a:round/>
+                      <a:headEnd type="none" w="med" len="med"/>
+                      <a:tailEnd type="none" w="med" len="med"/>
+                    </a:lnL>
+                    <a:lnR w="12700" cap="flat" cmpd="sng" algn="ctr">
+                      <a:solidFill>
+                        <a:schemeClr val="tx1"/>
+                      </a:solidFill>
+                      <a:prstDash val="solid"/>
+                      <a:round/>
+                      <a:headEnd type="none" w="med" len="med"/>
+                      <a:tailEnd type="none" w="med" len="med"/>
+                    </a:lnR>
+                    <a:lnT w="12700" cap="flat" cmpd="sng" algn="ctr">
+                      <a:solidFill>
+                        <a:schemeClr val="tx1"/>
+                      </a:solidFill>
+                      <a:prstDash val="solid"/>
+                      <a:round/>
+                      <a:headEnd type="none" w="med" len="med"/>
+                      <a:tailEnd type="none" w="med" len="med"/>
+                    </a:lnT>
+                    <a:lnB w="12700" cap="flat" cmpd="sng" algn="ctr">
+                      <a:solidFill>
+                        <a:schemeClr val="tx1"/>
+                      </a:solidFill>
+                      <a:prstDash val="solid"/>
+                      <a:round/>
+                      <a:headEnd type="none" w="med" len="med"/>
+                      <a:tailEnd type="none" w="med" len="med"/>
+                    </a:lnB>
+                    <a:noFill/>
+                  </a:tcPr>
+                </a:tc>
+                <a:extLst>
+                  <a:ext uri="{0D108BD9-81ED-4DB2-BD59-A6C34878D82A}">
+                    <a16:rowId xmlns:a16="http://schemas.microsoft.com/office/drawing/2014/main" val="1545464695"/>
+                  </a:ext>
+                </a:extLst>
+              </a:tr>
+            </a:tbl>
+          </a:graphicData>
+        </a:graphic>
+      </p:graphicFrame>
+      <p:cxnSp>
+        <p:nvCxnSpPr>
+          <p:cNvPr id="71" name="Conector de Seta Reta 107">
+            <a:extLst>
+              <a:ext uri="{FF2B5EF4-FFF2-40B4-BE49-F238E27FC236}">
+                <a16:creationId xmlns:a16="http://schemas.microsoft.com/office/drawing/2014/main" id="{89894623-37F6-440D-8FF0-BE892C7FBB2A}"/>
+              </a:ext>
+            </a:extLst>
+          </p:cNvPr>
+          <p:cNvCxnSpPr>
+            <a:cxnSpLocks/>
+            <a:stCxn id="56" idx="3"/>
+            <a:endCxn id="67" idx="1"/>
+          </p:cNvCxnSpPr>
+          <p:nvPr/>
+        </p:nvCxnSpPr>
+        <p:spPr>
+          <a:xfrm flipV="1">
+            <a:off x="4482116" y="2773123"/>
+            <a:ext cx="1257733" cy="8838"/>
+          </a:xfrm>
+          <a:prstGeom prst="straightConnector1">
+            <a:avLst/>
+          </a:prstGeom>
+          <a:ln w="19050">
+            <a:solidFill>
+              <a:schemeClr val="accent5">
+                <a:lumMod val="75000"/>
+              </a:schemeClr>
+            </a:solidFill>
+            <a:prstDash val="solid"/>
+            <a:headEnd type="none" w="med" len="med"/>
+            <a:tailEnd type="none" w="med" len="med"/>
+          </a:ln>
+        </p:spPr>
+        <p:style>
+          <a:lnRef idx="1">
+            <a:schemeClr val="accent1"/>
+          </a:lnRef>
+          <a:fillRef idx="0">
+            <a:schemeClr val="accent1"/>
+          </a:fillRef>
+          <a:effectRef idx="0">
+            <a:schemeClr val="accent1"/>
+          </a:effectRef>
+          <a:fontRef idx="minor">
+            <a:schemeClr val="tx1"/>
+          </a:fontRef>
+        </p:style>
+      </p:cxnSp>
+      <p:cxnSp>
+        <p:nvCxnSpPr>
+          <p:cNvPr id="72" name="Conector de Seta Reta 107">
+            <a:extLst>
+              <a:ext uri="{FF2B5EF4-FFF2-40B4-BE49-F238E27FC236}">
+                <a16:creationId xmlns:a16="http://schemas.microsoft.com/office/drawing/2014/main" id="{92939693-3973-44BD-85FA-343961EBB6DA}"/>
+              </a:ext>
+            </a:extLst>
+          </p:cNvPr>
+          <p:cNvCxnSpPr>
+            <a:cxnSpLocks/>
+            <a:stCxn id="56" idx="2"/>
+            <a:endCxn id="70" idx="1"/>
+          </p:cNvCxnSpPr>
+          <p:nvPr/>
+        </p:nvCxnSpPr>
+        <p:spPr>
+          <a:xfrm>
+            <a:off x="2799262" y="4059222"/>
+            <a:ext cx="1417962" cy="1451658"/>
+          </a:xfrm>
+          <a:prstGeom prst="straightConnector1">
+            <a:avLst/>
+          </a:prstGeom>
+          <a:ln w="19050">
+            <a:solidFill>
+              <a:schemeClr val="accent5">
+                <a:lumMod val="75000"/>
+              </a:schemeClr>
+            </a:solidFill>
+            <a:prstDash val="solid"/>
+            <a:headEnd type="none" w="med" len="med"/>
+            <a:tailEnd type="none" w="med" len="med"/>
+          </a:ln>
+        </p:spPr>
+        <p:style>
+          <a:lnRef idx="1">
+            <a:schemeClr val="accent1"/>
+          </a:lnRef>
+          <a:fillRef idx="0">
+            <a:schemeClr val="accent1"/>
+          </a:fillRef>
+          <a:effectRef idx="0">
+            <a:schemeClr val="accent1"/>
+          </a:effectRef>
+          <a:fontRef idx="minor">
+            <a:schemeClr val="tx1"/>
+          </a:fontRef>
+        </p:style>
+      </p:cxnSp>
+      <p:sp>
+        <p:nvSpPr>
+          <p:cNvPr id="93" name="Texto Explicativo Retangular com Cantos Arredondados 4">
+            <a:extLst>
+              <a:ext uri="{FF2B5EF4-FFF2-40B4-BE49-F238E27FC236}">
+                <a16:creationId xmlns:a16="http://schemas.microsoft.com/office/drawing/2014/main" id="{0FEFFAB7-423C-4C55-AA27-82F3173773F6}"/>
+              </a:ext>
+            </a:extLst>
+          </p:cNvPr>
+          <p:cNvSpPr/>
+          <p:nvPr/>
+        </p:nvSpPr>
+        <p:spPr>
+          <a:xfrm>
+            <a:off x="7229695" y="5453524"/>
+            <a:ext cx="2128951" cy="1084788"/>
+          </a:xfrm>
+          <a:prstGeom prst="wedgeRoundRectCallout">
+            <a:avLst>
+              <a:gd name="adj1" fmla="val -58351"/>
+              <a:gd name="adj2" fmla="val 22315"/>
+              <a:gd name="adj3" fmla="val 16667"/>
+            </a:avLst>
+          </a:prstGeom>
+          <a:noFill/>
+          <a:ln>
+            <a:solidFill>
+              <a:srgbClr val="32B9CD"/>
+            </a:solidFill>
+          </a:ln>
+        </p:spPr>
+        <p:style>
+          <a:lnRef idx="2">
+            <a:schemeClr val="accent1">
+              <a:shade val="50000"/>
+            </a:schemeClr>
+          </a:lnRef>
+          <a:fillRef idx="1">
+            <a:schemeClr val="accent1"/>
+          </a:fillRef>
+          <a:effectRef idx="0">
+            <a:schemeClr val="accent1"/>
+          </a:effectRef>
+          <a:fontRef idx="minor">
+            <a:schemeClr val="lt1"/>
+          </a:fontRef>
+        </p:style>
+        <p:txBody>
+          <a:bodyPr rtlCol="0" anchor="ctr"/>
+          <a:lstStyle/>
+          <a:p>
+            <a:pPr algn="ctr" defTabSz="945947">
+              <a:defRPr/>
+            </a:pPr>
+            <a:r>
+              <a:rPr lang="pt-BR" sz="1632">
+                <a:solidFill>
+                  <a:srgbClr val="32B9CD"/>
+                </a:solidFill>
+                <a:latin typeface="Calibri"/>
+              </a:rPr>
+              <a:t>Esta classe é gerada automaticamente</a:t>
+            </a:r>
+            <a:endParaRPr lang="pt-BR" sz="1904">
+              <a:solidFill>
+                <a:srgbClr val="32B9CD"/>
+              </a:solidFill>
+              <a:latin typeface="Calibri"/>
+            </a:endParaRPr>
+          </a:p>
+        </p:txBody>
+      </p:sp>
+      <p:sp>
+        <p:nvSpPr>
+          <p:cNvPr id="96" name="Retângulo 95">
+            <a:extLst>
+              <a:ext uri="{FF2B5EF4-FFF2-40B4-BE49-F238E27FC236}">
+                <a16:creationId xmlns:a16="http://schemas.microsoft.com/office/drawing/2014/main" id="{DD32323E-4659-4236-8AEE-8A4BD90D3B0C}"/>
+              </a:ext>
+            </a:extLst>
+          </p:cNvPr>
+          <p:cNvSpPr/>
+          <p:nvPr/>
+        </p:nvSpPr>
+        <p:spPr>
+          <a:xfrm>
+            <a:off x="157933" y="5658896"/>
+            <a:ext cx="3556740" cy="858077"/>
+          </a:xfrm>
+          <a:prstGeom prst="rect">
+            <a:avLst/>
+          </a:prstGeom>
+          <a:solidFill>
+            <a:srgbClr val="32B9CD"/>
+          </a:solidFill>
+        </p:spPr>
+        <p:style>
+          <a:lnRef idx="1">
+            <a:schemeClr val="accent3"/>
+          </a:lnRef>
+          <a:fillRef idx="3">
+            <a:schemeClr val="accent3"/>
+          </a:fillRef>
+          <a:effectRef idx="2">
+            <a:schemeClr val="accent3"/>
+          </a:effectRef>
+          <a:fontRef idx="minor">
+            <a:schemeClr val="lt1"/>
+          </a:fontRef>
+        </p:style>
+        <p:txBody>
+          <a:bodyPr rtlCol="0" anchor="ctr"/>
+          <a:lstStyle/>
+          <a:p>
+            <a:pPr algn="ctr"/>
+            <a:r>
+              <a:rPr lang="pt-BR" sz="1632" b="1">
+                <a:solidFill>
+                  <a:srgbClr val="272A30"/>
+                </a:solidFill>
+                <a:latin typeface="Exo 2" panose="00000500000000000000" pitchFamily="50" charset="0"/>
+              </a:rPr>
+              <a:t>VISÃO DE SOFTWARE - CLASSES</a:t>
+            </a:r>
+          </a:p>
+          <a:p>
+            <a:pPr algn="ctr"/>
+            <a:r>
+              <a:rPr lang="pt-BR" sz="1632" b="1">
+                <a:solidFill>
+                  <a:srgbClr val="272A30"/>
+                </a:solidFill>
+                <a:latin typeface="Exo 2" panose="00000500000000000000" pitchFamily="50" charset="0"/>
+              </a:rPr>
+              <a:t> (</a:t>
+            </a:r>
+            <a:r>
+              <a:rPr lang="pt-BR" sz="1632" b="1" err="1">
+                <a:solidFill>
+                  <a:srgbClr val="272A30"/>
+                </a:solidFill>
+                <a:latin typeface="Exo 2" panose="00000500000000000000" pitchFamily="50" charset="0"/>
+              </a:rPr>
+              <a:t>Devs</a:t>
+            </a:r>
+            <a:r>
+              <a:rPr lang="pt-BR" sz="1632" b="1">
+                <a:solidFill>
+                  <a:srgbClr val="272A30"/>
+                </a:solidFill>
+                <a:latin typeface="Exo 2" panose="00000500000000000000" pitchFamily="50" charset="0"/>
+              </a:rPr>
+              <a:t>)</a:t>
+            </a:r>
+          </a:p>
+        </p:txBody>
+      </p:sp>
+    </p:spTree>
+    <p:extLst>
+      <p:ext uri="{BB962C8B-B14F-4D97-AF65-F5344CB8AC3E}">
+        <p14:creationId xmlns:p14="http://schemas.microsoft.com/office/powerpoint/2010/main" val="2317141888"/>
+      </p:ext>
+    </p:extLst>
+  </p:cSld>
+  <p:clrMapOvr>
+    <a:masterClrMapping/>
+  </p:clrMapOvr>
+</p:sld>
+</file>
+
+<file path=ppt/slides/slide28.xml><?xml version="1.0" encoding="utf-8"?>
+<p:sld xmlns:a="http://schemas.openxmlformats.org/drawingml/2006/main" xmlns:r="http://schemas.openxmlformats.org/officeDocument/2006/relationships" xmlns:p="http://schemas.openxmlformats.org/presentationml/2006/main">
+  <p:cSld>
+    <p:spTree>
+      <p:nvGrpSpPr>
+        <p:cNvPr id="1" name=""/>
+        <p:cNvGrpSpPr/>
+        <p:nvPr/>
+      </p:nvGrpSpPr>
+      <p:grpSpPr>
+        <a:xfrm>
+          <a:off x="0" y="0"/>
+          <a:ext cx="0" cy="0"/>
+          <a:chOff x="0" y="0"/>
+          <a:chExt cx="0" cy="0"/>
+        </a:xfrm>
+      </p:grpSpPr>
+      <p:sp>
+        <p:nvSpPr>
           <p:cNvPr id="2" name="Espaço Reservado para Texto 1"/>
           <p:cNvSpPr>
             <a:spLocks noGrp="1"/>
@@ -41276,7 +48207,7 @@
               <a:pPr>
                 <a:defRPr/>
               </a:pPr>
-              <a:t>26</a:t>
+              <a:t>28</a:t>
             </a:fld>
             <a:endParaRPr lang="pt-BR" sz="798"/>
           </a:p>
@@ -45928,6 +52859,15 @@
 </file>
 
 <file path=customXml/item1.xml><?xml version="1.0" encoding="utf-8"?>
+<?mso-contentType ?>
+<FormTemplates xmlns="http://schemas.microsoft.com/sharepoint/v3/contenttype/forms">
+  <Display>DocumentLibraryForm</Display>
+  <Edit>DocumentLibraryForm</Edit>
+  <New>DocumentLibraryForm</New>
+</FormTemplates>
+</file>
+
+<file path=customXml/item2.xml><?xml version="1.0" encoding="utf-8"?>
 <ct:contentTypeSchema xmlns:ct="http://schemas.microsoft.com/office/2006/metadata/contentType" xmlns:ma="http://schemas.microsoft.com/office/2006/metadata/properties/metaAttributes" ct:_="" ma:_="" ma:contentTypeName="Documento" ma:contentTypeID="0x010100A0731E8D1374834C8E89AE093B47FB16" ma:contentTypeVersion="4" ma:contentTypeDescription="Crie um novo documento." ma:contentTypeScope="" ma:versionID="4837e8b0590f4bdf6c36e45dd83967a9">
   <xsd:schema xmlns:xsd="http://www.w3.org/2001/XMLSchema" xmlns:xs="http://www.w3.org/2001/XMLSchema" xmlns:p="http://schemas.microsoft.com/office/2006/metadata/properties" xmlns:ns2="8d73c667-0e32-466c-9097-a1f484c201cc" targetNamespace="http://schemas.microsoft.com/office/2006/metadata/properties" ma:root="true" ma:fieldsID="2b1d107c167b6255f3e6c6b90367b717" ns2:_="">
     <xsd:import namespace="8d73c667-0e32-466c-9097-a1f484c201cc"/>
@@ -46073,15 +53013,6 @@
 </ct:contentTypeSchema>
 </file>
 
-<file path=customXml/item2.xml><?xml version="1.0" encoding="utf-8"?>
-<?mso-contentType ?>
-<FormTemplates xmlns="http://schemas.microsoft.com/sharepoint/v3/contenttype/forms">
-  <Display>DocumentLibraryForm</Display>
-  <Edit>DocumentLibraryForm</Edit>
-  <New>DocumentLibraryForm</New>
-</FormTemplates>
-</file>
-
 <file path=customXml/item3.xml><?xml version="1.0" encoding="utf-8"?>
 <p:properties xmlns:p="http://schemas.microsoft.com/office/2006/metadata/properties" xmlns:xsi="http://www.w3.org/2001/XMLSchema-instance" xmlns:pc="http://schemas.microsoft.com/office/infopath/2007/PartnerControls">
   <documentManagement/>
@@ -46089,6 +53020,14 @@
 </file>
 
 <file path=customXml/itemProps1.xml><?xml version="1.0" encoding="utf-8"?>
+<ds:datastoreItem xmlns:ds="http://schemas.openxmlformats.org/officeDocument/2006/customXml" ds:itemID="{7B7E5500-1E1C-4DD3-A9B7-CDF199E77632}">
+  <ds:schemaRefs>
+    <ds:schemaRef ds:uri="http://schemas.microsoft.com/sharepoint/v3/contenttype/forms"/>
+  </ds:schemaRefs>
+</ds:datastoreItem>
+</file>
+
+<file path=customXml/itemProps2.xml><?xml version="1.0" encoding="utf-8"?>
 <ds:datastoreItem xmlns:ds="http://schemas.openxmlformats.org/officeDocument/2006/customXml" ds:itemID="{C77A63D9-D020-4140-8B2F-EC8E663DD653}">
   <ds:schemaRefs>
     <ds:schemaRef ds:uri="http://schemas.microsoft.com/office/2006/metadata/contentType"/>
@@ -46102,14 +53041,6 @@
     <ds:schemaRef ds:uri="http://purl.org/dc/elements/1.1/"/>
     <ds:schemaRef ds:uri="http://purl.org/dc/terms/"/>
     <ds:schemaRef ds:uri="http://schemas.microsoft.com/internal/obd"/>
-  </ds:schemaRefs>
-</ds:datastoreItem>
-</file>
-
-<file path=customXml/itemProps2.xml><?xml version="1.0" encoding="utf-8"?>
-<ds:datastoreItem xmlns:ds="http://schemas.openxmlformats.org/officeDocument/2006/customXml" ds:itemID="{7B7E5500-1E1C-4DD3-A9B7-CDF199E77632}">
-  <ds:schemaRefs>
-    <ds:schemaRef ds:uri="http://schemas.microsoft.com/sharepoint/v3/contenttype/forms"/>
   </ds:schemaRefs>
 </ds:datastoreItem>
 </file>
